--- a/SE2021-G003-实现/测试展示.pptx
+++ b/SE2021-G003-实现/测试展示.pptx
@@ -5,7 +5,7 @@
     <p:sldMasterId id="2147483648" r:id="rId1"/>
   </p:sldMasterIdLst>
   <p:notesMasterIdLst>
-    <p:notesMasterId r:id="rId39"/>
+    <p:notesMasterId r:id="rId38"/>
   </p:notesMasterIdLst>
   <p:sldIdLst>
     <p:sldId id="667" r:id="rId2"/>
@@ -16,60 +16,59 @@
     <p:sldId id="704" r:id="rId7"/>
     <p:sldId id="689" r:id="rId8"/>
     <p:sldId id="690" r:id="rId9"/>
-    <p:sldId id="694" r:id="rId10"/>
-    <p:sldId id="714" r:id="rId11"/>
-    <p:sldId id="695" r:id="rId12"/>
-    <p:sldId id="696" r:id="rId13"/>
-    <p:sldId id="703" r:id="rId14"/>
-    <p:sldId id="700" r:id="rId15"/>
-    <p:sldId id="709" r:id="rId16"/>
-    <p:sldId id="701" r:id="rId17"/>
-    <p:sldId id="691" r:id="rId18"/>
-    <p:sldId id="692" r:id="rId19"/>
-    <p:sldId id="693" r:id="rId20"/>
-    <p:sldId id="697" r:id="rId21"/>
-    <p:sldId id="699" r:id="rId22"/>
-    <p:sldId id="705" r:id="rId23"/>
-    <p:sldId id="706" r:id="rId24"/>
-    <p:sldId id="707" r:id="rId25"/>
-    <p:sldId id="713" r:id="rId26"/>
-    <p:sldId id="708" r:id="rId27"/>
-    <p:sldId id="710" r:id="rId28"/>
-    <p:sldId id="671" r:id="rId29"/>
-    <p:sldId id="716" r:id="rId30"/>
-    <p:sldId id="717" r:id="rId31"/>
-    <p:sldId id="715" r:id="rId32"/>
-    <p:sldId id="720" r:id="rId33"/>
-    <p:sldId id="722" r:id="rId34"/>
-    <p:sldId id="719" r:id="rId35"/>
-    <p:sldId id="718" r:id="rId36"/>
-    <p:sldId id="660" r:id="rId37"/>
-    <p:sldId id="663" r:id="rId38"/>
+    <p:sldId id="714" r:id="rId10"/>
+    <p:sldId id="695" r:id="rId11"/>
+    <p:sldId id="696" r:id="rId12"/>
+    <p:sldId id="703" r:id="rId13"/>
+    <p:sldId id="700" r:id="rId14"/>
+    <p:sldId id="709" r:id="rId15"/>
+    <p:sldId id="701" r:id="rId16"/>
+    <p:sldId id="691" r:id="rId17"/>
+    <p:sldId id="692" r:id="rId18"/>
+    <p:sldId id="693" r:id="rId19"/>
+    <p:sldId id="697" r:id="rId20"/>
+    <p:sldId id="699" r:id="rId21"/>
+    <p:sldId id="705" r:id="rId22"/>
+    <p:sldId id="706" r:id="rId23"/>
+    <p:sldId id="707" r:id="rId24"/>
+    <p:sldId id="713" r:id="rId25"/>
+    <p:sldId id="708" r:id="rId26"/>
+    <p:sldId id="710" r:id="rId27"/>
+    <p:sldId id="671" r:id="rId28"/>
+    <p:sldId id="716" r:id="rId29"/>
+    <p:sldId id="717" r:id="rId30"/>
+    <p:sldId id="715" r:id="rId31"/>
+    <p:sldId id="720" r:id="rId32"/>
+    <p:sldId id="722" r:id="rId33"/>
+    <p:sldId id="719" r:id="rId34"/>
+    <p:sldId id="718" r:id="rId35"/>
+    <p:sldId id="660" r:id="rId36"/>
+    <p:sldId id="663" r:id="rId37"/>
   </p:sldIdLst>
   <p:sldSz cx="12192000" cy="6858000"/>
   <p:notesSz cx="6858000" cy="9144000"/>
   <p:embeddedFontLst>
     <p:embeddedFont>
       <p:font typeface="汉仪大宋简" panose="02010600030101010101" charset="-122"/>
+      <p:regular r:id="rId39"/>
+    </p:embeddedFont>
+    <p:embeddedFont>
+      <p:font typeface="汉仪中等线简" panose="02010600030101010101" charset="-122"/>
       <p:regular r:id="rId40"/>
     </p:embeddedFont>
     <p:embeddedFont>
-      <p:font typeface="汉仪中等线简" panose="02010600030101010101" charset="-122"/>
+      <p:font typeface="Arial Black" panose="020B0A04020102020204" pitchFamily="34" charset="0"/>
       <p:regular r:id="rId41"/>
-    </p:embeddedFont>
-    <p:embeddedFont>
-      <p:font typeface="Arial Black" panose="020B0A04020102020204" pitchFamily="34" charset="0"/>
-      <p:regular r:id="rId42"/>
-      <p:bold r:id="rId43"/>
+      <p:bold r:id="rId42"/>
     </p:embeddedFont>
     <p:embeddedFont>
       <p:font typeface="等线" panose="02010600030101010101" pitchFamily="2" charset="-122"/>
-      <p:regular r:id="rId44"/>
-      <p:bold r:id="rId45"/>
+      <p:regular r:id="rId43"/>
+      <p:bold r:id="rId44"/>
     </p:embeddedFont>
     <p:embeddedFont>
       <p:font typeface="华文细黑" panose="02010600040101010101" pitchFamily="2" charset="-122"/>
-      <p:regular r:id="rId46"/>
+      <p:regular r:id="rId45"/>
     </p:embeddedFont>
   </p:embeddedFontLst>
   <p:defaultTextStyle>
@@ -180,7 +179,6 @@
             <p14:sldId id="704"/>
             <p14:sldId id="689"/>
             <p14:sldId id="690"/>
-            <p14:sldId id="694"/>
             <p14:sldId id="714"/>
             <p14:sldId id="695"/>
             <p14:sldId id="696"/>
@@ -819,7 +817,7 @@
           <a:p>
             <a:fld id="{007A01F5-44A5-4159-8A25-AAEB32A72F86}" type="slidenum">
               <a:rPr lang="zh-CN" altLang="en-US" smtClean="0"/>
-              <a:t>30</a:t>
+              <a:t>29</a:t>
             </a:fld>
             <a:endParaRPr lang="zh-CN" altLang="en-US"/>
           </a:p>
@@ -903,7 +901,7 @@
           <a:p>
             <a:fld id="{007A01F5-44A5-4159-8A25-AAEB32A72F86}" type="slidenum">
               <a:rPr lang="zh-CN" altLang="en-US" smtClean="0"/>
-              <a:t>32</a:t>
+              <a:t>31</a:t>
             </a:fld>
             <a:endParaRPr lang="zh-CN" altLang="en-US"/>
           </a:p>
@@ -987,7 +985,7 @@
           <a:p>
             <a:fld id="{007A01F5-44A5-4159-8A25-AAEB32A72F86}" type="slidenum">
               <a:rPr lang="zh-CN" altLang="en-US" smtClean="0"/>
-              <a:t>33</a:t>
+              <a:t>32</a:t>
             </a:fld>
             <a:endParaRPr lang="zh-CN" altLang="en-US"/>
           </a:p>
@@ -1071,7 +1069,7 @@
           <a:p>
             <a:fld id="{007A01F5-44A5-4159-8A25-AAEB32A72F86}" type="slidenum">
               <a:rPr lang="zh-CN" altLang="en-US" smtClean="0"/>
-              <a:t>34</a:t>
+              <a:t>33</a:t>
             </a:fld>
             <a:endParaRPr lang="zh-CN" altLang="en-US"/>
           </a:p>
@@ -4607,10 +4605,10 @@
       </p:pic>
       <p:pic>
         <p:nvPicPr>
-          <p:cNvPr id="4" name="图片 3">
+          <p:cNvPr id="5" name="图片 4">
             <a:extLst>
               <a:ext uri="{FF2B5EF4-FFF2-40B4-BE49-F238E27FC236}">
-                <a16:creationId xmlns:a16="http://schemas.microsoft.com/office/drawing/2014/main" id="{1568FC4E-AFD2-4B88-B6AF-BEDB5DD72BCD}"/>
+                <a16:creationId xmlns:a16="http://schemas.microsoft.com/office/drawing/2014/main" id="{7F8F5817-363F-4792-B3CA-585498480E84}"/>
               </a:ext>
             </a:extLst>
           </p:cNvPr>
@@ -4627,8 +4625,8 @@
         </p:blipFill>
         <p:spPr>
           <a:xfrm>
-            <a:off x="241300" y="1451696"/>
-            <a:ext cx="13793268" cy="2002704"/>
+            <a:off x="444500" y="1520269"/>
+            <a:ext cx="10731500" cy="1125889"/>
           </a:xfrm>
           <a:prstGeom prst="rect">
             <a:avLst/>
@@ -4640,7 +4638,7 @@
           <p:cNvPr id="7" name="图片 6">
             <a:extLst>
               <a:ext uri="{FF2B5EF4-FFF2-40B4-BE49-F238E27FC236}">
-                <a16:creationId xmlns:a16="http://schemas.microsoft.com/office/drawing/2014/main" id="{9A65C26B-D8FE-4931-9615-A978D31A48D7}"/>
+                <a16:creationId xmlns:a16="http://schemas.microsoft.com/office/drawing/2014/main" id="{FD8E9359-B602-481E-8D05-854EAC476926}"/>
               </a:ext>
             </a:extLst>
           </p:cNvPr>
@@ -4657,8 +4655,8 @@
         </p:blipFill>
         <p:spPr>
           <a:xfrm>
-            <a:off x="139700" y="3637201"/>
-            <a:ext cx="12192000" cy="957308"/>
+            <a:off x="-177800" y="3010185"/>
+            <a:ext cx="12192000" cy="532830"/>
           </a:xfrm>
           <a:prstGeom prst="rect">
             <a:avLst/>
@@ -4667,10 +4665,10 @@
       </p:pic>
       <p:sp>
         <p:nvSpPr>
-          <p:cNvPr id="2" name="文本框 1">
+          <p:cNvPr id="6" name="文本框 5">
             <a:extLst>
               <a:ext uri="{FF2B5EF4-FFF2-40B4-BE49-F238E27FC236}">
-                <a16:creationId xmlns:a16="http://schemas.microsoft.com/office/drawing/2014/main" id="{B8C13B26-0F8D-4B5D-A829-204878D67F48}"/>
+                <a16:creationId xmlns:a16="http://schemas.microsoft.com/office/drawing/2014/main" id="{E7AE8E00-4D27-41C9-BC71-7D43B4EACAD8}"/>
               </a:ext>
             </a:extLst>
           </p:cNvPr>
@@ -4711,20 +4709,20 @@
     </p:spTree>
     <p:extLst>
       <p:ext uri="{BB962C8B-B14F-4D97-AF65-F5344CB8AC3E}">
-        <p14:creationId xmlns:p14="http://schemas.microsoft.com/office/powerpoint/2010/main" val="2652704381"/>
+        <p14:creationId xmlns:p14="http://schemas.microsoft.com/office/powerpoint/2010/main" val="1651576204"/>
       </p:ext>
     </p:extLst>
   </p:cSld>
   <p:clrMapOvr>
     <a:masterClrMapping/>
   </p:clrMapOvr>
-  <mc:AlternateContent xmlns:mc="http://schemas.openxmlformats.org/markup-compatibility/2006">
-    <mc:Choice xmlns:p14="http://schemas.microsoft.com/office/powerpoint/2010/main" Requires="p14">
+  <mc:AlternateContent xmlns:mc="http://schemas.openxmlformats.org/markup-compatibility/2006" xmlns:p14="http://schemas.microsoft.com/office/powerpoint/2010/main">
+    <mc:Choice Requires="p14">
       <p:transition spd="med" p14:dur="700">
         <p:fade/>
       </p:transition>
     </mc:Choice>
-    <mc:Fallback>
+    <mc:Fallback xmlns="">
       <p:transition spd="med">
         <p:fade/>
       </p:transition>
@@ -4812,211 +4810,6 @@
       </p:pic>
       <p:pic>
         <p:nvPicPr>
-          <p:cNvPr id="5" name="图片 4">
-            <a:extLst>
-              <a:ext uri="{FF2B5EF4-FFF2-40B4-BE49-F238E27FC236}">
-                <a16:creationId xmlns:a16="http://schemas.microsoft.com/office/drawing/2014/main" id="{7F8F5817-363F-4792-B3CA-585498480E84}"/>
-              </a:ext>
-            </a:extLst>
-          </p:cNvPr>
-          <p:cNvPicPr>
-            <a:picLocks noChangeAspect="1"/>
-          </p:cNvPicPr>
-          <p:nvPr/>
-        </p:nvPicPr>
-        <p:blipFill>
-          <a:blip r:embed="rId3"/>
-          <a:stretch>
-            <a:fillRect/>
-          </a:stretch>
-        </p:blipFill>
-        <p:spPr>
-          <a:xfrm>
-            <a:off x="444500" y="1520269"/>
-            <a:ext cx="10731500" cy="1125889"/>
-          </a:xfrm>
-          <a:prstGeom prst="rect">
-            <a:avLst/>
-          </a:prstGeom>
-        </p:spPr>
-      </p:pic>
-      <p:pic>
-        <p:nvPicPr>
-          <p:cNvPr id="7" name="图片 6">
-            <a:extLst>
-              <a:ext uri="{FF2B5EF4-FFF2-40B4-BE49-F238E27FC236}">
-                <a16:creationId xmlns:a16="http://schemas.microsoft.com/office/drawing/2014/main" id="{FD8E9359-B602-481E-8D05-854EAC476926}"/>
-              </a:ext>
-            </a:extLst>
-          </p:cNvPr>
-          <p:cNvPicPr>
-            <a:picLocks noChangeAspect="1"/>
-          </p:cNvPicPr>
-          <p:nvPr/>
-        </p:nvPicPr>
-        <p:blipFill>
-          <a:blip r:embed="rId4"/>
-          <a:stretch>
-            <a:fillRect/>
-          </a:stretch>
-        </p:blipFill>
-        <p:spPr>
-          <a:xfrm>
-            <a:off x="-177800" y="3010185"/>
-            <a:ext cx="12192000" cy="532830"/>
-          </a:xfrm>
-          <a:prstGeom prst="rect">
-            <a:avLst/>
-          </a:prstGeom>
-        </p:spPr>
-      </p:pic>
-      <p:sp>
-        <p:nvSpPr>
-          <p:cNvPr id="6" name="文本框 5">
-            <a:extLst>
-              <a:ext uri="{FF2B5EF4-FFF2-40B4-BE49-F238E27FC236}">
-                <a16:creationId xmlns:a16="http://schemas.microsoft.com/office/drawing/2014/main" id="{E7AE8E00-4D27-41C9-BC71-7D43B4EACAD8}"/>
-              </a:ext>
-            </a:extLst>
-          </p:cNvPr>
-          <p:cNvSpPr txBox="1"/>
-          <p:nvPr/>
-        </p:nvSpPr>
-        <p:spPr>
-          <a:xfrm>
-            <a:off x="1272209" y="616226"/>
-            <a:ext cx="2643808" cy="369332"/>
-          </a:xfrm>
-          <a:prstGeom prst="rect">
-            <a:avLst/>
-          </a:prstGeom>
-          <a:noFill/>
-        </p:spPr>
-        <p:txBody>
-          <a:bodyPr wrap="square" rtlCol="0">
-            <a:spAutoFit/>
-          </a:bodyPr>
-          <a:lstStyle/>
-          <a:p>
-            <a:r>
-              <a:rPr lang="zh-CN" altLang="en-US" dirty="0"/>
-              <a:t>单元测试</a:t>
-            </a:r>
-            <a:r>
-              <a:rPr lang="en-US" altLang="zh-CN" dirty="0"/>
-              <a:t>--</a:t>
-            </a:r>
-            <a:r>
-              <a:rPr lang="zh-CN" altLang="en-US" dirty="0"/>
-              <a:t>添加题目</a:t>
-            </a:r>
-          </a:p>
-        </p:txBody>
-      </p:sp>
-    </p:spTree>
-    <p:extLst>
-      <p:ext uri="{BB962C8B-B14F-4D97-AF65-F5344CB8AC3E}">
-        <p14:creationId xmlns:p14="http://schemas.microsoft.com/office/powerpoint/2010/main" val="1651576204"/>
-      </p:ext>
-    </p:extLst>
-  </p:cSld>
-  <p:clrMapOvr>
-    <a:masterClrMapping/>
-  </p:clrMapOvr>
-  <mc:AlternateContent xmlns:mc="http://schemas.openxmlformats.org/markup-compatibility/2006" xmlns:p14="http://schemas.microsoft.com/office/powerpoint/2010/main">
-    <mc:Choice Requires="p14">
-      <p:transition spd="med" p14:dur="700">
-        <p:fade/>
-      </p:transition>
-    </mc:Choice>
-    <mc:Fallback xmlns="">
-      <p:transition spd="med">
-        <p:fade/>
-      </p:transition>
-    </mc:Fallback>
-  </mc:AlternateContent>
-</p:sld>
-</file>
-
-<file path=ppt/slides/slide12.xml><?xml version="1.0" encoding="utf-8"?>
-<p:sld xmlns:a="http://schemas.openxmlformats.org/drawingml/2006/main" xmlns:r="http://schemas.openxmlformats.org/officeDocument/2006/relationships" xmlns:p="http://schemas.openxmlformats.org/presentationml/2006/main">
-  <p:cSld>
-    <p:spTree>
-      <p:nvGrpSpPr>
-        <p:cNvPr id="1" name=""/>
-        <p:cNvGrpSpPr/>
-        <p:nvPr/>
-      </p:nvGrpSpPr>
-      <p:grpSpPr>
-        <a:xfrm>
-          <a:off x="0" y="0"/>
-          <a:ext cx="0" cy="0"/>
-          <a:chOff x="0" y="0"/>
-          <a:chExt cx="0" cy="0"/>
-        </a:xfrm>
-      </p:grpSpPr>
-      <p:pic>
-        <p:nvPicPr>
-          <p:cNvPr id="39" name="Picture 4">
-            <a:extLst>
-              <a:ext uri="{FF2B5EF4-FFF2-40B4-BE49-F238E27FC236}">
-                <a16:creationId xmlns:a16="http://schemas.microsoft.com/office/drawing/2014/main" id="{DE3B5CC2-AC5C-4E66-A2A9-A043DA896552}"/>
-              </a:ext>
-            </a:extLst>
-          </p:cNvPr>
-          <p:cNvPicPr>
-            <a:picLocks noChangeAspect="1" noChangeArrowheads="1"/>
-          </p:cNvPicPr>
-          <p:nvPr/>
-        </p:nvPicPr>
-        <p:blipFill>
-          <a:blip r:embed="rId2" cstate="print">
-            <a:extLst>
-              <a:ext uri="{28A0092B-C50C-407E-A947-70E740481C1C}">
-                <a14:useLocalDpi xmlns:a14="http://schemas.microsoft.com/office/drawing/2010/main" val="0"/>
-              </a:ext>
-            </a:extLst>
-          </a:blip>
-          <a:srcRect/>
-          <a:stretch>
-            <a:fillRect/>
-          </a:stretch>
-        </p:blipFill>
-        <p:spPr bwMode="auto">
-          <a:xfrm>
-            <a:off x="11019722" y="5734618"/>
-            <a:ext cx="759333" cy="726869"/>
-          </a:xfrm>
-          <a:prstGeom prst="rect">
-            <a:avLst/>
-          </a:prstGeom>
-          <a:noFill/>
-          <a:ln>
-            <a:noFill/>
-          </a:ln>
-          <a:extLst>
-            <a:ext uri="{909E8E84-426E-40DD-AFC4-6F175D3DCCD1}">
-              <a14:hiddenFill xmlns:a14="http://schemas.microsoft.com/office/drawing/2010/main">
-                <a:solidFill>
-                  <a:srgbClr val="FFFFFF"/>
-                </a:solidFill>
-              </a14:hiddenFill>
-            </a:ext>
-            <a:ext uri="{91240B29-F687-4F45-9708-019B960494DF}">
-              <a14:hiddenLine xmlns:a14="http://schemas.microsoft.com/office/drawing/2010/main" w="9525">
-                <a:solidFill>
-                  <a:srgbClr val="000000"/>
-                </a:solidFill>
-                <a:miter lim="800000"/>
-                <a:headEnd/>
-                <a:tailEnd/>
-              </a14:hiddenLine>
-            </a:ext>
-          </a:extLst>
-        </p:spPr>
-      </p:pic>
-      <p:pic>
-        <p:nvPicPr>
           <p:cNvPr id="3" name="图片 2">
             <a:extLst>
               <a:ext uri="{FF2B5EF4-FFF2-40B4-BE49-F238E27FC236}">
@@ -5143,7 +4936,7 @@
 </p:sld>
 </file>
 
-<file path=ppt/slides/slide13.xml><?xml version="1.0" encoding="utf-8"?>
+<file path=ppt/slides/slide12.xml><?xml version="1.0" encoding="utf-8"?>
 <p:sld xmlns:a="http://schemas.openxmlformats.org/drawingml/2006/main" xmlns:r="http://schemas.openxmlformats.org/officeDocument/2006/relationships" xmlns:p="http://schemas.openxmlformats.org/presentationml/2006/main">
   <p:cSld>
     <p:spTree>
@@ -5611,6 +5404,138 @@
     <p:extLst>
       <p:ext uri="{BB962C8B-B14F-4D97-AF65-F5344CB8AC3E}">
         <p14:creationId xmlns:p14="http://schemas.microsoft.com/office/powerpoint/2010/main" val="1059739981"/>
+      </p:ext>
+    </p:extLst>
+  </p:cSld>
+  <p:clrMapOvr>
+    <a:masterClrMapping/>
+  </p:clrMapOvr>
+  <mc:AlternateContent xmlns:mc="http://schemas.openxmlformats.org/markup-compatibility/2006" xmlns:p14="http://schemas.microsoft.com/office/powerpoint/2010/main">
+    <mc:Choice Requires="p14">
+      <p:transition spd="med" p14:dur="700">
+        <p:fade/>
+      </p:transition>
+    </mc:Choice>
+    <mc:Fallback xmlns="">
+      <p:transition spd="med">
+        <p:fade/>
+      </p:transition>
+    </mc:Fallback>
+  </mc:AlternateContent>
+</p:sld>
+</file>
+
+<file path=ppt/slides/slide13.xml><?xml version="1.0" encoding="utf-8"?>
+<p:sld xmlns:a="http://schemas.openxmlformats.org/drawingml/2006/main" xmlns:r="http://schemas.openxmlformats.org/officeDocument/2006/relationships" xmlns:p="http://schemas.openxmlformats.org/presentationml/2006/main">
+  <p:cSld>
+    <p:spTree>
+      <p:nvGrpSpPr>
+        <p:cNvPr id="1" name=""/>
+        <p:cNvGrpSpPr/>
+        <p:nvPr/>
+      </p:nvGrpSpPr>
+      <p:grpSpPr>
+        <a:xfrm>
+          <a:off x="0" y="0"/>
+          <a:ext cx="0" cy="0"/>
+          <a:chOff x="0" y="0"/>
+          <a:chExt cx="0" cy="0"/>
+        </a:xfrm>
+      </p:grpSpPr>
+      <p:pic>
+        <p:nvPicPr>
+          <p:cNvPr id="39" name="Picture 4">
+            <a:extLst>
+              <a:ext uri="{FF2B5EF4-FFF2-40B4-BE49-F238E27FC236}">
+                <a16:creationId xmlns:a16="http://schemas.microsoft.com/office/drawing/2014/main" id="{DE3B5CC2-AC5C-4E66-A2A9-A043DA896552}"/>
+              </a:ext>
+            </a:extLst>
+          </p:cNvPr>
+          <p:cNvPicPr>
+            <a:picLocks noChangeAspect="1" noChangeArrowheads="1"/>
+          </p:cNvPicPr>
+          <p:nvPr/>
+        </p:nvPicPr>
+        <p:blipFill>
+          <a:blip r:embed="rId2" cstate="print">
+            <a:extLst>
+              <a:ext uri="{28A0092B-C50C-407E-A947-70E740481C1C}">
+                <a14:useLocalDpi xmlns:a14="http://schemas.microsoft.com/office/drawing/2010/main" val="0"/>
+              </a:ext>
+            </a:extLst>
+          </a:blip>
+          <a:srcRect/>
+          <a:stretch>
+            <a:fillRect/>
+          </a:stretch>
+        </p:blipFill>
+        <p:spPr bwMode="auto">
+          <a:xfrm>
+            <a:off x="11019722" y="5734618"/>
+            <a:ext cx="759333" cy="726869"/>
+          </a:xfrm>
+          <a:prstGeom prst="rect">
+            <a:avLst/>
+          </a:prstGeom>
+          <a:noFill/>
+          <a:ln>
+            <a:noFill/>
+          </a:ln>
+          <a:extLst>
+            <a:ext uri="{909E8E84-426E-40DD-AFC4-6F175D3DCCD1}">
+              <a14:hiddenFill xmlns:a14="http://schemas.microsoft.com/office/drawing/2010/main">
+                <a:solidFill>
+                  <a:srgbClr val="FFFFFF"/>
+                </a:solidFill>
+              </a14:hiddenFill>
+            </a:ext>
+            <a:ext uri="{91240B29-F687-4F45-9708-019B960494DF}">
+              <a14:hiddenLine xmlns:a14="http://schemas.microsoft.com/office/drawing/2010/main" w="9525">
+                <a:solidFill>
+                  <a:srgbClr val="000000"/>
+                </a:solidFill>
+                <a:miter lim="800000"/>
+                <a:headEnd/>
+                <a:tailEnd/>
+              </a14:hiddenLine>
+            </a:ext>
+          </a:extLst>
+        </p:spPr>
+      </p:pic>
+      <p:pic>
+        <p:nvPicPr>
+          <p:cNvPr id="3" name="图片 2">
+            <a:extLst>
+              <a:ext uri="{FF2B5EF4-FFF2-40B4-BE49-F238E27FC236}">
+                <a16:creationId xmlns:a16="http://schemas.microsoft.com/office/drawing/2014/main" id="{8B09F3EC-1F7D-4F10-A7B7-F9D756CF152B}"/>
+              </a:ext>
+            </a:extLst>
+          </p:cNvPr>
+          <p:cNvPicPr>
+            <a:picLocks noChangeAspect="1"/>
+          </p:cNvPicPr>
+          <p:nvPr/>
+        </p:nvPicPr>
+        <p:blipFill>
+          <a:blip r:embed="rId3"/>
+          <a:stretch>
+            <a:fillRect/>
+          </a:stretch>
+        </p:blipFill>
+        <p:spPr>
+          <a:xfrm>
+            <a:off x="1435682" y="802287"/>
+            <a:ext cx="7638518" cy="5378638"/>
+          </a:xfrm>
+          <a:prstGeom prst="rect">
+            <a:avLst/>
+          </a:prstGeom>
+        </p:spPr>
+      </p:pic>
+    </p:spTree>
+    <p:extLst>
+      <p:ext uri="{BB962C8B-B14F-4D97-AF65-F5344CB8AC3E}">
+        <p14:creationId xmlns:p14="http://schemas.microsoft.com/office/powerpoint/2010/main" val="777657698"/>
       </p:ext>
     </p:extLst>
   </p:cSld>
@@ -5709,12 +5634,82 @@
           </a:extLst>
         </p:spPr>
       </p:pic>
+      <p:sp>
+        <p:nvSpPr>
+          <p:cNvPr id="6" name="文本框 5">
+            <a:extLst>
+              <a:ext uri="{FF2B5EF4-FFF2-40B4-BE49-F238E27FC236}">
+                <a16:creationId xmlns:a16="http://schemas.microsoft.com/office/drawing/2014/main" id="{EF8EE708-5BBD-40E5-8D2C-128A00763B27}"/>
+              </a:ext>
+            </a:extLst>
+          </p:cNvPr>
+          <p:cNvSpPr txBox="1"/>
+          <p:nvPr/>
+        </p:nvSpPr>
+        <p:spPr>
+          <a:xfrm>
+            <a:off x="7051459" y="795737"/>
+            <a:ext cx="2937140" cy="369332"/>
+          </a:xfrm>
+          <a:prstGeom prst="rect">
+            <a:avLst/>
+          </a:prstGeom>
+          <a:noFill/>
+        </p:spPr>
+        <p:txBody>
+          <a:bodyPr wrap="square" rtlCol="0">
+            <a:spAutoFit/>
+          </a:bodyPr>
+          <a:lstStyle/>
+          <a:p>
+            <a:r>
+              <a:rPr lang="zh-CN" altLang="en-US" dirty="0"/>
+              <a:t>用户做题功能的流程图</a:t>
+            </a:r>
+          </a:p>
+        </p:txBody>
+      </p:sp>
+      <p:sp>
+        <p:nvSpPr>
+          <p:cNvPr id="7" name="文本框 6">
+            <a:extLst>
+              <a:ext uri="{FF2B5EF4-FFF2-40B4-BE49-F238E27FC236}">
+                <a16:creationId xmlns:a16="http://schemas.microsoft.com/office/drawing/2014/main" id="{5B4E3DE9-F063-401C-BBA2-FE6B4CD20491}"/>
+              </a:ext>
+            </a:extLst>
+          </p:cNvPr>
+          <p:cNvSpPr txBox="1"/>
+          <p:nvPr/>
+        </p:nvSpPr>
+        <p:spPr>
+          <a:xfrm>
+            <a:off x="7147676" y="1493753"/>
+            <a:ext cx="2373252" cy="369332"/>
+          </a:xfrm>
+          <a:prstGeom prst="rect">
+            <a:avLst/>
+          </a:prstGeom>
+          <a:noFill/>
+        </p:spPr>
+        <p:txBody>
+          <a:bodyPr wrap="square" rtlCol="0">
+            <a:spAutoFit/>
+          </a:bodyPr>
+          <a:lstStyle/>
+          <a:p>
+            <a:r>
+              <a:rPr lang="zh-CN" altLang="en-US" dirty="0"/>
+              <a:t>编写流程图测试用例</a:t>
+            </a:r>
+          </a:p>
+        </p:txBody>
+      </p:sp>
       <p:pic>
         <p:nvPicPr>
-          <p:cNvPr id="3" name="图片 2">
+          <p:cNvPr id="9" name="图片 8">
             <a:extLst>
               <a:ext uri="{FF2B5EF4-FFF2-40B4-BE49-F238E27FC236}">
-                <a16:creationId xmlns:a16="http://schemas.microsoft.com/office/drawing/2014/main" id="{8B09F3EC-1F7D-4F10-A7B7-F9D756CF152B}"/>
+                <a16:creationId xmlns:a16="http://schemas.microsoft.com/office/drawing/2014/main" id="{B8404E05-74F7-4A5E-920A-F5461ADBBE4E}"/>
               </a:ext>
             </a:extLst>
           </p:cNvPr>
@@ -5731,8 +5726,8 @@
         </p:blipFill>
         <p:spPr>
           <a:xfrm>
-            <a:off x="1435682" y="802287"/>
-            <a:ext cx="7638518" cy="5378638"/>
+            <a:off x="1619096" y="572319"/>
+            <a:ext cx="4753783" cy="5231677"/>
           </a:xfrm>
           <a:prstGeom prst="rect">
             <a:avLst/>
@@ -5742,7 +5737,7 @@
     </p:spTree>
     <p:extLst>
       <p:ext uri="{BB962C8B-B14F-4D97-AF65-F5344CB8AC3E}">
-        <p14:creationId xmlns:p14="http://schemas.microsoft.com/office/powerpoint/2010/main" val="777657698"/>
+        <p14:creationId xmlns:p14="http://schemas.microsoft.com/office/powerpoint/2010/main" val="3973706768"/>
       </p:ext>
     </p:extLst>
   </p:cSld>
@@ -5841,82 +5836,12 @@
           </a:extLst>
         </p:spPr>
       </p:pic>
-      <p:sp>
-        <p:nvSpPr>
-          <p:cNvPr id="6" name="文本框 5">
+      <p:pic>
+        <p:nvPicPr>
+          <p:cNvPr id="3" name="图片 2">
             <a:extLst>
               <a:ext uri="{FF2B5EF4-FFF2-40B4-BE49-F238E27FC236}">
-                <a16:creationId xmlns:a16="http://schemas.microsoft.com/office/drawing/2014/main" id="{EF8EE708-5BBD-40E5-8D2C-128A00763B27}"/>
-              </a:ext>
-            </a:extLst>
-          </p:cNvPr>
-          <p:cNvSpPr txBox="1"/>
-          <p:nvPr/>
-        </p:nvSpPr>
-        <p:spPr>
-          <a:xfrm>
-            <a:off x="7051459" y="795737"/>
-            <a:ext cx="2937140" cy="369332"/>
-          </a:xfrm>
-          <a:prstGeom prst="rect">
-            <a:avLst/>
-          </a:prstGeom>
-          <a:noFill/>
-        </p:spPr>
-        <p:txBody>
-          <a:bodyPr wrap="square" rtlCol="0">
-            <a:spAutoFit/>
-          </a:bodyPr>
-          <a:lstStyle/>
-          <a:p>
-            <a:r>
-              <a:rPr lang="zh-CN" altLang="en-US" dirty="0"/>
-              <a:t>用户做题功能的流程图</a:t>
-            </a:r>
-          </a:p>
-        </p:txBody>
-      </p:sp>
-      <p:sp>
-        <p:nvSpPr>
-          <p:cNvPr id="7" name="文本框 6">
-            <a:extLst>
-              <a:ext uri="{FF2B5EF4-FFF2-40B4-BE49-F238E27FC236}">
-                <a16:creationId xmlns:a16="http://schemas.microsoft.com/office/drawing/2014/main" id="{5B4E3DE9-F063-401C-BBA2-FE6B4CD20491}"/>
-              </a:ext>
-            </a:extLst>
-          </p:cNvPr>
-          <p:cNvSpPr txBox="1"/>
-          <p:nvPr/>
-        </p:nvSpPr>
-        <p:spPr>
-          <a:xfrm>
-            <a:off x="7147676" y="1493753"/>
-            <a:ext cx="2373252" cy="369332"/>
-          </a:xfrm>
-          <a:prstGeom prst="rect">
-            <a:avLst/>
-          </a:prstGeom>
-          <a:noFill/>
-        </p:spPr>
-        <p:txBody>
-          <a:bodyPr wrap="square" rtlCol="0">
-            <a:spAutoFit/>
-          </a:bodyPr>
-          <a:lstStyle/>
-          <a:p>
-            <a:r>
-              <a:rPr lang="zh-CN" altLang="en-US" dirty="0"/>
-              <a:t>编写流程图测试用例</a:t>
-            </a:r>
-          </a:p>
-        </p:txBody>
-      </p:sp>
-      <p:pic>
-        <p:nvPicPr>
-          <p:cNvPr id="9" name="图片 8">
-            <a:extLst>
-              <a:ext uri="{FF2B5EF4-FFF2-40B4-BE49-F238E27FC236}">
-                <a16:creationId xmlns:a16="http://schemas.microsoft.com/office/drawing/2014/main" id="{B8404E05-74F7-4A5E-920A-F5461ADBBE4E}"/>
+                <a16:creationId xmlns:a16="http://schemas.microsoft.com/office/drawing/2014/main" id="{8B18589C-5F60-4A56-A24F-A95F79F12372}"/>
               </a:ext>
             </a:extLst>
           </p:cNvPr>
@@ -5933,8 +5858,8 @@
         </p:blipFill>
         <p:spPr>
           <a:xfrm>
-            <a:off x="1619096" y="572319"/>
-            <a:ext cx="4753783" cy="5231677"/>
+            <a:off x="691035" y="1605434"/>
+            <a:ext cx="10136796" cy="3453947"/>
           </a:xfrm>
           <a:prstGeom prst="rect">
             <a:avLst/>
@@ -5944,7 +5869,7 @@
     </p:spTree>
     <p:extLst>
       <p:ext uri="{BB962C8B-B14F-4D97-AF65-F5344CB8AC3E}">
-        <p14:creationId xmlns:p14="http://schemas.microsoft.com/office/powerpoint/2010/main" val="3973706768"/>
+        <p14:creationId xmlns:p14="http://schemas.microsoft.com/office/powerpoint/2010/main" val="3822377233"/>
       </p:ext>
     </p:extLst>
   </p:cSld>
@@ -6048,7 +5973,7 @@
           <p:cNvPr id="3" name="图片 2">
             <a:extLst>
               <a:ext uri="{FF2B5EF4-FFF2-40B4-BE49-F238E27FC236}">
-                <a16:creationId xmlns:a16="http://schemas.microsoft.com/office/drawing/2014/main" id="{8B18589C-5F60-4A56-A24F-A95F79F12372}"/>
+                <a16:creationId xmlns:a16="http://schemas.microsoft.com/office/drawing/2014/main" id="{C22FDE38-1925-44CC-A18A-E54E3B4DB7AD}"/>
               </a:ext>
             </a:extLst>
           </p:cNvPr>
@@ -6065,8 +5990,8 @@
         </p:blipFill>
         <p:spPr>
           <a:xfrm>
-            <a:off x="691035" y="1605434"/>
-            <a:ext cx="10136796" cy="3453947"/>
+            <a:off x="1405585" y="805440"/>
+            <a:ext cx="7636815" cy="5493760"/>
           </a:xfrm>
           <a:prstGeom prst="rect">
             <a:avLst/>
@@ -6076,7 +6001,7 @@
     </p:spTree>
     <p:extLst>
       <p:ext uri="{BB962C8B-B14F-4D97-AF65-F5344CB8AC3E}">
-        <p14:creationId xmlns:p14="http://schemas.microsoft.com/office/powerpoint/2010/main" val="3822377233"/>
+        <p14:creationId xmlns:p14="http://schemas.microsoft.com/office/powerpoint/2010/main" val="3061246093"/>
       </p:ext>
     </p:extLst>
   </p:cSld>
@@ -6177,138 +6102,6 @@
       </p:pic>
       <p:pic>
         <p:nvPicPr>
-          <p:cNvPr id="3" name="图片 2">
-            <a:extLst>
-              <a:ext uri="{FF2B5EF4-FFF2-40B4-BE49-F238E27FC236}">
-                <a16:creationId xmlns:a16="http://schemas.microsoft.com/office/drawing/2014/main" id="{C22FDE38-1925-44CC-A18A-E54E3B4DB7AD}"/>
-              </a:ext>
-            </a:extLst>
-          </p:cNvPr>
-          <p:cNvPicPr>
-            <a:picLocks noChangeAspect="1"/>
-          </p:cNvPicPr>
-          <p:nvPr/>
-        </p:nvPicPr>
-        <p:blipFill>
-          <a:blip r:embed="rId3"/>
-          <a:stretch>
-            <a:fillRect/>
-          </a:stretch>
-        </p:blipFill>
-        <p:spPr>
-          <a:xfrm>
-            <a:off x="1405585" y="805440"/>
-            <a:ext cx="7636815" cy="5493760"/>
-          </a:xfrm>
-          <a:prstGeom prst="rect">
-            <a:avLst/>
-          </a:prstGeom>
-        </p:spPr>
-      </p:pic>
-    </p:spTree>
-    <p:extLst>
-      <p:ext uri="{BB962C8B-B14F-4D97-AF65-F5344CB8AC3E}">
-        <p14:creationId xmlns:p14="http://schemas.microsoft.com/office/powerpoint/2010/main" val="3061246093"/>
-      </p:ext>
-    </p:extLst>
-  </p:cSld>
-  <p:clrMapOvr>
-    <a:masterClrMapping/>
-  </p:clrMapOvr>
-  <mc:AlternateContent xmlns:mc="http://schemas.openxmlformats.org/markup-compatibility/2006" xmlns:p14="http://schemas.microsoft.com/office/powerpoint/2010/main">
-    <mc:Choice Requires="p14">
-      <p:transition spd="med" p14:dur="700">
-        <p:fade/>
-      </p:transition>
-    </mc:Choice>
-    <mc:Fallback xmlns="">
-      <p:transition spd="med">
-        <p:fade/>
-      </p:transition>
-    </mc:Fallback>
-  </mc:AlternateContent>
-</p:sld>
-</file>
-
-<file path=ppt/slides/slide18.xml><?xml version="1.0" encoding="utf-8"?>
-<p:sld xmlns:a="http://schemas.openxmlformats.org/drawingml/2006/main" xmlns:r="http://schemas.openxmlformats.org/officeDocument/2006/relationships" xmlns:p="http://schemas.openxmlformats.org/presentationml/2006/main">
-  <p:cSld>
-    <p:spTree>
-      <p:nvGrpSpPr>
-        <p:cNvPr id="1" name=""/>
-        <p:cNvGrpSpPr/>
-        <p:nvPr/>
-      </p:nvGrpSpPr>
-      <p:grpSpPr>
-        <a:xfrm>
-          <a:off x="0" y="0"/>
-          <a:ext cx="0" cy="0"/>
-          <a:chOff x="0" y="0"/>
-          <a:chExt cx="0" cy="0"/>
-        </a:xfrm>
-      </p:grpSpPr>
-      <p:pic>
-        <p:nvPicPr>
-          <p:cNvPr id="39" name="Picture 4">
-            <a:extLst>
-              <a:ext uri="{FF2B5EF4-FFF2-40B4-BE49-F238E27FC236}">
-                <a16:creationId xmlns:a16="http://schemas.microsoft.com/office/drawing/2014/main" id="{DE3B5CC2-AC5C-4E66-A2A9-A043DA896552}"/>
-              </a:ext>
-            </a:extLst>
-          </p:cNvPr>
-          <p:cNvPicPr>
-            <a:picLocks noChangeAspect="1" noChangeArrowheads="1"/>
-          </p:cNvPicPr>
-          <p:nvPr/>
-        </p:nvPicPr>
-        <p:blipFill>
-          <a:blip r:embed="rId2" cstate="print">
-            <a:extLst>
-              <a:ext uri="{28A0092B-C50C-407E-A947-70E740481C1C}">
-                <a14:useLocalDpi xmlns:a14="http://schemas.microsoft.com/office/drawing/2010/main" val="0"/>
-              </a:ext>
-            </a:extLst>
-          </a:blip>
-          <a:srcRect/>
-          <a:stretch>
-            <a:fillRect/>
-          </a:stretch>
-        </p:blipFill>
-        <p:spPr bwMode="auto">
-          <a:xfrm>
-            <a:off x="11019722" y="5734618"/>
-            <a:ext cx="759333" cy="726869"/>
-          </a:xfrm>
-          <a:prstGeom prst="rect">
-            <a:avLst/>
-          </a:prstGeom>
-          <a:noFill/>
-          <a:ln>
-            <a:noFill/>
-          </a:ln>
-          <a:extLst>
-            <a:ext uri="{909E8E84-426E-40DD-AFC4-6F175D3DCCD1}">
-              <a14:hiddenFill xmlns:a14="http://schemas.microsoft.com/office/drawing/2010/main">
-                <a:solidFill>
-                  <a:srgbClr val="FFFFFF"/>
-                </a:solidFill>
-              </a14:hiddenFill>
-            </a:ext>
-            <a:ext uri="{91240B29-F687-4F45-9708-019B960494DF}">
-              <a14:hiddenLine xmlns:a14="http://schemas.microsoft.com/office/drawing/2010/main" w="9525">
-                <a:solidFill>
-                  <a:srgbClr val="000000"/>
-                </a:solidFill>
-                <a:miter lim="800000"/>
-                <a:headEnd/>
-                <a:tailEnd/>
-              </a14:hiddenLine>
-            </a:ext>
-          </a:extLst>
-        </p:spPr>
-      </p:pic>
-      <p:pic>
-        <p:nvPicPr>
           <p:cNvPr id="4" name="图片 3">
             <a:extLst>
               <a:ext uri="{FF2B5EF4-FFF2-40B4-BE49-F238E27FC236}">
@@ -6473,7 +6266,7 @@
 </p:sld>
 </file>
 
-<file path=ppt/slides/slide19.xml><?xml version="1.0" encoding="utf-8"?>
+<file path=ppt/slides/slide18.xml><?xml version="1.0" encoding="utf-8"?>
 <p:sld xmlns:a="http://schemas.openxmlformats.org/drawingml/2006/main" xmlns:r="http://schemas.openxmlformats.org/officeDocument/2006/relationships" xmlns:p="http://schemas.openxmlformats.org/presentationml/2006/main">
   <p:cSld>
     <p:spTree>
@@ -6772,6 +6565,138 @@
     <p:extLst>
       <p:ext uri="{BB962C8B-B14F-4D97-AF65-F5344CB8AC3E}">
         <p14:creationId xmlns:p14="http://schemas.microsoft.com/office/powerpoint/2010/main" val="965584291"/>
+      </p:ext>
+    </p:extLst>
+  </p:cSld>
+  <p:clrMapOvr>
+    <a:masterClrMapping/>
+  </p:clrMapOvr>
+  <mc:AlternateContent xmlns:mc="http://schemas.openxmlformats.org/markup-compatibility/2006" xmlns:p14="http://schemas.microsoft.com/office/powerpoint/2010/main">
+    <mc:Choice Requires="p14">
+      <p:transition spd="med" p14:dur="700">
+        <p:fade/>
+      </p:transition>
+    </mc:Choice>
+    <mc:Fallback xmlns="">
+      <p:transition spd="med">
+        <p:fade/>
+      </p:transition>
+    </mc:Fallback>
+  </mc:AlternateContent>
+</p:sld>
+</file>
+
+<file path=ppt/slides/slide19.xml><?xml version="1.0" encoding="utf-8"?>
+<p:sld xmlns:a="http://schemas.openxmlformats.org/drawingml/2006/main" xmlns:r="http://schemas.openxmlformats.org/officeDocument/2006/relationships" xmlns:p="http://schemas.openxmlformats.org/presentationml/2006/main">
+  <p:cSld>
+    <p:spTree>
+      <p:nvGrpSpPr>
+        <p:cNvPr id="1" name=""/>
+        <p:cNvGrpSpPr/>
+        <p:nvPr/>
+      </p:nvGrpSpPr>
+      <p:grpSpPr>
+        <a:xfrm>
+          <a:off x="0" y="0"/>
+          <a:ext cx="0" cy="0"/>
+          <a:chOff x="0" y="0"/>
+          <a:chExt cx="0" cy="0"/>
+        </a:xfrm>
+      </p:grpSpPr>
+      <p:pic>
+        <p:nvPicPr>
+          <p:cNvPr id="39" name="Picture 4">
+            <a:extLst>
+              <a:ext uri="{FF2B5EF4-FFF2-40B4-BE49-F238E27FC236}">
+                <a16:creationId xmlns:a16="http://schemas.microsoft.com/office/drawing/2014/main" id="{DE3B5CC2-AC5C-4E66-A2A9-A043DA896552}"/>
+              </a:ext>
+            </a:extLst>
+          </p:cNvPr>
+          <p:cNvPicPr>
+            <a:picLocks noChangeAspect="1" noChangeArrowheads="1"/>
+          </p:cNvPicPr>
+          <p:nvPr/>
+        </p:nvPicPr>
+        <p:blipFill>
+          <a:blip r:embed="rId2" cstate="print">
+            <a:extLst>
+              <a:ext uri="{28A0092B-C50C-407E-A947-70E740481C1C}">
+                <a14:useLocalDpi xmlns:a14="http://schemas.microsoft.com/office/drawing/2010/main" val="0"/>
+              </a:ext>
+            </a:extLst>
+          </a:blip>
+          <a:srcRect/>
+          <a:stretch>
+            <a:fillRect/>
+          </a:stretch>
+        </p:blipFill>
+        <p:spPr bwMode="auto">
+          <a:xfrm>
+            <a:off x="11019722" y="5734618"/>
+            <a:ext cx="759333" cy="726869"/>
+          </a:xfrm>
+          <a:prstGeom prst="rect">
+            <a:avLst/>
+          </a:prstGeom>
+          <a:noFill/>
+          <a:ln>
+            <a:noFill/>
+          </a:ln>
+          <a:extLst>
+            <a:ext uri="{909E8E84-426E-40DD-AFC4-6F175D3DCCD1}">
+              <a14:hiddenFill xmlns:a14="http://schemas.microsoft.com/office/drawing/2010/main">
+                <a:solidFill>
+                  <a:srgbClr val="FFFFFF"/>
+                </a:solidFill>
+              </a14:hiddenFill>
+            </a:ext>
+            <a:ext uri="{91240B29-F687-4F45-9708-019B960494DF}">
+              <a14:hiddenLine xmlns:a14="http://schemas.microsoft.com/office/drawing/2010/main" w="9525">
+                <a:solidFill>
+                  <a:srgbClr val="000000"/>
+                </a:solidFill>
+                <a:miter lim="800000"/>
+                <a:headEnd/>
+                <a:tailEnd/>
+              </a14:hiddenLine>
+            </a:ext>
+          </a:extLst>
+        </p:spPr>
+      </p:pic>
+      <p:pic>
+        <p:nvPicPr>
+          <p:cNvPr id="3" name="图片 2">
+            <a:extLst>
+              <a:ext uri="{FF2B5EF4-FFF2-40B4-BE49-F238E27FC236}">
+                <a16:creationId xmlns:a16="http://schemas.microsoft.com/office/drawing/2014/main" id="{46E07364-2837-4DAC-9BB9-DA6E7C7970BB}"/>
+              </a:ext>
+            </a:extLst>
+          </p:cNvPr>
+          <p:cNvPicPr>
+            <a:picLocks noChangeAspect="1"/>
+          </p:cNvPicPr>
+          <p:nvPr/>
+        </p:nvPicPr>
+        <p:blipFill>
+          <a:blip r:embed="rId3"/>
+          <a:stretch>
+            <a:fillRect/>
+          </a:stretch>
+        </p:blipFill>
+        <p:spPr>
+          <a:xfrm>
+            <a:off x="1322739" y="757986"/>
+            <a:ext cx="9018049" cy="5104931"/>
+          </a:xfrm>
+          <a:prstGeom prst="rect">
+            <a:avLst/>
+          </a:prstGeom>
+        </p:spPr>
+      </p:pic>
+    </p:spTree>
+    <p:extLst>
+      <p:ext uri="{BB962C8B-B14F-4D97-AF65-F5344CB8AC3E}">
+        <p14:creationId xmlns:p14="http://schemas.microsoft.com/office/powerpoint/2010/main" val="1892473333"/>
       </p:ext>
     </p:extLst>
   </p:cSld>
@@ -8240,10 +8165,10 @@
       </p:pic>
       <p:pic>
         <p:nvPicPr>
-          <p:cNvPr id="3" name="图片 2">
+          <p:cNvPr id="4" name="图片 3">
             <a:extLst>
               <a:ext uri="{FF2B5EF4-FFF2-40B4-BE49-F238E27FC236}">
-                <a16:creationId xmlns:a16="http://schemas.microsoft.com/office/drawing/2014/main" id="{46E07364-2837-4DAC-9BB9-DA6E7C7970BB}"/>
+                <a16:creationId xmlns:a16="http://schemas.microsoft.com/office/drawing/2014/main" id="{FD693512-DFBF-4E6F-8728-11443580A708}"/>
               </a:ext>
             </a:extLst>
           </p:cNvPr>
@@ -8260,8 +8185,8 @@
         </p:blipFill>
         <p:spPr>
           <a:xfrm>
-            <a:off x="1322739" y="757986"/>
-            <a:ext cx="9018049" cy="5104931"/>
+            <a:off x="1027819" y="1284195"/>
+            <a:ext cx="10136362" cy="4571180"/>
           </a:xfrm>
           <a:prstGeom prst="rect">
             <a:avLst/>
@@ -8271,7 +8196,7 @@
     </p:spTree>
     <p:extLst>
       <p:ext uri="{BB962C8B-B14F-4D97-AF65-F5344CB8AC3E}">
-        <p14:creationId xmlns:p14="http://schemas.microsoft.com/office/powerpoint/2010/main" val="1892473333"/>
+        <p14:creationId xmlns:p14="http://schemas.microsoft.com/office/powerpoint/2010/main" val="2829116784"/>
       </p:ext>
     </p:extLst>
   </p:cSld>
@@ -8375,7 +8300,7 @@
           <p:cNvPr id="4" name="图片 3">
             <a:extLst>
               <a:ext uri="{FF2B5EF4-FFF2-40B4-BE49-F238E27FC236}">
-                <a16:creationId xmlns:a16="http://schemas.microsoft.com/office/drawing/2014/main" id="{FD693512-DFBF-4E6F-8728-11443580A708}"/>
+                <a16:creationId xmlns:a16="http://schemas.microsoft.com/office/drawing/2014/main" id="{6418E7BF-456A-4766-8D39-A73971954E0E}"/>
               </a:ext>
             </a:extLst>
           </p:cNvPr>
@@ -8392,18 +8317,53 @@
         </p:blipFill>
         <p:spPr>
           <a:xfrm>
-            <a:off x="1027819" y="1284195"/>
-            <a:ext cx="10136362" cy="4571180"/>
+            <a:off x="1534408" y="487108"/>
+            <a:ext cx="4411271" cy="5883783"/>
           </a:xfrm>
           <a:prstGeom prst="rect">
             <a:avLst/>
           </a:prstGeom>
         </p:spPr>
       </p:pic>
+      <p:sp>
+        <p:nvSpPr>
+          <p:cNvPr id="5" name="文本框 4">
+            <a:extLst>
+              <a:ext uri="{FF2B5EF4-FFF2-40B4-BE49-F238E27FC236}">
+                <a16:creationId xmlns:a16="http://schemas.microsoft.com/office/drawing/2014/main" id="{8AFE9F54-6080-4D61-BC9C-F9175890EADD}"/>
+              </a:ext>
+            </a:extLst>
+          </p:cNvPr>
+          <p:cNvSpPr txBox="1"/>
+          <p:nvPr/>
+        </p:nvSpPr>
+        <p:spPr>
+          <a:xfrm>
+            <a:off x="5945679" y="1256427"/>
+            <a:ext cx="3847475" cy="369332"/>
+          </a:xfrm>
+          <a:prstGeom prst="rect">
+            <a:avLst/>
+          </a:prstGeom>
+          <a:noFill/>
+        </p:spPr>
+        <p:txBody>
+          <a:bodyPr wrap="square" rtlCol="0">
+            <a:spAutoFit/>
+          </a:bodyPr>
+          <a:lstStyle/>
+          <a:p>
+            <a:r>
+              <a:rPr lang="zh-CN" altLang="en-US" dirty="0"/>
+              <a:t>用户科目添加</a:t>
+            </a:r>
+          </a:p>
+        </p:txBody>
+      </p:sp>
     </p:spTree>
     <p:extLst>
       <p:ext uri="{BB962C8B-B14F-4D97-AF65-F5344CB8AC3E}">
-        <p14:creationId xmlns:p14="http://schemas.microsoft.com/office/powerpoint/2010/main" val="2829116784"/>
+        <p14:creationId xmlns:p14="http://schemas.microsoft.com/office/powerpoint/2010/main" val="1123163921"/>
       </p:ext>
     </p:extLst>
   </p:cSld>
@@ -8504,10 +8464,10 @@
       </p:pic>
       <p:pic>
         <p:nvPicPr>
-          <p:cNvPr id="4" name="图片 3">
+          <p:cNvPr id="3" name="图片 2">
             <a:extLst>
               <a:ext uri="{FF2B5EF4-FFF2-40B4-BE49-F238E27FC236}">
-                <a16:creationId xmlns:a16="http://schemas.microsoft.com/office/drawing/2014/main" id="{6418E7BF-456A-4766-8D39-A73971954E0E}"/>
+                <a16:creationId xmlns:a16="http://schemas.microsoft.com/office/drawing/2014/main" id="{3EEC1CEA-DFCE-4C1F-8150-FB6D37361E29}"/>
               </a:ext>
             </a:extLst>
           </p:cNvPr>
@@ -8524,8 +8484,8 @@
         </p:blipFill>
         <p:spPr>
           <a:xfrm>
-            <a:off x="1534408" y="487108"/>
-            <a:ext cx="4411271" cy="5883783"/>
+            <a:off x="1702941" y="751561"/>
+            <a:ext cx="3064503" cy="5651795"/>
           </a:xfrm>
           <a:prstGeom prst="rect">
             <a:avLst/>
@@ -8534,10 +8494,10 @@
       </p:pic>
       <p:sp>
         <p:nvSpPr>
-          <p:cNvPr id="5" name="文本框 4">
+          <p:cNvPr id="6" name="文本框 5">
             <a:extLst>
               <a:ext uri="{FF2B5EF4-FFF2-40B4-BE49-F238E27FC236}">
-                <a16:creationId xmlns:a16="http://schemas.microsoft.com/office/drawing/2014/main" id="{8AFE9F54-6080-4D61-BC9C-F9175890EADD}"/>
+                <a16:creationId xmlns:a16="http://schemas.microsoft.com/office/drawing/2014/main" id="{5BC78478-E26C-4890-A8E8-8C747E4B799E}"/>
               </a:ext>
             </a:extLst>
           </p:cNvPr>
@@ -8546,8 +8506,8 @@
         </p:nvSpPr>
         <p:spPr>
           <a:xfrm>
-            <a:off x="5945679" y="1256427"/>
-            <a:ext cx="3847475" cy="369332"/>
+            <a:off x="5381698" y="977221"/>
+            <a:ext cx="2422113" cy="369332"/>
           </a:xfrm>
           <a:prstGeom prst="rect">
             <a:avLst/>
@@ -8562,7 +8522,7 @@
           <a:p>
             <a:r>
               <a:rPr lang="zh-CN" altLang="en-US" dirty="0"/>
-              <a:t>用户科目添加</a:t>
+              <a:t>修改信息</a:t>
             </a:r>
           </a:p>
         </p:txBody>
@@ -8570,7 +8530,7 @@
     </p:spTree>
     <p:extLst>
       <p:ext uri="{BB962C8B-B14F-4D97-AF65-F5344CB8AC3E}">
-        <p14:creationId xmlns:p14="http://schemas.microsoft.com/office/powerpoint/2010/main" val="1123163921"/>
+        <p14:creationId xmlns:p14="http://schemas.microsoft.com/office/powerpoint/2010/main" val="707316924"/>
       </p:ext>
     </p:extLst>
   </p:cSld>
@@ -8669,12 +8629,47 @@
           </a:extLst>
         </p:spPr>
       </p:pic>
+      <p:sp>
+        <p:nvSpPr>
+          <p:cNvPr id="6" name="文本框 5">
+            <a:extLst>
+              <a:ext uri="{FF2B5EF4-FFF2-40B4-BE49-F238E27FC236}">
+                <a16:creationId xmlns:a16="http://schemas.microsoft.com/office/drawing/2014/main" id="{5BC78478-E26C-4890-A8E8-8C747E4B799E}"/>
+              </a:ext>
+            </a:extLst>
+          </p:cNvPr>
+          <p:cNvSpPr txBox="1"/>
+          <p:nvPr/>
+        </p:nvSpPr>
+        <p:spPr>
+          <a:xfrm>
+            <a:off x="5381698" y="977221"/>
+            <a:ext cx="2422113" cy="369332"/>
+          </a:xfrm>
+          <a:prstGeom prst="rect">
+            <a:avLst/>
+          </a:prstGeom>
+          <a:noFill/>
+        </p:spPr>
+        <p:txBody>
+          <a:bodyPr wrap="square" rtlCol="0">
+            <a:spAutoFit/>
+          </a:bodyPr>
+          <a:lstStyle/>
+          <a:p>
+            <a:r>
+              <a:rPr lang="zh-CN" altLang="en-US" dirty="0"/>
+              <a:t>修改密码</a:t>
+            </a:r>
+          </a:p>
+        </p:txBody>
+      </p:sp>
       <p:pic>
         <p:nvPicPr>
-          <p:cNvPr id="3" name="图片 2">
+          <p:cNvPr id="4" name="图片 3">
             <a:extLst>
               <a:ext uri="{FF2B5EF4-FFF2-40B4-BE49-F238E27FC236}">
-                <a16:creationId xmlns:a16="http://schemas.microsoft.com/office/drawing/2014/main" id="{3EEC1CEA-DFCE-4C1F-8150-FB6D37361E29}"/>
+                <a16:creationId xmlns:a16="http://schemas.microsoft.com/office/drawing/2014/main" id="{03010BF6-1653-4FE4-9512-A47F24E2D3B8}"/>
               </a:ext>
             </a:extLst>
           </p:cNvPr>
@@ -8691,53 +8686,18 @@
         </p:blipFill>
         <p:spPr>
           <a:xfrm>
-            <a:off x="1702941" y="751561"/>
-            <a:ext cx="3064503" cy="5651795"/>
+            <a:off x="1330463" y="635194"/>
+            <a:ext cx="3318182" cy="5587612"/>
           </a:xfrm>
           <a:prstGeom prst="rect">
             <a:avLst/>
           </a:prstGeom>
         </p:spPr>
       </p:pic>
-      <p:sp>
-        <p:nvSpPr>
-          <p:cNvPr id="6" name="文本框 5">
-            <a:extLst>
-              <a:ext uri="{FF2B5EF4-FFF2-40B4-BE49-F238E27FC236}">
-                <a16:creationId xmlns:a16="http://schemas.microsoft.com/office/drawing/2014/main" id="{5BC78478-E26C-4890-A8E8-8C747E4B799E}"/>
-              </a:ext>
-            </a:extLst>
-          </p:cNvPr>
-          <p:cNvSpPr txBox="1"/>
-          <p:nvPr/>
-        </p:nvSpPr>
-        <p:spPr>
-          <a:xfrm>
-            <a:off x="5381698" y="977221"/>
-            <a:ext cx="2422113" cy="369332"/>
-          </a:xfrm>
-          <a:prstGeom prst="rect">
-            <a:avLst/>
-          </a:prstGeom>
-          <a:noFill/>
-        </p:spPr>
-        <p:txBody>
-          <a:bodyPr wrap="square" rtlCol="0">
-            <a:spAutoFit/>
-          </a:bodyPr>
-          <a:lstStyle/>
-          <a:p>
-            <a:r>
-              <a:rPr lang="zh-CN" altLang="en-US" dirty="0"/>
-              <a:t>修改信息</a:t>
-            </a:r>
-          </a:p>
-        </p:txBody>
-      </p:sp>
     </p:spTree>
     <p:extLst>
       <p:ext uri="{BB962C8B-B14F-4D97-AF65-F5344CB8AC3E}">
-        <p14:creationId xmlns:p14="http://schemas.microsoft.com/office/powerpoint/2010/main" val="707316924"/>
+        <p14:creationId xmlns:p14="http://schemas.microsoft.com/office/powerpoint/2010/main" val="3537401418"/>
       </p:ext>
     </p:extLst>
   </p:cSld>
@@ -8866,17 +8826,17 @@
           <a:p>
             <a:r>
               <a:rPr lang="zh-CN" altLang="en-US" dirty="0"/>
-              <a:t>修改密码</a:t>
+              <a:t>下载查看试卷</a:t>
             </a:r>
           </a:p>
         </p:txBody>
       </p:sp>
       <p:pic>
         <p:nvPicPr>
-          <p:cNvPr id="4" name="图片 3">
+          <p:cNvPr id="3" name="图片 2">
             <a:extLst>
               <a:ext uri="{FF2B5EF4-FFF2-40B4-BE49-F238E27FC236}">
-                <a16:creationId xmlns:a16="http://schemas.microsoft.com/office/drawing/2014/main" id="{03010BF6-1653-4FE4-9512-A47F24E2D3B8}"/>
+                <a16:creationId xmlns:a16="http://schemas.microsoft.com/office/drawing/2014/main" id="{E3C1A5F8-C451-4A69-8FAD-70AE7774E552}"/>
               </a:ext>
             </a:extLst>
           </p:cNvPr>
@@ -8893,8 +8853,8 @@
         </p:blipFill>
         <p:spPr>
           <a:xfrm>
-            <a:off x="1330463" y="635194"/>
-            <a:ext cx="3318182" cy="5587612"/>
+            <a:off x="1089987" y="1161887"/>
+            <a:ext cx="3622114" cy="4819795"/>
           </a:xfrm>
           <a:prstGeom prst="rect">
             <a:avLst/>
@@ -8904,7 +8864,7 @@
     </p:spTree>
     <p:extLst>
       <p:ext uri="{BB962C8B-B14F-4D97-AF65-F5344CB8AC3E}">
-        <p14:creationId xmlns:p14="http://schemas.microsoft.com/office/powerpoint/2010/main" val="3537401418"/>
+        <p14:creationId xmlns:p14="http://schemas.microsoft.com/office/powerpoint/2010/main" val="1396275"/>
       </p:ext>
     </p:extLst>
   </p:cSld>
@@ -9005,10 +8965,10 @@
       </p:pic>
       <p:sp>
         <p:nvSpPr>
-          <p:cNvPr id="6" name="文本框 5">
+          <p:cNvPr id="5" name="文本框 4">
             <a:extLst>
               <a:ext uri="{FF2B5EF4-FFF2-40B4-BE49-F238E27FC236}">
-                <a16:creationId xmlns:a16="http://schemas.microsoft.com/office/drawing/2014/main" id="{5BC78478-E26C-4890-A8E8-8C747E4B799E}"/>
+                <a16:creationId xmlns:a16="http://schemas.microsoft.com/office/drawing/2014/main" id="{0FE654AB-D26C-4414-9499-F129FEC8E204}"/>
               </a:ext>
             </a:extLst>
           </p:cNvPr>
@@ -9017,8 +8977,8 @@
         </p:nvSpPr>
         <p:spPr>
           <a:xfrm>
-            <a:off x="5381698" y="977221"/>
-            <a:ext cx="2422113" cy="369332"/>
+            <a:off x="4439377" y="956281"/>
+            <a:ext cx="2380232" cy="369332"/>
           </a:xfrm>
           <a:prstGeom prst="rect">
             <a:avLst/>
@@ -9033,17 +8993,17 @@
           <a:p>
             <a:r>
               <a:rPr lang="zh-CN" altLang="en-US" dirty="0"/>
-              <a:t>下载查看试卷</a:t>
+              <a:t>查看信息</a:t>
             </a:r>
           </a:p>
         </p:txBody>
       </p:sp>
       <p:pic>
         <p:nvPicPr>
-          <p:cNvPr id="3" name="图片 2">
+          <p:cNvPr id="8" name="图片 7">
             <a:extLst>
               <a:ext uri="{FF2B5EF4-FFF2-40B4-BE49-F238E27FC236}">
-                <a16:creationId xmlns:a16="http://schemas.microsoft.com/office/drawing/2014/main" id="{E3C1A5F8-C451-4A69-8FAD-70AE7774E552}"/>
+                <a16:creationId xmlns:a16="http://schemas.microsoft.com/office/drawing/2014/main" id="{9291EEA5-4DFF-430B-B359-B703E91EC55A}"/>
               </a:ext>
             </a:extLst>
           </p:cNvPr>
@@ -9060,8 +9020,8 @@
         </p:blipFill>
         <p:spPr>
           <a:xfrm>
-            <a:off x="1089987" y="1161887"/>
-            <a:ext cx="3622114" cy="4819795"/>
+            <a:off x="1606837" y="830637"/>
+            <a:ext cx="1294018" cy="5427069"/>
           </a:xfrm>
           <a:prstGeom prst="rect">
             <a:avLst/>
@@ -9071,7 +9031,7 @@
     </p:spTree>
     <p:extLst>
       <p:ext uri="{BB962C8B-B14F-4D97-AF65-F5344CB8AC3E}">
-        <p14:creationId xmlns:p14="http://schemas.microsoft.com/office/powerpoint/2010/main" val="1396275"/>
+        <p14:creationId xmlns:p14="http://schemas.microsoft.com/office/powerpoint/2010/main" val="1006704649"/>
       </p:ext>
     </p:extLst>
   </p:cSld>
@@ -9172,10 +9132,10 @@
       </p:pic>
       <p:sp>
         <p:nvSpPr>
-          <p:cNvPr id="5" name="文本框 4">
+          <p:cNvPr id="4" name="文本框 3">
             <a:extLst>
               <a:ext uri="{FF2B5EF4-FFF2-40B4-BE49-F238E27FC236}">
-                <a16:creationId xmlns:a16="http://schemas.microsoft.com/office/drawing/2014/main" id="{0FE654AB-D26C-4414-9499-F129FEC8E204}"/>
+                <a16:creationId xmlns:a16="http://schemas.microsoft.com/office/drawing/2014/main" id="{2ACA4DC2-FC27-4E40-AA67-846DF7293F87}"/>
               </a:ext>
             </a:extLst>
           </p:cNvPr>
@@ -9184,8 +9144,8 @@
         </p:nvSpPr>
         <p:spPr>
           <a:xfrm>
-            <a:off x="4439377" y="956281"/>
-            <a:ext cx="2380232" cy="369332"/>
+            <a:off x="1179646" y="774797"/>
+            <a:ext cx="1647316" cy="369332"/>
           </a:xfrm>
           <a:prstGeom prst="rect">
             <a:avLst/>
@@ -9200,17 +9160,17 @@
           <a:p>
             <a:r>
               <a:rPr lang="zh-CN" altLang="en-US" dirty="0"/>
-              <a:t>查看信息</a:t>
+              <a:t>管理员</a:t>
             </a:r>
           </a:p>
         </p:txBody>
       </p:sp>
       <p:pic>
         <p:nvPicPr>
-          <p:cNvPr id="8" name="图片 7">
+          <p:cNvPr id="5" name="图片 4">
             <a:extLst>
               <a:ext uri="{FF2B5EF4-FFF2-40B4-BE49-F238E27FC236}">
-                <a16:creationId xmlns:a16="http://schemas.microsoft.com/office/drawing/2014/main" id="{9291EEA5-4DFF-430B-B359-B703E91EC55A}"/>
+                <a16:creationId xmlns:a16="http://schemas.microsoft.com/office/drawing/2014/main" id="{B0B1868D-99D6-4CB1-A5E1-F91232659BEE}"/>
               </a:ext>
             </a:extLst>
           </p:cNvPr>
@@ -9227,181 +9187,14 @@
         </p:blipFill>
         <p:spPr>
           <a:xfrm>
-            <a:off x="1606837" y="830637"/>
-            <a:ext cx="1294018" cy="5427069"/>
+            <a:off x="2923944" y="464689"/>
+            <a:ext cx="2520892" cy="5642559"/>
           </a:xfrm>
           <a:prstGeom prst="rect">
             <a:avLst/>
           </a:prstGeom>
         </p:spPr>
       </p:pic>
-    </p:spTree>
-    <p:extLst>
-      <p:ext uri="{BB962C8B-B14F-4D97-AF65-F5344CB8AC3E}">
-        <p14:creationId xmlns:p14="http://schemas.microsoft.com/office/powerpoint/2010/main" val="1006704649"/>
-      </p:ext>
-    </p:extLst>
-  </p:cSld>
-  <p:clrMapOvr>
-    <a:masterClrMapping/>
-  </p:clrMapOvr>
-  <mc:AlternateContent xmlns:mc="http://schemas.openxmlformats.org/markup-compatibility/2006" xmlns:p14="http://schemas.microsoft.com/office/powerpoint/2010/main">
-    <mc:Choice Requires="p14">
-      <p:transition spd="med" p14:dur="700">
-        <p:fade/>
-      </p:transition>
-    </mc:Choice>
-    <mc:Fallback xmlns="">
-      <p:transition spd="med">
-        <p:fade/>
-      </p:transition>
-    </mc:Fallback>
-  </mc:AlternateContent>
-</p:sld>
-</file>
-
-<file path=ppt/slides/slide27.xml><?xml version="1.0" encoding="utf-8"?>
-<p:sld xmlns:a="http://schemas.openxmlformats.org/drawingml/2006/main" xmlns:r="http://schemas.openxmlformats.org/officeDocument/2006/relationships" xmlns:p="http://schemas.openxmlformats.org/presentationml/2006/main">
-  <p:cSld>
-    <p:spTree>
-      <p:nvGrpSpPr>
-        <p:cNvPr id="1" name=""/>
-        <p:cNvGrpSpPr/>
-        <p:nvPr/>
-      </p:nvGrpSpPr>
-      <p:grpSpPr>
-        <a:xfrm>
-          <a:off x="0" y="0"/>
-          <a:ext cx="0" cy="0"/>
-          <a:chOff x="0" y="0"/>
-          <a:chExt cx="0" cy="0"/>
-        </a:xfrm>
-      </p:grpSpPr>
-      <p:pic>
-        <p:nvPicPr>
-          <p:cNvPr id="39" name="Picture 4">
-            <a:extLst>
-              <a:ext uri="{FF2B5EF4-FFF2-40B4-BE49-F238E27FC236}">
-                <a16:creationId xmlns:a16="http://schemas.microsoft.com/office/drawing/2014/main" id="{DE3B5CC2-AC5C-4E66-A2A9-A043DA896552}"/>
-              </a:ext>
-            </a:extLst>
-          </p:cNvPr>
-          <p:cNvPicPr>
-            <a:picLocks noChangeAspect="1" noChangeArrowheads="1"/>
-          </p:cNvPicPr>
-          <p:nvPr/>
-        </p:nvPicPr>
-        <p:blipFill>
-          <a:blip r:embed="rId2" cstate="print">
-            <a:extLst>
-              <a:ext uri="{28A0092B-C50C-407E-A947-70E740481C1C}">
-                <a14:useLocalDpi xmlns:a14="http://schemas.microsoft.com/office/drawing/2010/main" val="0"/>
-              </a:ext>
-            </a:extLst>
-          </a:blip>
-          <a:srcRect/>
-          <a:stretch>
-            <a:fillRect/>
-          </a:stretch>
-        </p:blipFill>
-        <p:spPr bwMode="auto">
-          <a:xfrm>
-            <a:off x="11019722" y="5734618"/>
-            <a:ext cx="759333" cy="726869"/>
-          </a:xfrm>
-          <a:prstGeom prst="rect">
-            <a:avLst/>
-          </a:prstGeom>
-          <a:noFill/>
-          <a:ln>
-            <a:noFill/>
-          </a:ln>
-          <a:extLst>
-            <a:ext uri="{909E8E84-426E-40DD-AFC4-6F175D3DCCD1}">
-              <a14:hiddenFill xmlns:a14="http://schemas.microsoft.com/office/drawing/2010/main">
-                <a:solidFill>
-                  <a:srgbClr val="FFFFFF"/>
-                </a:solidFill>
-              </a14:hiddenFill>
-            </a:ext>
-            <a:ext uri="{91240B29-F687-4F45-9708-019B960494DF}">
-              <a14:hiddenLine xmlns:a14="http://schemas.microsoft.com/office/drawing/2010/main" w="9525">
-                <a:solidFill>
-                  <a:srgbClr val="000000"/>
-                </a:solidFill>
-                <a:miter lim="800000"/>
-                <a:headEnd/>
-                <a:tailEnd/>
-              </a14:hiddenLine>
-            </a:ext>
-          </a:extLst>
-        </p:spPr>
-      </p:pic>
-      <p:pic>
-        <p:nvPicPr>
-          <p:cNvPr id="3" name="图片 2">
-            <a:extLst>
-              <a:ext uri="{FF2B5EF4-FFF2-40B4-BE49-F238E27FC236}">
-                <a16:creationId xmlns:a16="http://schemas.microsoft.com/office/drawing/2014/main" id="{5C57C9A3-53E7-4D4E-A6A7-28FFCC4A26D7}"/>
-              </a:ext>
-            </a:extLst>
-          </p:cNvPr>
-          <p:cNvPicPr>
-            <a:picLocks noChangeAspect="1"/>
-          </p:cNvPicPr>
-          <p:nvPr/>
-        </p:nvPicPr>
-        <p:blipFill>
-          <a:blip r:embed="rId3"/>
-          <a:stretch>
-            <a:fillRect/>
-          </a:stretch>
-        </p:blipFill>
-        <p:spPr>
-          <a:xfrm>
-            <a:off x="1775250" y="598376"/>
-            <a:ext cx="2496603" cy="5499676"/>
-          </a:xfrm>
-          <a:prstGeom prst="rect">
-            <a:avLst/>
-          </a:prstGeom>
-        </p:spPr>
-      </p:pic>
-      <p:sp>
-        <p:nvSpPr>
-          <p:cNvPr id="4" name="文本框 3">
-            <a:extLst>
-              <a:ext uri="{FF2B5EF4-FFF2-40B4-BE49-F238E27FC236}">
-                <a16:creationId xmlns:a16="http://schemas.microsoft.com/office/drawing/2014/main" id="{2ACA4DC2-FC27-4E40-AA67-846DF7293F87}"/>
-              </a:ext>
-            </a:extLst>
-          </p:cNvPr>
-          <p:cNvSpPr txBox="1"/>
-          <p:nvPr/>
-        </p:nvSpPr>
-        <p:spPr>
-          <a:xfrm>
-            <a:off x="1179646" y="774797"/>
-            <a:ext cx="1647316" cy="369332"/>
-          </a:xfrm>
-          <a:prstGeom prst="rect">
-            <a:avLst/>
-          </a:prstGeom>
-          <a:noFill/>
-        </p:spPr>
-        <p:txBody>
-          <a:bodyPr wrap="square" rtlCol="0">
-            <a:spAutoFit/>
-          </a:bodyPr>
-          <a:lstStyle/>
-          <a:p>
-            <a:r>
-              <a:rPr lang="zh-CN" altLang="en-US" dirty="0"/>
-              <a:t>管理员</a:t>
-            </a:r>
-          </a:p>
-        </p:txBody>
-      </p:sp>
     </p:spTree>
     <p:extLst>
       <p:ext uri="{BB962C8B-B14F-4D97-AF65-F5344CB8AC3E}">
@@ -9427,7 +9220,7 @@
 </p:sld>
 </file>
 
-<file path=ppt/slides/slide28.xml><?xml version="1.0" encoding="utf-8"?>
+<file path=ppt/slides/slide27.xml><?xml version="1.0" encoding="utf-8"?>
 <p:sld xmlns:a="http://schemas.openxmlformats.org/drawingml/2006/main" xmlns:r="http://schemas.openxmlformats.org/officeDocument/2006/relationships" xmlns:p="http://schemas.openxmlformats.org/presentationml/2006/main">
   <p:cSld>
     <p:spTree>
@@ -9965,7 +9758,7 @@
 </p:sld>
 </file>
 
-<file path=ppt/slides/slide29.xml><?xml version="1.0" encoding="utf-8"?>
+<file path=ppt/slides/slide28.xml><?xml version="1.0" encoding="utf-8"?>
 <p:sld xmlns:a="http://schemas.openxmlformats.org/drawingml/2006/main" xmlns:r="http://schemas.openxmlformats.org/officeDocument/2006/relationships" xmlns:p="http://schemas.openxmlformats.org/presentationml/2006/main">
   <p:cSld>
     <p:spTree>
@@ -10082,13 +9875,145 @@
   <p:clrMapOvr>
     <a:masterClrMapping/>
   </p:clrMapOvr>
-  <mc:AlternateContent xmlns:mc="http://schemas.openxmlformats.org/markup-compatibility/2006">
-    <mc:Choice xmlns:p14="http://schemas.microsoft.com/office/powerpoint/2010/main" Requires="p14">
+  <mc:AlternateContent xmlns:mc="http://schemas.openxmlformats.org/markup-compatibility/2006" xmlns:p14="http://schemas.microsoft.com/office/powerpoint/2010/main">
+    <mc:Choice Requires="p14">
       <p:transition spd="med" p14:dur="700">
         <p:fade/>
       </p:transition>
     </mc:Choice>
-    <mc:Fallback>
+    <mc:Fallback xmlns="">
+      <p:transition spd="med">
+        <p:fade/>
+      </p:transition>
+    </mc:Fallback>
+  </mc:AlternateContent>
+</p:sld>
+</file>
+
+<file path=ppt/slides/slide29.xml><?xml version="1.0" encoding="utf-8"?>
+<p:sld xmlns:a="http://schemas.openxmlformats.org/drawingml/2006/main" xmlns:r="http://schemas.openxmlformats.org/officeDocument/2006/relationships" xmlns:p="http://schemas.openxmlformats.org/presentationml/2006/main">
+  <p:cSld>
+    <p:spTree>
+      <p:nvGrpSpPr>
+        <p:cNvPr id="1" name=""/>
+        <p:cNvGrpSpPr/>
+        <p:nvPr/>
+      </p:nvGrpSpPr>
+      <p:grpSpPr>
+        <a:xfrm>
+          <a:off x="0" y="0"/>
+          <a:ext cx="0" cy="0"/>
+          <a:chOff x="0" y="0"/>
+          <a:chExt cx="0" cy="0"/>
+        </a:xfrm>
+      </p:grpSpPr>
+      <p:pic>
+        <p:nvPicPr>
+          <p:cNvPr id="39" name="Picture 4">
+            <a:extLst>
+              <a:ext uri="{FF2B5EF4-FFF2-40B4-BE49-F238E27FC236}">
+                <a16:creationId xmlns:a16="http://schemas.microsoft.com/office/drawing/2014/main" id="{DE3B5CC2-AC5C-4E66-A2A9-A043DA896552}"/>
+              </a:ext>
+            </a:extLst>
+          </p:cNvPr>
+          <p:cNvPicPr>
+            <a:picLocks noChangeAspect="1" noChangeArrowheads="1"/>
+          </p:cNvPicPr>
+          <p:nvPr/>
+        </p:nvPicPr>
+        <p:blipFill>
+          <a:blip r:embed="rId3" cstate="print">
+            <a:extLst>
+              <a:ext uri="{28A0092B-C50C-407E-A947-70E740481C1C}">
+                <a14:useLocalDpi xmlns:a14="http://schemas.microsoft.com/office/drawing/2010/main" val="0"/>
+              </a:ext>
+            </a:extLst>
+          </a:blip>
+          <a:srcRect/>
+          <a:stretch>
+            <a:fillRect/>
+          </a:stretch>
+        </p:blipFill>
+        <p:spPr bwMode="auto">
+          <a:xfrm>
+            <a:off x="11019722" y="5734618"/>
+            <a:ext cx="759333" cy="726869"/>
+          </a:xfrm>
+          <a:prstGeom prst="rect">
+            <a:avLst/>
+          </a:prstGeom>
+          <a:noFill/>
+          <a:ln>
+            <a:noFill/>
+          </a:ln>
+          <a:extLst>
+            <a:ext uri="{909E8E84-426E-40DD-AFC4-6F175D3DCCD1}">
+              <a14:hiddenFill xmlns:a14="http://schemas.microsoft.com/office/drawing/2010/main">
+                <a:solidFill>
+                  <a:srgbClr val="FFFFFF"/>
+                </a:solidFill>
+              </a14:hiddenFill>
+            </a:ext>
+            <a:ext uri="{91240B29-F687-4F45-9708-019B960494DF}">
+              <a14:hiddenLine xmlns:a14="http://schemas.microsoft.com/office/drawing/2010/main" w="9525">
+                <a:solidFill>
+                  <a:srgbClr val="000000"/>
+                </a:solidFill>
+                <a:miter lim="800000"/>
+                <a:headEnd/>
+                <a:tailEnd/>
+              </a14:hiddenLine>
+            </a:ext>
+          </a:extLst>
+        </p:spPr>
+      </p:pic>
+      <p:pic>
+        <p:nvPicPr>
+          <p:cNvPr id="3" name="图片 2">
+            <a:extLst>
+              <a:ext uri="{FF2B5EF4-FFF2-40B4-BE49-F238E27FC236}">
+                <a16:creationId xmlns:a16="http://schemas.microsoft.com/office/drawing/2014/main" id="{67F25FE8-44BF-4732-99B9-4E5F5F54AA52}"/>
+              </a:ext>
+            </a:extLst>
+          </p:cNvPr>
+          <p:cNvPicPr>
+            <a:picLocks noChangeAspect="1"/>
+          </p:cNvPicPr>
+          <p:nvPr/>
+        </p:nvPicPr>
+        <p:blipFill>
+          <a:blip r:embed="rId4"/>
+          <a:stretch>
+            <a:fillRect/>
+          </a:stretch>
+        </p:blipFill>
+        <p:spPr>
+          <a:xfrm>
+            <a:off x="900546" y="777808"/>
+            <a:ext cx="10993643" cy="5302383"/>
+          </a:xfrm>
+          <a:prstGeom prst="rect">
+            <a:avLst/>
+          </a:prstGeom>
+        </p:spPr>
+      </p:pic>
+    </p:spTree>
+    <p:extLst>
+      <p:ext uri="{BB962C8B-B14F-4D97-AF65-F5344CB8AC3E}">
+        <p14:creationId xmlns:p14="http://schemas.microsoft.com/office/powerpoint/2010/main" val="1195832131"/>
+      </p:ext>
+    </p:extLst>
+  </p:cSld>
+  <p:clrMapOvr>
+    <a:masterClrMapping/>
+  </p:clrMapOvr>
+  <mc:AlternateContent xmlns:mc="http://schemas.openxmlformats.org/markup-compatibility/2006" xmlns:p14="http://schemas.microsoft.com/office/powerpoint/2010/main">
+    <mc:Choice Requires="p14">
+      <p:transition spd="med" p14:dur="700">
+        <p:fade/>
+      </p:transition>
+    </mc:Choice>
+    <mc:Fallback xmlns="">
       <p:transition spd="med">
         <p:fade/>
       </p:transition>
@@ -10598,138 +10523,6 @@
           <a:chExt cx="0" cy="0"/>
         </a:xfrm>
       </p:grpSpPr>
-      <p:pic>
-        <p:nvPicPr>
-          <p:cNvPr id="39" name="Picture 4">
-            <a:extLst>
-              <a:ext uri="{FF2B5EF4-FFF2-40B4-BE49-F238E27FC236}">
-                <a16:creationId xmlns:a16="http://schemas.microsoft.com/office/drawing/2014/main" id="{DE3B5CC2-AC5C-4E66-A2A9-A043DA896552}"/>
-              </a:ext>
-            </a:extLst>
-          </p:cNvPr>
-          <p:cNvPicPr>
-            <a:picLocks noChangeAspect="1" noChangeArrowheads="1"/>
-          </p:cNvPicPr>
-          <p:nvPr/>
-        </p:nvPicPr>
-        <p:blipFill>
-          <a:blip r:embed="rId3" cstate="print">
-            <a:extLst>
-              <a:ext uri="{28A0092B-C50C-407E-A947-70E740481C1C}">
-                <a14:useLocalDpi xmlns:a14="http://schemas.microsoft.com/office/drawing/2010/main" val="0"/>
-              </a:ext>
-            </a:extLst>
-          </a:blip>
-          <a:srcRect/>
-          <a:stretch>
-            <a:fillRect/>
-          </a:stretch>
-        </p:blipFill>
-        <p:spPr bwMode="auto">
-          <a:xfrm>
-            <a:off x="11019722" y="5734618"/>
-            <a:ext cx="759333" cy="726869"/>
-          </a:xfrm>
-          <a:prstGeom prst="rect">
-            <a:avLst/>
-          </a:prstGeom>
-          <a:noFill/>
-          <a:ln>
-            <a:noFill/>
-          </a:ln>
-          <a:extLst>
-            <a:ext uri="{909E8E84-426E-40DD-AFC4-6F175D3DCCD1}">
-              <a14:hiddenFill xmlns:a14="http://schemas.microsoft.com/office/drawing/2010/main">
-                <a:solidFill>
-                  <a:srgbClr val="FFFFFF"/>
-                </a:solidFill>
-              </a14:hiddenFill>
-            </a:ext>
-            <a:ext uri="{91240B29-F687-4F45-9708-019B960494DF}">
-              <a14:hiddenLine xmlns:a14="http://schemas.microsoft.com/office/drawing/2010/main" w="9525">
-                <a:solidFill>
-                  <a:srgbClr val="000000"/>
-                </a:solidFill>
-                <a:miter lim="800000"/>
-                <a:headEnd/>
-                <a:tailEnd/>
-              </a14:hiddenLine>
-            </a:ext>
-          </a:extLst>
-        </p:spPr>
-      </p:pic>
-      <p:pic>
-        <p:nvPicPr>
-          <p:cNvPr id="3" name="图片 2">
-            <a:extLst>
-              <a:ext uri="{FF2B5EF4-FFF2-40B4-BE49-F238E27FC236}">
-                <a16:creationId xmlns:a16="http://schemas.microsoft.com/office/drawing/2014/main" id="{67F25FE8-44BF-4732-99B9-4E5F5F54AA52}"/>
-              </a:ext>
-            </a:extLst>
-          </p:cNvPr>
-          <p:cNvPicPr>
-            <a:picLocks noChangeAspect="1"/>
-          </p:cNvPicPr>
-          <p:nvPr/>
-        </p:nvPicPr>
-        <p:blipFill>
-          <a:blip r:embed="rId4"/>
-          <a:stretch>
-            <a:fillRect/>
-          </a:stretch>
-        </p:blipFill>
-        <p:spPr>
-          <a:xfrm>
-            <a:off x="900546" y="777808"/>
-            <a:ext cx="10993643" cy="5302383"/>
-          </a:xfrm>
-          <a:prstGeom prst="rect">
-            <a:avLst/>
-          </a:prstGeom>
-        </p:spPr>
-      </p:pic>
-    </p:spTree>
-    <p:extLst>
-      <p:ext uri="{BB962C8B-B14F-4D97-AF65-F5344CB8AC3E}">
-        <p14:creationId xmlns:p14="http://schemas.microsoft.com/office/powerpoint/2010/main" val="1195832131"/>
-      </p:ext>
-    </p:extLst>
-  </p:cSld>
-  <p:clrMapOvr>
-    <a:masterClrMapping/>
-  </p:clrMapOvr>
-  <mc:AlternateContent xmlns:mc="http://schemas.openxmlformats.org/markup-compatibility/2006">
-    <mc:Choice xmlns:p14="http://schemas.microsoft.com/office/powerpoint/2010/main" Requires="p14">
-      <p:transition spd="med" p14:dur="700">
-        <p:fade/>
-      </p:transition>
-    </mc:Choice>
-    <mc:Fallback>
-      <p:transition spd="med">
-        <p:fade/>
-      </p:transition>
-    </mc:Fallback>
-  </mc:AlternateContent>
-</p:sld>
-</file>
-
-<file path=ppt/slides/slide31.xml><?xml version="1.0" encoding="utf-8"?>
-<p:sld xmlns:a="http://schemas.openxmlformats.org/drawingml/2006/main" xmlns:r="http://schemas.openxmlformats.org/officeDocument/2006/relationships" xmlns:p="http://schemas.openxmlformats.org/presentationml/2006/main">
-  <p:cSld>
-    <p:spTree>
-      <p:nvGrpSpPr>
-        <p:cNvPr id="1" name=""/>
-        <p:cNvGrpSpPr/>
-        <p:nvPr/>
-      </p:nvGrpSpPr>
-      <p:grpSpPr>
-        <a:xfrm>
-          <a:off x="0" y="0"/>
-          <a:ext cx="0" cy="0"/>
-          <a:chOff x="0" y="0"/>
-          <a:chExt cx="0" cy="0"/>
-        </a:xfrm>
-      </p:grpSpPr>
       <p:sp>
         <p:nvSpPr>
           <p:cNvPr id="16" name="文本占位符 15"/>
@@ -11240,13 +11033,145 @@
   <p:clrMapOvr>
     <a:masterClrMapping/>
   </p:clrMapOvr>
-  <mc:AlternateContent xmlns:mc="http://schemas.openxmlformats.org/markup-compatibility/2006">
-    <mc:Choice xmlns:p14="http://schemas.microsoft.com/office/powerpoint/2010/main" Requires="p14">
+  <mc:AlternateContent xmlns:mc="http://schemas.openxmlformats.org/markup-compatibility/2006" xmlns:p14="http://schemas.microsoft.com/office/powerpoint/2010/main">
+    <mc:Choice Requires="p14">
       <p:transition spd="med" p14:dur="700">
         <p:fade/>
       </p:transition>
     </mc:Choice>
-    <mc:Fallback>
+    <mc:Fallback xmlns="">
+      <p:transition spd="med">
+        <p:fade/>
+      </p:transition>
+    </mc:Fallback>
+  </mc:AlternateContent>
+</p:sld>
+</file>
+
+<file path=ppt/slides/slide31.xml><?xml version="1.0" encoding="utf-8"?>
+<p:sld xmlns:a="http://schemas.openxmlformats.org/drawingml/2006/main" xmlns:r="http://schemas.openxmlformats.org/officeDocument/2006/relationships" xmlns:p="http://schemas.openxmlformats.org/presentationml/2006/main">
+  <p:cSld>
+    <p:spTree>
+      <p:nvGrpSpPr>
+        <p:cNvPr id="1" name=""/>
+        <p:cNvGrpSpPr/>
+        <p:nvPr/>
+      </p:nvGrpSpPr>
+      <p:grpSpPr>
+        <a:xfrm>
+          <a:off x="0" y="0"/>
+          <a:ext cx="0" cy="0"/>
+          <a:chOff x="0" y="0"/>
+          <a:chExt cx="0" cy="0"/>
+        </a:xfrm>
+      </p:grpSpPr>
+      <p:pic>
+        <p:nvPicPr>
+          <p:cNvPr id="39" name="Picture 4">
+            <a:extLst>
+              <a:ext uri="{FF2B5EF4-FFF2-40B4-BE49-F238E27FC236}">
+                <a16:creationId xmlns:a16="http://schemas.microsoft.com/office/drawing/2014/main" id="{DE3B5CC2-AC5C-4E66-A2A9-A043DA896552}"/>
+              </a:ext>
+            </a:extLst>
+          </p:cNvPr>
+          <p:cNvPicPr>
+            <a:picLocks noChangeAspect="1" noChangeArrowheads="1"/>
+          </p:cNvPicPr>
+          <p:nvPr/>
+        </p:nvPicPr>
+        <p:blipFill>
+          <a:blip r:embed="rId3" cstate="print">
+            <a:extLst>
+              <a:ext uri="{28A0092B-C50C-407E-A947-70E740481C1C}">
+                <a14:useLocalDpi xmlns:a14="http://schemas.microsoft.com/office/drawing/2010/main" val="0"/>
+              </a:ext>
+            </a:extLst>
+          </a:blip>
+          <a:srcRect/>
+          <a:stretch>
+            <a:fillRect/>
+          </a:stretch>
+        </p:blipFill>
+        <p:spPr bwMode="auto">
+          <a:xfrm>
+            <a:off x="11019722" y="5734618"/>
+            <a:ext cx="759333" cy="726869"/>
+          </a:xfrm>
+          <a:prstGeom prst="rect">
+            <a:avLst/>
+          </a:prstGeom>
+          <a:noFill/>
+          <a:ln>
+            <a:noFill/>
+          </a:ln>
+          <a:extLst>
+            <a:ext uri="{909E8E84-426E-40DD-AFC4-6F175D3DCCD1}">
+              <a14:hiddenFill xmlns:a14="http://schemas.microsoft.com/office/drawing/2010/main">
+                <a:solidFill>
+                  <a:srgbClr val="FFFFFF"/>
+                </a:solidFill>
+              </a14:hiddenFill>
+            </a:ext>
+            <a:ext uri="{91240B29-F687-4F45-9708-019B960494DF}">
+              <a14:hiddenLine xmlns:a14="http://schemas.microsoft.com/office/drawing/2010/main" w="9525">
+                <a:solidFill>
+                  <a:srgbClr val="000000"/>
+                </a:solidFill>
+                <a:miter lim="800000"/>
+                <a:headEnd/>
+                <a:tailEnd/>
+              </a14:hiddenLine>
+            </a:ext>
+          </a:extLst>
+        </p:spPr>
+      </p:pic>
+      <p:pic>
+        <p:nvPicPr>
+          <p:cNvPr id="6" name="图片 5">
+            <a:extLst>
+              <a:ext uri="{FF2B5EF4-FFF2-40B4-BE49-F238E27FC236}">
+                <a16:creationId xmlns:a16="http://schemas.microsoft.com/office/drawing/2014/main" id="{83949BCE-735D-4D8F-8908-E16A00BC9D4D}"/>
+              </a:ext>
+            </a:extLst>
+          </p:cNvPr>
+          <p:cNvPicPr>
+            <a:picLocks noChangeAspect="1"/>
+          </p:cNvPicPr>
+          <p:nvPr/>
+        </p:nvPicPr>
+        <p:blipFill>
+          <a:blip r:embed="rId4"/>
+          <a:stretch>
+            <a:fillRect/>
+          </a:stretch>
+        </p:blipFill>
+        <p:spPr>
+          <a:xfrm>
+            <a:off x="925321" y="1076776"/>
+            <a:ext cx="10094401" cy="4704448"/>
+          </a:xfrm>
+          <a:prstGeom prst="rect">
+            <a:avLst/>
+          </a:prstGeom>
+        </p:spPr>
+      </p:pic>
+    </p:spTree>
+    <p:extLst>
+      <p:ext uri="{BB962C8B-B14F-4D97-AF65-F5344CB8AC3E}">
+        <p14:creationId xmlns:p14="http://schemas.microsoft.com/office/powerpoint/2010/main" val="4139169675"/>
+      </p:ext>
+    </p:extLst>
+  </p:cSld>
+  <p:clrMapOvr>
+    <a:masterClrMapping/>
+  </p:clrMapOvr>
+  <mc:AlternateContent xmlns:mc="http://schemas.openxmlformats.org/markup-compatibility/2006" xmlns:p14="http://schemas.microsoft.com/office/powerpoint/2010/main">
+    <mc:Choice Requires="p14">
+      <p:transition spd="med" p14:dur="700">
+        <p:fade/>
+      </p:transition>
+    </mc:Choice>
+    <mc:Fallback xmlns="">
       <p:transition spd="med">
         <p:fade/>
       </p:transition>
@@ -11334,10 +11259,10 @@
       </p:pic>
       <p:pic>
         <p:nvPicPr>
-          <p:cNvPr id="6" name="图片 5">
+          <p:cNvPr id="4" name="图片 3">
             <a:extLst>
               <a:ext uri="{FF2B5EF4-FFF2-40B4-BE49-F238E27FC236}">
-                <a16:creationId xmlns:a16="http://schemas.microsoft.com/office/drawing/2014/main" id="{83949BCE-735D-4D8F-8908-E16A00BC9D4D}"/>
+                <a16:creationId xmlns:a16="http://schemas.microsoft.com/office/drawing/2014/main" id="{2207DF40-5BBB-41DF-8224-21478A7104DF}"/>
               </a:ext>
             </a:extLst>
           </p:cNvPr>
@@ -11354,8 +11279,8 @@
         </p:blipFill>
         <p:spPr>
           <a:xfrm>
-            <a:off x="925321" y="1076776"/>
-            <a:ext cx="10094401" cy="4704448"/>
+            <a:off x="900546" y="971439"/>
+            <a:ext cx="11125200" cy="5126613"/>
           </a:xfrm>
           <a:prstGeom prst="rect">
             <a:avLst/>
@@ -11365,20 +11290,20 @@
     </p:spTree>
     <p:extLst>
       <p:ext uri="{BB962C8B-B14F-4D97-AF65-F5344CB8AC3E}">
-        <p14:creationId xmlns:p14="http://schemas.microsoft.com/office/powerpoint/2010/main" val="4139169675"/>
+        <p14:creationId xmlns:p14="http://schemas.microsoft.com/office/powerpoint/2010/main" val="1412902258"/>
       </p:ext>
     </p:extLst>
   </p:cSld>
   <p:clrMapOvr>
     <a:masterClrMapping/>
   </p:clrMapOvr>
-  <mc:AlternateContent xmlns:mc="http://schemas.openxmlformats.org/markup-compatibility/2006">
-    <mc:Choice xmlns:p14="http://schemas.microsoft.com/office/powerpoint/2010/main" Requires="p14">
+  <mc:AlternateContent xmlns:mc="http://schemas.openxmlformats.org/markup-compatibility/2006" xmlns:p14="http://schemas.microsoft.com/office/powerpoint/2010/main">
+    <mc:Choice Requires="p14">
       <p:transition spd="med" p14:dur="700">
         <p:fade/>
       </p:transition>
     </mc:Choice>
-    <mc:Fallback>
+    <mc:Fallback xmlns="">
       <p:transition spd="med">
         <p:fade/>
       </p:transition>
@@ -11469,138 +11394,6 @@
           <p:cNvPr id="4" name="图片 3">
             <a:extLst>
               <a:ext uri="{FF2B5EF4-FFF2-40B4-BE49-F238E27FC236}">
-                <a16:creationId xmlns:a16="http://schemas.microsoft.com/office/drawing/2014/main" id="{2207DF40-5BBB-41DF-8224-21478A7104DF}"/>
-              </a:ext>
-            </a:extLst>
-          </p:cNvPr>
-          <p:cNvPicPr>
-            <a:picLocks noChangeAspect="1"/>
-          </p:cNvPicPr>
-          <p:nvPr/>
-        </p:nvPicPr>
-        <p:blipFill>
-          <a:blip r:embed="rId4"/>
-          <a:stretch>
-            <a:fillRect/>
-          </a:stretch>
-        </p:blipFill>
-        <p:spPr>
-          <a:xfrm>
-            <a:off x="900546" y="971439"/>
-            <a:ext cx="11125200" cy="5126613"/>
-          </a:xfrm>
-          <a:prstGeom prst="rect">
-            <a:avLst/>
-          </a:prstGeom>
-        </p:spPr>
-      </p:pic>
-    </p:spTree>
-    <p:extLst>
-      <p:ext uri="{BB962C8B-B14F-4D97-AF65-F5344CB8AC3E}">
-        <p14:creationId xmlns:p14="http://schemas.microsoft.com/office/powerpoint/2010/main" val="1412902258"/>
-      </p:ext>
-    </p:extLst>
-  </p:cSld>
-  <p:clrMapOvr>
-    <a:masterClrMapping/>
-  </p:clrMapOvr>
-  <mc:AlternateContent xmlns:mc="http://schemas.openxmlformats.org/markup-compatibility/2006">
-    <mc:Choice xmlns:p14="http://schemas.microsoft.com/office/powerpoint/2010/main" Requires="p14">
-      <p:transition spd="med" p14:dur="700">
-        <p:fade/>
-      </p:transition>
-    </mc:Choice>
-    <mc:Fallback>
-      <p:transition spd="med">
-        <p:fade/>
-      </p:transition>
-    </mc:Fallback>
-  </mc:AlternateContent>
-</p:sld>
-</file>
-
-<file path=ppt/slides/slide34.xml><?xml version="1.0" encoding="utf-8"?>
-<p:sld xmlns:a="http://schemas.openxmlformats.org/drawingml/2006/main" xmlns:r="http://schemas.openxmlformats.org/officeDocument/2006/relationships" xmlns:p="http://schemas.openxmlformats.org/presentationml/2006/main">
-  <p:cSld>
-    <p:spTree>
-      <p:nvGrpSpPr>
-        <p:cNvPr id="1" name=""/>
-        <p:cNvGrpSpPr/>
-        <p:nvPr/>
-      </p:nvGrpSpPr>
-      <p:grpSpPr>
-        <a:xfrm>
-          <a:off x="0" y="0"/>
-          <a:ext cx="0" cy="0"/>
-          <a:chOff x="0" y="0"/>
-          <a:chExt cx="0" cy="0"/>
-        </a:xfrm>
-      </p:grpSpPr>
-      <p:pic>
-        <p:nvPicPr>
-          <p:cNvPr id="39" name="Picture 4">
-            <a:extLst>
-              <a:ext uri="{FF2B5EF4-FFF2-40B4-BE49-F238E27FC236}">
-                <a16:creationId xmlns:a16="http://schemas.microsoft.com/office/drawing/2014/main" id="{DE3B5CC2-AC5C-4E66-A2A9-A043DA896552}"/>
-              </a:ext>
-            </a:extLst>
-          </p:cNvPr>
-          <p:cNvPicPr>
-            <a:picLocks noChangeAspect="1" noChangeArrowheads="1"/>
-          </p:cNvPicPr>
-          <p:nvPr/>
-        </p:nvPicPr>
-        <p:blipFill>
-          <a:blip r:embed="rId3" cstate="print">
-            <a:extLst>
-              <a:ext uri="{28A0092B-C50C-407E-A947-70E740481C1C}">
-                <a14:useLocalDpi xmlns:a14="http://schemas.microsoft.com/office/drawing/2010/main" val="0"/>
-              </a:ext>
-            </a:extLst>
-          </a:blip>
-          <a:srcRect/>
-          <a:stretch>
-            <a:fillRect/>
-          </a:stretch>
-        </p:blipFill>
-        <p:spPr bwMode="auto">
-          <a:xfrm>
-            <a:off x="11019722" y="5734618"/>
-            <a:ext cx="759333" cy="726869"/>
-          </a:xfrm>
-          <a:prstGeom prst="rect">
-            <a:avLst/>
-          </a:prstGeom>
-          <a:noFill/>
-          <a:ln>
-            <a:noFill/>
-          </a:ln>
-          <a:extLst>
-            <a:ext uri="{909E8E84-426E-40DD-AFC4-6F175D3DCCD1}">
-              <a14:hiddenFill xmlns:a14="http://schemas.microsoft.com/office/drawing/2010/main">
-                <a:solidFill>
-                  <a:srgbClr val="FFFFFF"/>
-                </a:solidFill>
-              </a14:hiddenFill>
-            </a:ext>
-            <a:ext uri="{91240B29-F687-4F45-9708-019B960494DF}">
-              <a14:hiddenLine xmlns:a14="http://schemas.microsoft.com/office/drawing/2010/main" w="9525">
-                <a:solidFill>
-                  <a:srgbClr val="000000"/>
-                </a:solidFill>
-                <a:miter lim="800000"/>
-                <a:headEnd/>
-                <a:tailEnd/>
-              </a14:hiddenLine>
-            </a:ext>
-          </a:extLst>
-        </p:spPr>
-      </p:pic>
-      <p:pic>
-        <p:nvPicPr>
-          <p:cNvPr id="4" name="图片 3">
-            <a:extLst>
-              <a:ext uri="{FF2B5EF4-FFF2-40B4-BE49-F238E27FC236}">
                 <a16:creationId xmlns:a16="http://schemas.microsoft.com/office/drawing/2014/main" id="{84DF9BA3-B888-4DA2-B073-C90306292400}"/>
               </a:ext>
             </a:extLst>
@@ -11636,13 +11429,13 @@
   <p:clrMapOvr>
     <a:masterClrMapping/>
   </p:clrMapOvr>
-  <mc:AlternateContent xmlns:mc="http://schemas.openxmlformats.org/markup-compatibility/2006">
-    <mc:Choice xmlns:p14="http://schemas.microsoft.com/office/powerpoint/2010/main" Requires="p14">
+  <mc:AlternateContent xmlns:mc="http://schemas.openxmlformats.org/markup-compatibility/2006" xmlns:p14="http://schemas.microsoft.com/office/powerpoint/2010/main">
+    <mc:Choice Requires="p14">
       <p:transition spd="med" p14:dur="700">
         <p:fade/>
       </p:transition>
     </mc:Choice>
-    <mc:Fallback>
+    <mc:Fallback xmlns="">
       <p:transition spd="med">
         <p:fade/>
       </p:transition>
@@ -11651,7 +11444,7 @@
 </p:sld>
 </file>
 
-<file path=ppt/slides/slide35.xml><?xml version="1.0" encoding="utf-8"?>
+<file path=ppt/slides/slide34.xml><?xml version="1.0" encoding="utf-8"?>
 <p:sld xmlns:a="http://schemas.openxmlformats.org/drawingml/2006/main" xmlns:r="http://schemas.openxmlformats.org/officeDocument/2006/relationships" xmlns:p="http://schemas.openxmlformats.org/presentationml/2006/main">
   <p:cSld>
     <p:spTree>
@@ -12174,13 +11967,13 @@
   <p:clrMapOvr>
     <a:masterClrMapping/>
   </p:clrMapOvr>
-  <mc:AlternateContent xmlns:mc="http://schemas.openxmlformats.org/markup-compatibility/2006">
-    <mc:Choice xmlns:p14="http://schemas.microsoft.com/office/powerpoint/2010/main" Requires="p14">
+  <mc:AlternateContent xmlns:mc="http://schemas.openxmlformats.org/markup-compatibility/2006" xmlns:p14="http://schemas.microsoft.com/office/powerpoint/2010/main">
+    <mc:Choice Requires="p14">
       <p:transition spd="med" p14:dur="700">
         <p:fade/>
       </p:transition>
     </mc:Choice>
-    <mc:Fallback>
+    <mc:Fallback xmlns="">
       <p:transition spd="med">
         <p:fade/>
       </p:transition>
@@ -12189,7 +11982,7 @@
 </p:sld>
 </file>
 
-<file path=ppt/slides/slide36.xml><?xml version="1.0" encoding="utf-8"?>
+<file path=ppt/slides/slide35.xml><?xml version="1.0" encoding="utf-8"?>
 <p:sld xmlns:a="http://schemas.openxmlformats.org/drawingml/2006/main" xmlns:r="http://schemas.openxmlformats.org/officeDocument/2006/relationships" xmlns:p="http://schemas.openxmlformats.org/presentationml/2006/main">
   <p:cSld>
     <p:spTree>
@@ -12885,7 +12678,7 @@
 </p:sld>
 </file>
 
-<file path=ppt/slides/slide37.xml><?xml version="1.0" encoding="utf-8"?>
+<file path=ppt/slides/slide36.xml><?xml version="1.0" encoding="utf-8"?>
 <p:sld xmlns:a="http://schemas.openxmlformats.org/drawingml/2006/main" xmlns:r="http://schemas.openxmlformats.org/officeDocument/2006/relationships" xmlns:p="http://schemas.openxmlformats.org/presentationml/2006/main">
   <p:cSld>
     <p:spTree>
@@ -14962,6 +14755,66 @@
           </a:extLst>
         </p:spPr>
       </p:pic>
+      <p:pic>
+        <p:nvPicPr>
+          <p:cNvPr id="4" name="图片 3">
+            <a:extLst>
+              <a:ext uri="{FF2B5EF4-FFF2-40B4-BE49-F238E27FC236}">
+                <a16:creationId xmlns:a16="http://schemas.microsoft.com/office/drawing/2014/main" id="{1568FC4E-AFD2-4B88-B6AF-BEDB5DD72BCD}"/>
+              </a:ext>
+            </a:extLst>
+          </p:cNvPr>
+          <p:cNvPicPr>
+            <a:picLocks noChangeAspect="1"/>
+          </p:cNvPicPr>
+          <p:nvPr/>
+        </p:nvPicPr>
+        <p:blipFill>
+          <a:blip r:embed="rId3"/>
+          <a:stretch>
+            <a:fillRect/>
+          </a:stretch>
+        </p:blipFill>
+        <p:spPr>
+          <a:xfrm>
+            <a:off x="241300" y="1451696"/>
+            <a:ext cx="13793268" cy="2002704"/>
+          </a:xfrm>
+          <a:prstGeom prst="rect">
+            <a:avLst/>
+          </a:prstGeom>
+        </p:spPr>
+      </p:pic>
+      <p:pic>
+        <p:nvPicPr>
+          <p:cNvPr id="7" name="图片 6">
+            <a:extLst>
+              <a:ext uri="{FF2B5EF4-FFF2-40B4-BE49-F238E27FC236}">
+                <a16:creationId xmlns:a16="http://schemas.microsoft.com/office/drawing/2014/main" id="{9A65C26B-D8FE-4931-9615-A978D31A48D7}"/>
+              </a:ext>
+            </a:extLst>
+          </p:cNvPr>
+          <p:cNvPicPr>
+            <a:picLocks noChangeAspect="1"/>
+          </p:cNvPicPr>
+          <p:nvPr/>
+        </p:nvPicPr>
+        <p:blipFill>
+          <a:blip r:embed="rId4"/>
+          <a:stretch>
+            <a:fillRect/>
+          </a:stretch>
+        </p:blipFill>
+        <p:spPr>
+          <a:xfrm>
+            <a:off x="139700" y="3637201"/>
+            <a:ext cx="12192000" cy="957308"/>
+          </a:xfrm>
+          <a:prstGeom prst="rect">
+            <a:avLst/>
+          </a:prstGeom>
+        </p:spPr>
+      </p:pic>
       <p:sp>
         <p:nvSpPr>
           <p:cNvPr id="2" name="文本框 1">
@@ -15008,7 +14861,7 @@
     </p:spTree>
     <p:extLst>
       <p:ext uri="{BB962C8B-B14F-4D97-AF65-F5344CB8AC3E}">
-        <p14:creationId xmlns:p14="http://schemas.microsoft.com/office/powerpoint/2010/main" val="1435788619"/>
+        <p14:creationId xmlns:p14="http://schemas.microsoft.com/office/powerpoint/2010/main" val="2652704381"/>
       </p:ext>
     </p:extLst>
   </p:cSld>

--- a/SE2021-G003-实现/测试展示.pptx
+++ b/SE2021-G003-实现/测试展示.pptx
@@ -5,7 +5,7 @@
     <p:sldMasterId id="2147483648" r:id="rId1"/>
   </p:sldMasterIdLst>
   <p:notesMasterIdLst>
-    <p:notesMasterId r:id="rId38"/>
+    <p:notesMasterId r:id="rId36"/>
   </p:notesMasterIdLst>
   <p:sldIdLst>
     <p:sldId id="667" r:id="rId2"/>
@@ -28,47 +28,52 @@
     <p:sldId id="693" r:id="rId19"/>
     <p:sldId id="697" r:id="rId20"/>
     <p:sldId id="699" r:id="rId21"/>
-    <p:sldId id="705" r:id="rId22"/>
-    <p:sldId id="706" r:id="rId23"/>
-    <p:sldId id="707" r:id="rId24"/>
-    <p:sldId id="713" r:id="rId25"/>
-    <p:sldId id="708" r:id="rId26"/>
-    <p:sldId id="710" r:id="rId27"/>
-    <p:sldId id="671" r:id="rId28"/>
-    <p:sldId id="716" r:id="rId29"/>
-    <p:sldId id="717" r:id="rId30"/>
-    <p:sldId id="715" r:id="rId31"/>
-    <p:sldId id="720" r:id="rId32"/>
-    <p:sldId id="722" r:id="rId33"/>
-    <p:sldId id="719" r:id="rId34"/>
-    <p:sldId id="718" r:id="rId35"/>
-    <p:sldId id="660" r:id="rId36"/>
-    <p:sldId id="663" r:id="rId37"/>
+    <p:sldId id="707" r:id="rId22"/>
+    <p:sldId id="713" r:id="rId23"/>
+    <p:sldId id="710" r:id="rId24"/>
+    <p:sldId id="723" r:id="rId25"/>
+    <p:sldId id="671" r:id="rId26"/>
+    <p:sldId id="716" r:id="rId27"/>
+    <p:sldId id="717" r:id="rId28"/>
+    <p:sldId id="715" r:id="rId29"/>
+    <p:sldId id="720" r:id="rId30"/>
+    <p:sldId id="722" r:id="rId31"/>
+    <p:sldId id="719" r:id="rId32"/>
+    <p:sldId id="718" r:id="rId33"/>
+    <p:sldId id="660" r:id="rId34"/>
+    <p:sldId id="663" r:id="rId35"/>
   </p:sldIdLst>
   <p:sldSz cx="12192000" cy="6858000"/>
   <p:notesSz cx="6858000" cy="9144000"/>
   <p:embeddedFontLst>
     <p:embeddedFont>
       <p:font typeface="汉仪大宋简" panose="02010600030101010101" charset="-122"/>
-      <p:regular r:id="rId39"/>
+      <p:regular r:id="rId37"/>
     </p:embeddedFont>
     <p:embeddedFont>
       <p:font typeface="汉仪中等线简" panose="02010600030101010101" charset="-122"/>
-      <p:regular r:id="rId40"/>
+      <p:regular r:id="rId38"/>
     </p:embeddedFont>
     <p:embeddedFont>
       <p:font typeface="Arial Black" panose="020B0A04020102020204" pitchFamily="34" charset="0"/>
+      <p:regular r:id="rId39"/>
+      <p:bold r:id="rId40"/>
+    </p:embeddedFont>
+    <p:embeddedFont>
+      <p:font typeface="Calibri" panose="020F0502020204030204" pitchFamily="34" charset="0"/>
       <p:regular r:id="rId41"/>
       <p:bold r:id="rId42"/>
+      <p:italic r:id="rId43"/>
+      <p:boldItalic r:id="rId44"/>
     </p:embeddedFont>
     <p:embeddedFont>
       <p:font typeface="等线" panose="02010600030101010101" pitchFamily="2" charset="-122"/>
-      <p:regular r:id="rId43"/>
-      <p:bold r:id="rId44"/>
+      <p:regular r:id="rId45"/>
+      <p:bold r:id="rId46"/>
     </p:embeddedFont>
     <p:embeddedFont>
       <p:font typeface="华文细黑" panose="02010600040101010101" pitchFamily="2" charset="-122"/>
-      <p:regular r:id="rId45"/>
+      <p:regular r:id="rId47"/>
     </p:embeddedFont>
   </p:embeddedFontLst>
   <p:defaultTextStyle>
@@ -191,12 +196,10 @@
             <p14:sldId id="693"/>
             <p14:sldId id="697"/>
             <p14:sldId id="699"/>
-            <p14:sldId id="705"/>
-            <p14:sldId id="706"/>
             <p14:sldId id="707"/>
             <p14:sldId id="713"/>
-            <p14:sldId id="708"/>
             <p14:sldId id="710"/>
+            <p14:sldId id="723"/>
             <p14:sldId id="671"/>
             <p14:sldId id="716"/>
             <p14:sldId id="717"/>
@@ -623,96 +626,7 @@
           <a:bodyPr/>
           <a:lstStyle/>
           <a:p>
-            <a:r>
-              <a:rPr lang="zh-CN" altLang="en-US" dirty="0"/>
-              <a:t>需求分析</a:t>
-            </a:r>
-            <a:r>
-              <a:rPr lang="en-US" altLang="zh-CN" dirty="0"/>
-              <a:t>--</a:t>
-            </a:r>
-            <a:r>
-              <a:rPr lang="en-US" altLang="zh-CN" dirty="0">
-                <a:sym typeface="Wingdings" panose="05000000000000000000" pitchFamily="2" charset="2"/>
-              </a:rPr>
-              <a:t></a:t>
-            </a:r>
-            <a:r>
-              <a:rPr lang="zh-CN" altLang="en-US" dirty="0"/>
-              <a:t>编写测试用例</a:t>
-            </a:r>
-            <a:r>
-              <a:rPr lang="en-US" altLang="zh-CN" dirty="0"/>
-              <a:t>--</a:t>
-            </a:r>
-            <a:r>
-              <a:rPr lang="en-US" altLang="zh-CN" dirty="0">
-                <a:sym typeface="Wingdings" panose="05000000000000000000" pitchFamily="2" charset="2"/>
-              </a:rPr>
-              <a:t></a:t>
-            </a:r>
-            <a:r>
-              <a:rPr lang="zh-CN" altLang="en-US" dirty="0">
-                <a:sym typeface="Wingdings" panose="05000000000000000000" pitchFamily="2" charset="2"/>
-              </a:rPr>
-              <a:t>冒烟测试</a:t>
-            </a:r>
-            <a:endParaRPr lang="en-US" altLang="zh-CN" dirty="0">
-              <a:sym typeface="Wingdings" panose="05000000000000000000" pitchFamily="2" charset="2"/>
-            </a:endParaRPr>
-          </a:p>
-          <a:p>
-            <a:r>
-              <a:rPr lang="zh-CN" altLang="en-US" dirty="0"/>
-              <a:t>需求：</a:t>
-            </a:r>
-            <a:endParaRPr lang="en-US" altLang="zh-CN" dirty="0"/>
-          </a:p>
-          <a:p>
-            <a:r>
-              <a:rPr lang="zh-CN" altLang="en-US" dirty="0"/>
-              <a:t>用户能够写题目，并生成错题</a:t>
-            </a:r>
-            <a:endParaRPr lang="en-US" altLang="zh-CN" dirty="0"/>
-          </a:p>
-          <a:p>
-            <a:r>
-              <a:rPr lang="zh-CN" altLang="en-US" dirty="0"/>
-              <a:t>能够通过学科对题目进行</a:t>
-            </a:r>
-            <a:endParaRPr lang="en-US" altLang="zh-CN" dirty="0"/>
-          </a:p>
-          <a:p>
             <a:endParaRPr lang="zh-CN" altLang="en-US" dirty="0"/>
-          </a:p>
-          <a:p>
-            <a:r>
-              <a:rPr lang="zh-CN" altLang="en-US" dirty="0"/>
-              <a:t>单元测试、子系统测试采用</a:t>
-            </a:r>
-            <a:r>
-              <a:rPr lang="en-US" altLang="zh-CN" dirty="0" err="1"/>
-              <a:t>junit</a:t>
-            </a:r>
-            <a:r>
-              <a:rPr lang="zh-CN" altLang="en-US" dirty="0"/>
-              <a:t>进行测试</a:t>
-            </a:r>
-            <a:endParaRPr lang="en-US" altLang="zh-CN" dirty="0"/>
-          </a:p>
-          <a:p>
-            <a:r>
-              <a:rPr lang="zh-CN" altLang="en-US" dirty="0"/>
-              <a:t>集成测试采用</a:t>
-            </a:r>
-            <a:r>
-              <a:rPr lang="en-US" altLang="zh-CN" dirty="0"/>
-              <a:t>postman</a:t>
-            </a:r>
-            <a:r>
-              <a:rPr lang="zh-CN" altLang="en-US" dirty="0"/>
-              <a:t>和前端页面一起测试</a:t>
-            </a:r>
           </a:p>
         </p:txBody>
       </p:sp>
@@ -733,7 +647,7 @@
           <a:p>
             <a:fld id="{007A01F5-44A5-4159-8A25-AAEB32A72F86}" type="slidenum">
               <a:rPr lang="zh-CN" altLang="en-US" smtClean="0"/>
-              <a:t>4</a:t>
+              <a:t>1</a:t>
             </a:fld>
             <a:endParaRPr lang="zh-CN" altLang="en-US"/>
           </a:p>
@@ -742,7 +656,7 @@
     </p:spTree>
     <p:extLst>
       <p:ext uri="{BB962C8B-B14F-4D97-AF65-F5344CB8AC3E}">
-        <p14:creationId xmlns:p14="http://schemas.microsoft.com/office/powerpoint/2010/main" val="1817850585"/>
+        <p14:creationId xmlns:p14="http://schemas.microsoft.com/office/powerpoint/2010/main" val="3450172350"/>
       </p:ext>
     </p:extLst>
   </p:cSld>
@@ -796,7 +710,96 @@
           <a:bodyPr/>
           <a:lstStyle/>
           <a:p>
+            <a:r>
+              <a:rPr lang="zh-CN" altLang="en-US" dirty="0"/>
+              <a:t>需求分析</a:t>
+            </a:r>
+            <a:r>
+              <a:rPr lang="en-US" altLang="zh-CN" dirty="0"/>
+              <a:t>--</a:t>
+            </a:r>
+            <a:r>
+              <a:rPr lang="en-US" altLang="zh-CN" dirty="0">
+                <a:sym typeface="Wingdings" panose="05000000000000000000" pitchFamily="2" charset="2"/>
+              </a:rPr>
+              <a:t></a:t>
+            </a:r>
+            <a:r>
+              <a:rPr lang="zh-CN" altLang="en-US" dirty="0"/>
+              <a:t>编写测试用例</a:t>
+            </a:r>
+            <a:r>
+              <a:rPr lang="en-US" altLang="zh-CN" dirty="0"/>
+              <a:t>--</a:t>
+            </a:r>
+            <a:r>
+              <a:rPr lang="en-US" altLang="zh-CN" dirty="0">
+                <a:sym typeface="Wingdings" panose="05000000000000000000" pitchFamily="2" charset="2"/>
+              </a:rPr>
+              <a:t></a:t>
+            </a:r>
+            <a:r>
+              <a:rPr lang="zh-CN" altLang="en-US" dirty="0">
+                <a:sym typeface="Wingdings" panose="05000000000000000000" pitchFamily="2" charset="2"/>
+              </a:rPr>
+              <a:t>冒烟测试</a:t>
+            </a:r>
+            <a:endParaRPr lang="en-US" altLang="zh-CN" dirty="0">
+              <a:sym typeface="Wingdings" panose="05000000000000000000" pitchFamily="2" charset="2"/>
+            </a:endParaRPr>
+          </a:p>
+          <a:p>
+            <a:r>
+              <a:rPr lang="zh-CN" altLang="en-US" dirty="0"/>
+              <a:t>需求：</a:t>
+            </a:r>
+            <a:endParaRPr lang="en-US" altLang="zh-CN" dirty="0"/>
+          </a:p>
+          <a:p>
+            <a:r>
+              <a:rPr lang="zh-CN" altLang="en-US" dirty="0"/>
+              <a:t>用户能够写题目，并生成错题</a:t>
+            </a:r>
+            <a:endParaRPr lang="en-US" altLang="zh-CN" dirty="0"/>
+          </a:p>
+          <a:p>
+            <a:r>
+              <a:rPr lang="zh-CN" altLang="en-US" dirty="0"/>
+              <a:t>能够通过学科对题目进行</a:t>
+            </a:r>
+            <a:endParaRPr lang="en-US" altLang="zh-CN" dirty="0"/>
+          </a:p>
+          <a:p>
             <a:endParaRPr lang="zh-CN" altLang="en-US" dirty="0"/>
+          </a:p>
+          <a:p>
+            <a:r>
+              <a:rPr lang="zh-CN" altLang="en-US" dirty="0"/>
+              <a:t>单元测试、子系统测试采用</a:t>
+            </a:r>
+            <a:r>
+              <a:rPr lang="en-US" altLang="zh-CN" dirty="0" err="1"/>
+              <a:t>junit</a:t>
+            </a:r>
+            <a:r>
+              <a:rPr lang="zh-CN" altLang="en-US" dirty="0"/>
+              <a:t>进行测试</a:t>
+            </a:r>
+            <a:endParaRPr lang="en-US" altLang="zh-CN" dirty="0"/>
+          </a:p>
+          <a:p>
+            <a:r>
+              <a:rPr lang="zh-CN" altLang="en-US" dirty="0"/>
+              <a:t>集成测试采用</a:t>
+            </a:r>
+            <a:r>
+              <a:rPr lang="en-US" altLang="zh-CN" dirty="0"/>
+              <a:t>postman</a:t>
+            </a:r>
+            <a:r>
+              <a:rPr lang="zh-CN" altLang="en-US" dirty="0"/>
+              <a:t>和前端页面一起测试</a:t>
+            </a:r>
           </a:p>
         </p:txBody>
       </p:sp>
@@ -817,7 +820,7 @@
           <a:p>
             <a:fld id="{007A01F5-44A5-4159-8A25-AAEB32A72F86}" type="slidenum">
               <a:rPr lang="zh-CN" altLang="en-US" smtClean="0"/>
-              <a:t>29</a:t>
+              <a:t>4</a:t>
             </a:fld>
             <a:endParaRPr lang="zh-CN" altLang="en-US"/>
           </a:p>
@@ -826,7 +829,7 @@
     </p:spTree>
     <p:extLst>
       <p:ext uri="{BB962C8B-B14F-4D97-AF65-F5344CB8AC3E}">
-        <p14:creationId xmlns:p14="http://schemas.microsoft.com/office/powerpoint/2010/main" val="790894856"/>
+        <p14:creationId xmlns:p14="http://schemas.microsoft.com/office/powerpoint/2010/main" val="1817850585"/>
       </p:ext>
     </p:extLst>
   </p:cSld>
@@ -901,7 +904,7 @@
           <a:p>
             <a:fld id="{007A01F5-44A5-4159-8A25-AAEB32A72F86}" type="slidenum">
               <a:rPr lang="zh-CN" altLang="en-US" smtClean="0"/>
-              <a:t>31</a:t>
+              <a:t>21</a:t>
             </a:fld>
             <a:endParaRPr lang="zh-CN" altLang="en-US"/>
           </a:p>
@@ -910,7 +913,7 @@
     </p:spTree>
     <p:extLst>
       <p:ext uri="{BB962C8B-B14F-4D97-AF65-F5344CB8AC3E}">
-        <p14:creationId xmlns:p14="http://schemas.microsoft.com/office/powerpoint/2010/main" val="1635092474"/>
+        <p14:creationId xmlns:p14="http://schemas.microsoft.com/office/powerpoint/2010/main" val="2774504378"/>
       </p:ext>
     </p:extLst>
   </p:cSld>
@@ -985,7 +988,7 @@
           <a:p>
             <a:fld id="{007A01F5-44A5-4159-8A25-AAEB32A72F86}" type="slidenum">
               <a:rPr lang="zh-CN" altLang="en-US" smtClean="0"/>
-              <a:t>32</a:t>
+              <a:t>27</a:t>
             </a:fld>
             <a:endParaRPr lang="zh-CN" altLang="en-US"/>
           </a:p>
@@ -994,7 +997,7 @@
     </p:spTree>
     <p:extLst>
       <p:ext uri="{BB962C8B-B14F-4D97-AF65-F5344CB8AC3E}">
-        <p14:creationId xmlns:p14="http://schemas.microsoft.com/office/powerpoint/2010/main" val="916344531"/>
+        <p14:creationId xmlns:p14="http://schemas.microsoft.com/office/powerpoint/2010/main" val="790894856"/>
       </p:ext>
     </p:extLst>
   </p:cSld>
@@ -1069,7 +1072,175 @@
           <a:p>
             <a:fld id="{007A01F5-44A5-4159-8A25-AAEB32A72F86}" type="slidenum">
               <a:rPr lang="zh-CN" altLang="en-US" smtClean="0"/>
-              <a:t>33</a:t>
+              <a:t>29</a:t>
+            </a:fld>
+            <a:endParaRPr lang="zh-CN" altLang="en-US"/>
+          </a:p>
+        </p:txBody>
+      </p:sp>
+    </p:spTree>
+    <p:extLst>
+      <p:ext uri="{BB962C8B-B14F-4D97-AF65-F5344CB8AC3E}">
+        <p14:creationId xmlns:p14="http://schemas.microsoft.com/office/powerpoint/2010/main" val="1635092474"/>
+      </p:ext>
+    </p:extLst>
+  </p:cSld>
+  <p:clrMapOvr>
+    <a:masterClrMapping/>
+  </p:clrMapOvr>
+</p:notes>
+</file>
+
+<file path=ppt/notesSlides/notesSlide6.xml><?xml version="1.0" encoding="utf-8"?>
+<p:notes xmlns:a="http://schemas.openxmlformats.org/drawingml/2006/main" xmlns:r="http://schemas.openxmlformats.org/officeDocument/2006/relationships" xmlns:p="http://schemas.openxmlformats.org/presentationml/2006/main">
+  <p:cSld>
+    <p:spTree>
+      <p:nvGrpSpPr>
+        <p:cNvPr id="1" name=""/>
+        <p:cNvGrpSpPr/>
+        <p:nvPr/>
+      </p:nvGrpSpPr>
+      <p:grpSpPr>
+        <a:xfrm>
+          <a:off x="0" y="0"/>
+          <a:ext cx="0" cy="0"/>
+          <a:chOff x="0" y="0"/>
+          <a:chExt cx="0" cy="0"/>
+        </a:xfrm>
+      </p:grpSpPr>
+      <p:sp>
+        <p:nvSpPr>
+          <p:cNvPr id="2" name="幻灯片图像占位符 1"/>
+          <p:cNvSpPr>
+            <a:spLocks noGrp="1" noRot="1" noChangeAspect="1"/>
+          </p:cNvSpPr>
+          <p:nvPr>
+            <p:ph type="sldImg"/>
+          </p:nvPr>
+        </p:nvSpPr>
+        <p:spPr/>
+      </p:sp>
+      <p:sp>
+        <p:nvSpPr>
+          <p:cNvPr id="3" name="备注占位符 2"/>
+          <p:cNvSpPr>
+            <a:spLocks noGrp="1"/>
+          </p:cNvSpPr>
+          <p:nvPr>
+            <p:ph type="body" idx="1"/>
+          </p:nvPr>
+        </p:nvSpPr>
+        <p:spPr/>
+        <p:txBody>
+          <a:bodyPr/>
+          <a:lstStyle/>
+          <a:p>
+            <a:endParaRPr lang="zh-CN" altLang="en-US" dirty="0"/>
+          </a:p>
+        </p:txBody>
+      </p:sp>
+      <p:sp>
+        <p:nvSpPr>
+          <p:cNvPr id="4" name="灯片编号占位符 3"/>
+          <p:cNvSpPr>
+            <a:spLocks noGrp="1"/>
+          </p:cNvSpPr>
+          <p:nvPr>
+            <p:ph type="sldNum" sz="quarter" idx="5"/>
+          </p:nvPr>
+        </p:nvSpPr>
+        <p:spPr/>
+        <p:txBody>
+          <a:bodyPr/>
+          <a:lstStyle/>
+          <a:p>
+            <a:fld id="{007A01F5-44A5-4159-8A25-AAEB32A72F86}" type="slidenum">
+              <a:rPr lang="zh-CN" altLang="en-US" smtClean="0"/>
+              <a:t>30</a:t>
+            </a:fld>
+            <a:endParaRPr lang="zh-CN" altLang="en-US"/>
+          </a:p>
+        </p:txBody>
+      </p:sp>
+    </p:spTree>
+    <p:extLst>
+      <p:ext uri="{BB962C8B-B14F-4D97-AF65-F5344CB8AC3E}">
+        <p14:creationId xmlns:p14="http://schemas.microsoft.com/office/powerpoint/2010/main" val="916344531"/>
+      </p:ext>
+    </p:extLst>
+  </p:cSld>
+  <p:clrMapOvr>
+    <a:masterClrMapping/>
+  </p:clrMapOvr>
+</p:notes>
+</file>
+
+<file path=ppt/notesSlides/notesSlide7.xml><?xml version="1.0" encoding="utf-8"?>
+<p:notes xmlns:a="http://schemas.openxmlformats.org/drawingml/2006/main" xmlns:r="http://schemas.openxmlformats.org/officeDocument/2006/relationships" xmlns:p="http://schemas.openxmlformats.org/presentationml/2006/main">
+  <p:cSld>
+    <p:spTree>
+      <p:nvGrpSpPr>
+        <p:cNvPr id="1" name=""/>
+        <p:cNvGrpSpPr/>
+        <p:nvPr/>
+      </p:nvGrpSpPr>
+      <p:grpSpPr>
+        <a:xfrm>
+          <a:off x="0" y="0"/>
+          <a:ext cx="0" cy="0"/>
+          <a:chOff x="0" y="0"/>
+          <a:chExt cx="0" cy="0"/>
+        </a:xfrm>
+      </p:grpSpPr>
+      <p:sp>
+        <p:nvSpPr>
+          <p:cNvPr id="2" name="幻灯片图像占位符 1"/>
+          <p:cNvSpPr>
+            <a:spLocks noGrp="1" noRot="1" noChangeAspect="1"/>
+          </p:cNvSpPr>
+          <p:nvPr>
+            <p:ph type="sldImg"/>
+          </p:nvPr>
+        </p:nvSpPr>
+        <p:spPr/>
+      </p:sp>
+      <p:sp>
+        <p:nvSpPr>
+          <p:cNvPr id="3" name="备注占位符 2"/>
+          <p:cNvSpPr>
+            <a:spLocks noGrp="1"/>
+          </p:cNvSpPr>
+          <p:nvPr>
+            <p:ph type="body" idx="1"/>
+          </p:nvPr>
+        </p:nvSpPr>
+        <p:spPr/>
+        <p:txBody>
+          <a:bodyPr/>
+          <a:lstStyle/>
+          <a:p>
+            <a:endParaRPr lang="zh-CN" altLang="en-US" dirty="0"/>
+          </a:p>
+        </p:txBody>
+      </p:sp>
+      <p:sp>
+        <p:nvSpPr>
+          <p:cNvPr id="4" name="灯片编号占位符 3"/>
+          <p:cNvSpPr>
+            <a:spLocks noGrp="1"/>
+          </p:cNvSpPr>
+          <p:nvPr>
+            <p:ph type="sldNum" sz="quarter" idx="5"/>
+          </p:nvPr>
+        </p:nvSpPr>
+        <p:spPr/>
+        <p:txBody>
+          <a:bodyPr/>
+          <a:lstStyle/>
+          <a:p>
+            <a:fld id="{007A01F5-44A5-4159-8A25-AAEB32A72F86}" type="slidenum">
+              <a:rPr lang="zh-CN" altLang="en-US" smtClean="0"/>
+              <a:t>31</a:t>
             </a:fld>
             <a:endParaRPr lang="zh-CN" altLang="en-US"/>
           </a:p>
@@ -4456,7 +4627,7 @@
           <p:nvPr/>
         </p:nvPicPr>
         <p:blipFill>
-          <a:blip r:embed="rId2" cstate="print">
+          <a:blip r:embed="rId3" cstate="print">
             <a:extLst>
               <a:ext uri="{28A0092B-C50C-407E-A947-70E740481C1C}">
                 <a14:useLocalDpi xmlns:a14="http://schemas.microsoft.com/office/drawing/2010/main" val="0"/>
@@ -8250,7 +8421,7 @@
           <p:nvPr/>
         </p:nvPicPr>
         <p:blipFill>
-          <a:blip r:embed="rId2" cstate="print">
+          <a:blip r:embed="rId3" cstate="print">
             <a:extLst>
               <a:ext uri="{28A0092B-C50C-407E-A947-70E740481C1C}">
                 <a14:useLocalDpi xmlns:a14="http://schemas.microsoft.com/office/drawing/2010/main" val="0"/>
@@ -8300,7 +8471,7 @@
           <p:cNvPr id="4" name="图片 3">
             <a:extLst>
               <a:ext uri="{FF2B5EF4-FFF2-40B4-BE49-F238E27FC236}">
-                <a16:creationId xmlns:a16="http://schemas.microsoft.com/office/drawing/2014/main" id="{6418E7BF-456A-4766-8D39-A73971954E0E}"/>
+                <a16:creationId xmlns:a16="http://schemas.microsoft.com/office/drawing/2014/main" id="{03010BF6-1653-4FE4-9512-A47F24E2D3B8}"/>
               </a:ext>
             </a:extLst>
           </p:cNvPr>
@@ -8310,15 +8481,15 @@
           <p:nvPr/>
         </p:nvPicPr>
         <p:blipFill>
-          <a:blip r:embed="rId3"/>
+          <a:blip r:embed="rId4"/>
           <a:stretch>
             <a:fillRect/>
           </a:stretch>
         </p:blipFill>
         <p:spPr>
           <a:xfrm>
-            <a:off x="1534408" y="487108"/>
-            <a:ext cx="4411271" cy="5883783"/>
+            <a:off x="712431" y="635194"/>
+            <a:ext cx="3318182" cy="5587612"/>
           </a:xfrm>
           <a:prstGeom prst="rect">
             <a:avLst/>
@@ -8327,10 +8498,10 @@
       </p:pic>
       <p:sp>
         <p:nvSpPr>
-          <p:cNvPr id="5" name="文本框 4">
+          <p:cNvPr id="7" name="文本框 6">
             <a:extLst>
               <a:ext uri="{FF2B5EF4-FFF2-40B4-BE49-F238E27FC236}">
-                <a16:creationId xmlns:a16="http://schemas.microsoft.com/office/drawing/2014/main" id="{8AFE9F54-6080-4D61-BC9C-F9175890EADD}"/>
+                <a16:creationId xmlns:a16="http://schemas.microsoft.com/office/drawing/2014/main" id="{987F93C1-004F-47C0-A4C5-AFB4DA7108A6}"/>
               </a:ext>
             </a:extLst>
           </p:cNvPr>
@@ -8339,8 +8510,478 @@
         </p:nvSpPr>
         <p:spPr>
           <a:xfrm>
-            <a:off x="5945679" y="1256427"/>
-            <a:ext cx="3847475" cy="369332"/>
+            <a:off x="4476339" y="818195"/>
+            <a:ext cx="6097656" cy="2031325"/>
+          </a:xfrm>
+          <a:prstGeom prst="rect">
+            <a:avLst/>
+          </a:prstGeom>
+          <a:noFill/>
+        </p:spPr>
+        <p:txBody>
+          <a:bodyPr wrap="square">
+            <a:spAutoFit/>
+          </a:bodyPr>
+          <a:lstStyle/>
+          <a:p>
+            <a:pPr algn="just"/>
+            <a:r>
+              <a:rPr lang="zh-CN" altLang="zh-CN" sz="1800" kern="100" dirty="0">
+                <a:effectLst/>
+                <a:latin typeface="Calibri" panose="020F0502020204030204" pitchFamily="34" charset="0"/>
+                <a:ea typeface="宋体" panose="02010600030101010101" pitchFamily="2" charset="-122"/>
+                <a:cs typeface="Times New Roman" panose="02020603050405020304" pitchFamily="18" charset="0"/>
+              </a:rPr>
+              <a:t>路径：</a:t>
+            </a:r>
+          </a:p>
+          <a:p>
+            <a:pPr marL="342900" lvl="0" indent="-342900" algn="just">
+              <a:buFont typeface="+mj-lt"/>
+              <a:buAutoNum type="arabicPeriod"/>
+            </a:pPr>
+            <a:r>
+              <a:rPr lang="zh-CN" altLang="zh-CN" sz="1800" kern="100" dirty="0">
+                <a:effectLst/>
+                <a:latin typeface="Calibri" panose="020F0502020204030204" pitchFamily="34" charset="0"/>
+                <a:ea typeface="宋体" panose="02010600030101010101" pitchFamily="2" charset="-122"/>
+                <a:cs typeface="Times New Roman" panose="02020603050405020304" pitchFamily="18" charset="0"/>
+              </a:rPr>
+              <a:t>开始</a:t>
+            </a:r>
+            <a:r>
+              <a:rPr lang="en-US" altLang="zh-CN" sz="1800" kern="100" dirty="0">
+                <a:effectLst/>
+                <a:latin typeface="Calibri" panose="020F0502020204030204" pitchFamily="34" charset="0"/>
+                <a:ea typeface="宋体" panose="02010600030101010101" pitchFamily="2" charset="-122"/>
+                <a:cs typeface="Times New Roman" panose="02020603050405020304" pitchFamily="18" charset="0"/>
+              </a:rPr>
+              <a:t>----</a:t>
+            </a:r>
+            <a:r>
+              <a:rPr lang="zh-CN" altLang="zh-CN" sz="1800" kern="100" dirty="0">
+                <a:effectLst/>
+                <a:latin typeface="Calibri" panose="020F0502020204030204" pitchFamily="34" charset="0"/>
+                <a:ea typeface="宋体" panose="02010600030101010101" pitchFamily="2" charset="-122"/>
+                <a:cs typeface="Times New Roman" panose="02020603050405020304" pitchFamily="18" charset="0"/>
+              </a:rPr>
+              <a:t>输入用户名、密码</a:t>
+            </a:r>
+            <a:r>
+              <a:rPr lang="en-US" altLang="zh-CN" sz="1800" kern="100" dirty="0">
+                <a:effectLst/>
+                <a:latin typeface="Calibri" panose="020F0502020204030204" pitchFamily="34" charset="0"/>
+                <a:ea typeface="宋体" panose="02010600030101010101" pitchFamily="2" charset="-122"/>
+                <a:cs typeface="Times New Roman" panose="02020603050405020304" pitchFamily="18" charset="0"/>
+              </a:rPr>
+              <a:t>---</a:t>
+            </a:r>
+            <a:r>
+              <a:rPr lang="zh-CN" altLang="zh-CN" sz="1800" kern="100" dirty="0">
+                <a:effectLst/>
+                <a:latin typeface="Calibri" panose="020F0502020204030204" pitchFamily="34" charset="0"/>
+                <a:ea typeface="宋体" panose="02010600030101010101" pitchFamily="2" charset="-122"/>
+                <a:cs typeface="Times New Roman" panose="02020603050405020304" pitchFamily="18" charset="0"/>
+              </a:rPr>
+              <a:t>判断用户是否存在</a:t>
+            </a:r>
+            <a:r>
+              <a:rPr lang="en-US" altLang="zh-CN" sz="1800" kern="100" dirty="0">
+                <a:effectLst/>
+                <a:latin typeface="Calibri" panose="020F0502020204030204" pitchFamily="34" charset="0"/>
+                <a:ea typeface="宋体" panose="02010600030101010101" pitchFamily="2" charset="-122"/>
+                <a:cs typeface="Times New Roman" panose="02020603050405020304" pitchFamily="18" charset="0"/>
+              </a:rPr>
+              <a:t>---</a:t>
+            </a:r>
+            <a:r>
+              <a:rPr lang="zh-CN" altLang="zh-CN" sz="1800" kern="100" dirty="0">
+                <a:effectLst/>
+                <a:latin typeface="Calibri" panose="020F0502020204030204" pitchFamily="34" charset="0"/>
+                <a:ea typeface="宋体" panose="02010600030101010101" pitchFamily="2" charset="-122"/>
+                <a:cs typeface="Times New Roman" panose="02020603050405020304" pitchFamily="18" charset="0"/>
+              </a:rPr>
+              <a:t>选择功能</a:t>
+            </a:r>
+            <a:r>
+              <a:rPr lang="en-US" altLang="zh-CN" sz="1800" kern="100" dirty="0">
+                <a:effectLst/>
+                <a:latin typeface="Calibri" panose="020F0502020204030204" pitchFamily="34" charset="0"/>
+                <a:ea typeface="宋体" panose="02010600030101010101" pitchFamily="2" charset="-122"/>
+                <a:cs typeface="Times New Roman" panose="02020603050405020304" pitchFamily="18" charset="0"/>
+              </a:rPr>
+              <a:t>---</a:t>
+            </a:r>
+            <a:r>
+              <a:rPr lang="zh-CN" altLang="zh-CN" sz="1800" kern="100" dirty="0">
+                <a:effectLst/>
+                <a:latin typeface="Calibri" panose="020F0502020204030204" pitchFamily="34" charset="0"/>
+                <a:ea typeface="宋体" panose="02010600030101010101" pitchFamily="2" charset="-122"/>
+                <a:cs typeface="Times New Roman" panose="02020603050405020304" pitchFamily="18" charset="0"/>
+              </a:rPr>
+              <a:t>修改密码</a:t>
+            </a:r>
+            <a:r>
+              <a:rPr lang="en-US" altLang="zh-CN" sz="1800" kern="100" dirty="0">
+                <a:effectLst/>
+                <a:latin typeface="Calibri" panose="020F0502020204030204" pitchFamily="34" charset="0"/>
+                <a:ea typeface="宋体" panose="02010600030101010101" pitchFamily="2" charset="-122"/>
+                <a:cs typeface="Times New Roman" panose="02020603050405020304" pitchFamily="18" charset="0"/>
+              </a:rPr>
+              <a:t>----</a:t>
+            </a:r>
+            <a:r>
+              <a:rPr lang="zh-CN" altLang="zh-CN" sz="1800" kern="100" dirty="0">
+                <a:effectLst/>
+                <a:latin typeface="Calibri" panose="020F0502020204030204" pitchFamily="34" charset="0"/>
+                <a:ea typeface="宋体" panose="02010600030101010101" pitchFamily="2" charset="-122"/>
+                <a:cs typeface="Times New Roman" panose="02020603050405020304" pitchFamily="18" charset="0"/>
+              </a:rPr>
+              <a:t>用户修改密码</a:t>
+            </a:r>
+            <a:r>
+              <a:rPr lang="en-US" altLang="zh-CN" sz="1800" kern="100" dirty="0">
+                <a:effectLst/>
+                <a:latin typeface="Calibri" panose="020F0502020204030204" pitchFamily="34" charset="0"/>
+                <a:ea typeface="宋体" panose="02010600030101010101" pitchFamily="2" charset="-122"/>
+                <a:cs typeface="Times New Roman" panose="02020603050405020304" pitchFamily="18" charset="0"/>
+              </a:rPr>
+              <a:t>---</a:t>
+            </a:r>
+            <a:r>
+              <a:rPr lang="zh-CN" altLang="zh-CN" sz="1800" kern="100" dirty="0">
+                <a:effectLst/>
+                <a:latin typeface="Calibri" panose="020F0502020204030204" pitchFamily="34" charset="0"/>
+                <a:ea typeface="宋体" panose="02010600030101010101" pitchFamily="2" charset="-122"/>
+                <a:cs typeface="Times New Roman" panose="02020603050405020304" pitchFamily="18" charset="0"/>
+              </a:rPr>
+              <a:t>修改</a:t>
+            </a:r>
+            <a:r>
+              <a:rPr lang="en-US" altLang="zh-CN" sz="1800" kern="100" dirty="0">
+                <a:effectLst/>
+                <a:latin typeface="Calibri" panose="020F0502020204030204" pitchFamily="34" charset="0"/>
+                <a:ea typeface="宋体" panose="02010600030101010101" pitchFamily="2" charset="-122"/>
+                <a:cs typeface="Times New Roman" panose="02020603050405020304" pitchFamily="18" charset="0"/>
+              </a:rPr>
+              <a:t>----</a:t>
+            </a:r>
+            <a:r>
+              <a:rPr lang="zh-CN" altLang="zh-CN" sz="1800" kern="100" dirty="0">
+                <a:effectLst/>
+                <a:latin typeface="Calibri" panose="020F0502020204030204" pitchFamily="34" charset="0"/>
+                <a:ea typeface="宋体" panose="02010600030101010101" pitchFamily="2" charset="-122"/>
+                <a:cs typeface="Times New Roman" panose="02020603050405020304" pitchFamily="18" charset="0"/>
+              </a:rPr>
+              <a:t>修改密码成功信息</a:t>
+            </a:r>
+            <a:r>
+              <a:rPr lang="en-US" altLang="zh-CN" sz="1800" kern="100" dirty="0">
+                <a:effectLst/>
+                <a:latin typeface="Calibri" panose="020F0502020204030204" pitchFamily="34" charset="0"/>
+                <a:ea typeface="宋体" panose="02010600030101010101" pitchFamily="2" charset="-122"/>
+                <a:cs typeface="Times New Roman" panose="02020603050405020304" pitchFamily="18" charset="0"/>
+              </a:rPr>
+              <a:t>---</a:t>
+            </a:r>
+            <a:r>
+              <a:rPr lang="zh-CN" altLang="zh-CN" sz="1800" kern="100" dirty="0">
+                <a:effectLst/>
+                <a:latin typeface="Calibri" panose="020F0502020204030204" pitchFamily="34" charset="0"/>
+                <a:ea typeface="宋体" panose="02010600030101010101" pitchFamily="2" charset="-122"/>
+                <a:cs typeface="Times New Roman" panose="02020603050405020304" pitchFamily="18" charset="0"/>
+              </a:rPr>
+              <a:t>结束</a:t>
+            </a:r>
+          </a:p>
+          <a:p>
+            <a:pPr marL="342900" lvl="0" indent="-342900" algn="just">
+              <a:buFont typeface="+mj-lt"/>
+              <a:buAutoNum type="arabicPeriod"/>
+            </a:pPr>
+            <a:r>
+              <a:rPr lang="zh-CN" altLang="zh-CN" sz="1800" kern="100" dirty="0">
+                <a:effectLst/>
+                <a:latin typeface="Calibri" panose="020F0502020204030204" pitchFamily="34" charset="0"/>
+                <a:ea typeface="宋体" panose="02010600030101010101" pitchFamily="2" charset="-122"/>
+                <a:cs typeface="Times New Roman" panose="02020603050405020304" pitchFamily="18" charset="0"/>
+              </a:rPr>
+              <a:t>开始</a:t>
+            </a:r>
+            <a:r>
+              <a:rPr lang="en-US" altLang="zh-CN" sz="1800" kern="100" dirty="0">
+                <a:effectLst/>
+                <a:latin typeface="Calibri" panose="020F0502020204030204" pitchFamily="34" charset="0"/>
+                <a:ea typeface="宋体" panose="02010600030101010101" pitchFamily="2" charset="-122"/>
+                <a:cs typeface="Times New Roman" panose="02020603050405020304" pitchFamily="18" charset="0"/>
+              </a:rPr>
+              <a:t>----</a:t>
+            </a:r>
+            <a:r>
+              <a:rPr lang="zh-CN" altLang="zh-CN" sz="1800" kern="100" dirty="0">
+                <a:effectLst/>
+                <a:latin typeface="Calibri" panose="020F0502020204030204" pitchFamily="34" charset="0"/>
+                <a:ea typeface="宋体" panose="02010600030101010101" pitchFamily="2" charset="-122"/>
+                <a:cs typeface="Times New Roman" panose="02020603050405020304" pitchFamily="18" charset="0"/>
+              </a:rPr>
+              <a:t>输入用户名、密码</a:t>
+            </a:r>
+            <a:r>
+              <a:rPr lang="en-US" altLang="zh-CN" sz="1800" kern="100" dirty="0">
+                <a:effectLst/>
+                <a:latin typeface="Calibri" panose="020F0502020204030204" pitchFamily="34" charset="0"/>
+                <a:ea typeface="宋体" panose="02010600030101010101" pitchFamily="2" charset="-122"/>
+                <a:cs typeface="Times New Roman" panose="02020603050405020304" pitchFamily="18" charset="0"/>
+              </a:rPr>
+              <a:t>---</a:t>
+            </a:r>
+            <a:r>
+              <a:rPr lang="zh-CN" altLang="zh-CN" sz="1800" kern="100" dirty="0">
+                <a:effectLst/>
+                <a:latin typeface="Calibri" panose="020F0502020204030204" pitchFamily="34" charset="0"/>
+                <a:ea typeface="宋体" panose="02010600030101010101" pitchFamily="2" charset="-122"/>
+                <a:cs typeface="Times New Roman" panose="02020603050405020304" pitchFamily="18" charset="0"/>
+              </a:rPr>
+              <a:t>判断用户是否存在</a:t>
+            </a:r>
+            <a:r>
+              <a:rPr lang="en-US" altLang="zh-CN" sz="1800" kern="100" dirty="0">
+                <a:effectLst/>
+                <a:latin typeface="Calibri" panose="020F0502020204030204" pitchFamily="34" charset="0"/>
+                <a:ea typeface="宋体" panose="02010600030101010101" pitchFamily="2" charset="-122"/>
+                <a:cs typeface="Times New Roman" panose="02020603050405020304" pitchFamily="18" charset="0"/>
+              </a:rPr>
+              <a:t>---</a:t>
+            </a:r>
+            <a:r>
+              <a:rPr lang="zh-CN" altLang="zh-CN" sz="1800" kern="100" dirty="0">
+                <a:effectLst/>
+                <a:latin typeface="Calibri" panose="020F0502020204030204" pitchFamily="34" charset="0"/>
+                <a:ea typeface="宋体" panose="02010600030101010101" pitchFamily="2" charset="-122"/>
+                <a:cs typeface="Times New Roman" panose="02020603050405020304" pitchFamily="18" charset="0"/>
+              </a:rPr>
+              <a:t>选择功能</a:t>
+            </a:r>
+            <a:r>
+              <a:rPr lang="en-US" altLang="zh-CN" sz="1800" kern="100" dirty="0">
+                <a:effectLst/>
+                <a:latin typeface="Calibri" panose="020F0502020204030204" pitchFamily="34" charset="0"/>
+                <a:ea typeface="宋体" panose="02010600030101010101" pitchFamily="2" charset="-122"/>
+                <a:cs typeface="Times New Roman" panose="02020603050405020304" pitchFamily="18" charset="0"/>
+              </a:rPr>
+              <a:t>---</a:t>
+            </a:r>
+            <a:r>
+              <a:rPr lang="zh-CN" altLang="zh-CN" sz="1800" kern="100" dirty="0">
+                <a:effectLst/>
+                <a:latin typeface="Calibri" panose="020F0502020204030204" pitchFamily="34" charset="0"/>
+                <a:ea typeface="宋体" panose="02010600030101010101" pitchFamily="2" charset="-122"/>
+                <a:cs typeface="Times New Roman" panose="02020603050405020304" pitchFamily="18" charset="0"/>
+              </a:rPr>
+              <a:t>修改密码</a:t>
+            </a:r>
+            <a:r>
+              <a:rPr lang="en-US" altLang="zh-CN" sz="1800" kern="100" dirty="0">
+                <a:effectLst/>
+                <a:latin typeface="Calibri" panose="020F0502020204030204" pitchFamily="34" charset="0"/>
+                <a:ea typeface="宋体" panose="02010600030101010101" pitchFamily="2" charset="-122"/>
+                <a:cs typeface="Times New Roman" panose="02020603050405020304" pitchFamily="18" charset="0"/>
+              </a:rPr>
+              <a:t>----</a:t>
+            </a:r>
+            <a:r>
+              <a:rPr lang="zh-CN" altLang="zh-CN" sz="1800" kern="100" dirty="0">
+                <a:effectLst/>
+                <a:latin typeface="Calibri" panose="020F0502020204030204" pitchFamily="34" charset="0"/>
+                <a:ea typeface="宋体" panose="02010600030101010101" pitchFamily="2" charset="-122"/>
+                <a:cs typeface="Times New Roman" panose="02020603050405020304" pitchFamily="18" charset="0"/>
+              </a:rPr>
+              <a:t>用户修改密码</a:t>
+            </a:r>
+            <a:r>
+              <a:rPr lang="en-US" altLang="zh-CN" sz="1800" kern="100" dirty="0">
+                <a:effectLst/>
+                <a:latin typeface="Calibri" panose="020F0502020204030204" pitchFamily="34" charset="0"/>
+                <a:ea typeface="宋体" panose="02010600030101010101" pitchFamily="2" charset="-122"/>
+                <a:cs typeface="Times New Roman" panose="02020603050405020304" pitchFamily="18" charset="0"/>
+              </a:rPr>
+              <a:t>---</a:t>
+            </a:r>
+            <a:r>
+              <a:rPr lang="zh-CN" altLang="zh-CN" sz="1800" kern="100" dirty="0">
+                <a:effectLst/>
+                <a:latin typeface="Calibri" panose="020F0502020204030204" pitchFamily="34" charset="0"/>
+                <a:ea typeface="宋体" panose="02010600030101010101" pitchFamily="2" charset="-122"/>
+                <a:cs typeface="Times New Roman" panose="02020603050405020304" pitchFamily="18" charset="0"/>
+              </a:rPr>
+              <a:t>修改</a:t>
+            </a:r>
+            <a:r>
+              <a:rPr lang="en-US" altLang="zh-CN" sz="1800" kern="100" dirty="0">
+                <a:effectLst/>
+                <a:latin typeface="Calibri" panose="020F0502020204030204" pitchFamily="34" charset="0"/>
+                <a:ea typeface="宋体" panose="02010600030101010101" pitchFamily="2" charset="-122"/>
+                <a:cs typeface="Times New Roman" panose="02020603050405020304" pitchFamily="18" charset="0"/>
+              </a:rPr>
+              <a:t>----</a:t>
+            </a:r>
+            <a:r>
+              <a:rPr lang="zh-CN" altLang="zh-CN" sz="1800" kern="100" dirty="0">
+                <a:effectLst/>
+                <a:latin typeface="Calibri" panose="020F0502020204030204" pitchFamily="34" charset="0"/>
+                <a:ea typeface="宋体" panose="02010600030101010101" pitchFamily="2" charset="-122"/>
+                <a:cs typeface="Times New Roman" panose="02020603050405020304" pitchFamily="18" charset="0"/>
+              </a:rPr>
+              <a:t>报错</a:t>
+            </a:r>
+            <a:r>
+              <a:rPr lang="en-US" altLang="zh-CN" sz="1800" kern="100" dirty="0">
+                <a:effectLst/>
+                <a:latin typeface="Calibri" panose="020F0502020204030204" pitchFamily="34" charset="0"/>
+                <a:ea typeface="宋体" panose="02010600030101010101" pitchFamily="2" charset="-122"/>
+                <a:cs typeface="Times New Roman" panose="02020603050405020304" pitchFamily="18" charset="0"/>
+              </a:rPr>
+              <a:t>---</a:t>
+            </a:r>
+            <a:r>
+              <a:rPr lang="zh-CN" altLang="zh-CN" sz="1800" kern="100" dirty="0">
+                <a:effectLst/>
+                <a:latin typeface="Calibri" panose="020F0502020204030204" pitchFamily="34" charset="0"/>
+                <a:ea typeface="宋体" panose="02010600030101010101" pitchFamily="2" charset="-122"/>
+                <a:cs typeface="Times New Roman" panose="02020603050405020304" pitchFamily="18" charset="0"/>
+              </a:rPr>
+              <a:t>结束</a:t>
+            </a:r>
+          </a:p>
+          <a:p>
+            <a:pPr marL="342900" lvl="0" indent="-342900" algn="just">
+              <a:buFont typeface="+mj-lt"/>
+              <a:buAutoNum type="arabicPeriod"/>
+            </a:pPr>
+            <a:r>
+              <a:rPr lang="zh-CN" altLang="zh-CN" sz="1800" kern="100" dirty="0">
+                <a:effectLst/>
+                <a:latin typeface="Calibri" panose="020F0502020204030204" pitchFamily="34" charset="0"/>
+                <a:ea typeface="宋体" panose="02010600030101010101" pitchFamily="2" charset="-122"/>
+                <a:cs typeface="Times New Roman" panose="02020603050405020304" pitchFamily="18" charset="0"/>
+              </a:rPr>
+              <a:t>开始</a:t>
+            </a:r>
+            <a:r>
+              <a:rPr lang="en-US" altLang="zh-CN" sz="1800" kern="100" dirty="0">
+                <a:effectLst/>
+                <a:latin typeface="Calibri" panose="020F0502020204030204" pitchFamily="34" charset="0"/>
+                <a:ea typeface="宋体" panose="02010600030101010101" pitchFamily="2" charset="-122"/>
+                <a:cs typeface="Times New Roman" panose="02020603050405020304" pitchFamily="18" charset="0"/>
+              </a:rPr>
+              <a:t>----</a:t>
+            </a:r>
+            <a:r>
+              <a:rPr lang="zh-CN" altLang="zh-CN" sz="1800" kern="100" dirty="0">
+                <a:effectLst/>
+                <a:latin typeface="Calibri" panose="020F0502020204030204" pitchFamily="34" charset="0"/>
+                <a:ea typeface="宋体" panose="02010600030101010101" pitchFamily="2" charset="-122"/>
+                <a:cs typeface="Times New Roman" panose="02020603050405020304" pitchFamily="18" charset="0"/>
+              </a:rPr>
+              <a:t>输入用户名、密码</a:t>
+            </a:r>
+            <a:r>
+              <a:rPr lang="en-US" altLang="zh-CN" sz="1800" kern="100" dirty="0">
+                <a:effectLst/>
+                <a:latin typeface="Calibri" panose="020F0502020204030204" pitchFamily="34" charset="0"/>
+                <a:ea typeface="宋体" panose="02010600030101010101" pitchFamily="2" charset="-122"/>
+                <a:cs typeface="Times New Roman" panose="02020603050405020304" pitchFamily="18" charset="0"/>
+              </a:rPr>
+              <a:t>---</a:t>
+            </a:r>
+            <a:r>
+              <a:rPr lang="zh-CN" altLang="zh-CN" sz="1800" kern="100" dirty="0">
+                <a:effectLst/>
+                <a:latin typeface="Calibri" panose="020F0502020204030204" pitchFamily="34" charset="0"/>
+                <a:ea typeface="宋体" panose="02010600030101010101" pitchFamily="2" charset="-122"/>
+                <a:cs typeface="Times New Roman" panose="02020603050405020304" pitchFamily="18" charset="0"/>
+              </a:rPr>
+              <a:t>判断用户是否存在</a:t>
+            </a:r>
+          </a:p>
+        </p:txBody>
+      </p:sp>
+      <p:pic>
+        <p:nvPicPr>
+          <p:cNvPr id="2050" name="图片 1">
+            <a:extLst>
+              <a:ext uri="{FF2B5EF4-FFF2-40B4-BE49-F238E27FC236}">
+                <a16:creationId xmlns:a16="http://schemas.microsoft.com/office/drawing/2014/main" id="{4B7FC5BB-326D-422B-87D4-B15E1B517883}"/>
+              </a:ext>
+            </a:extLst>
+          </p:cNvPr>
+          <p:cNvPicPr>
+            <a:picLocks noChangeAspect="1" noChangeArrowheads="1"/>
+          </p:cNvPicPr>
+          <p:nvPr/>
+        </p:nvPicPr>
+        <p:blipFill>
+          <a:blip r:embed="rId5">
+            <a:extLst>
+              <a:ext uri="{28A0092B-C50C-407E-A947-70E740481C1C}">
+                <a14:useLocalDpi xmlns:a14="http://schemas.microsoft.com/office/drawing/2010/main" val="0"/>
+              </a:ext>
+            </a:extLst>
+          </a:blip>
+          <a:srcRect/>
+          <a:stretch>
+            <a:fillRect/>
+          </a:stretch>
+        </p:blipFill>
+        <p:spPr bwMode="auto">
+          <a:xfrm>
+            <a:off x="3820704" y="3190599"/>
+            <a:ext cx="8046617" cy="2123649"/>
+          </a:xfrm>
+          <a:prstGeom prst="rect">
+            <a:avLst/>
+          </a:prstGeom>
+          <a:noFill/>
+          <a:ln>
+            <a:noFill/>
+          </a:ln>
+          <a:extLst>
+            <a:ext uri="{909E8E84-426E-40DD-AFC4-6F175D3DCCD1}">
+              <a14:hiddenFill xmlns:a14="http://schemas.microsoft.com/office/drawing/2010/main">
+                <a:solidFill>
+                  <a:srgbClr val="FFFFFF"/>
+                </a:solidFill>
+              </a14:hiddenFill>
+            </a:ext>
+            <a:ext uri="{91240B29-F687-4F45-9708-019B960494DF}">
+              <a14:hiddenLine xmlns:a14="http://schemas.microsoft.com/office/drawing/2010/main" w="9525">
+                <a:solidFill>
+                  <a:srgbClr val="000000"/>
+                </a:solidFill>
+                <a:miter lim="800000"/>
+                <a:headEnd/>
+                <a:tailEnd/>
+              </a14:hiddenLine>
+            </a:ext>
+          </a:extLst>
+        </p:spPr>
+      </p:pic>
+      <p:sp>
+        <p:nvSpPr>
+          <p:cNvPr id="6" name="文本框 5">
+            <a:extLst>
+              <a:ext uri="{FF2B5EF4-FFF2-40B4-BE49-F238E27FC236}">
+                <a16:creationId xmlns:a16="http://schemas.microsoft.com/office/drawing/2014/main" id="{5BC78478-E26C-4890-A8E8-8C747E4B799E}"/>
+              </a:ext>
+            </a:extLst>
+          </p:cNvPr>
+          <p:cNvSpPr txBox="1"/>
+          <p:nvPr/>
+        </p:nvSpPr>
+        <p:spPr>
+          <a:xfrm>
+            <a:off x="567441" y="818195"/>
+            <a:ext cx="2422113" cy="369332"/>
           </a:xfrm>
           <a:prstGeom prst="rect">
             <a:avLst/>
@@ -8355,7 +8996,7 @@
           <a:p>
             <a:r>
               <a:rPr lang="zh-CN" altLang="en-US" dirty="0"/>
-              <a:t>用户科目添加</a:t>
+              <a:t>修改密码</a:t>
             </a:r>
           </a:p>
         </p:txBody>
@@ -8363,7 +9004,7 @@
     </p:spTree>
     <p:extLst>
       <p:ext uri="{BB962C8B-B14F-4D97-AF65-F5344CB8AC3E}">
-        <p14:creationId xmlns:p14="http://schemas.microsoft.com/office/powerpoint/2010/main" val="1123163921"/>
+        <p14:creationId xmlns:p14="http://schemas.microsoft.com/office/powerpoint/2010/main" val="3537401418"/>
       </p:ext>
     </p:extLst>
   </p:cSld>
@@ -8462,12 +9103,47 @@
           </a:extLst>
         </p:spPr>
       </p:pic>
+      <p:sp>
+        <p:nvSpPr>
+          <p:cNvPr id="6" name="文本框 5">
+            <a:extLst>
+              <a:ext uri="{FF2B5EF4-FFF2-40B4-BE49-F238E27FC236}">
+                <a16:creationId xmlns:a16="http://schemas.microsoft.com/office/drawing/2014/main" id="{5BC78478-E26C-4890-A8E8-8C747E4B799E}"/>
+              </a:ext>
+            </a:extLst>
+          </p:cNvPr>
+          <p:cNvSpPr txBox="1"/>
+          <p:nvPr/>
+        </p:nvSpPr>
+        <p:spPr>
+          <a:xfrm>
+            <a:off x="1089987" y="792555"/>
+            <a:ext cx="2422113" cy="369332"/>
+          </a:xfrm>
+          <a:prstGeom prst="rect">
+            <a:avLst/>
+          </a:prstGeom>
+          <a:noFill/>
+        </p:spPr>
+        <p:txBody>
+          <a:bodyPr wrap="square" rtlCol="0">
+            <a:spAutoFit/>
+          </a:bodyPr>
+          <a:lstStyle/>
+          <a:p>
+            <a:r>
+              <a:rPr lang="zh-CN" altLang="en-US" dirty="0"/>
+              <a:t>下载查看试卷</a:t>
+            </a:r>
+          </a:p>
+        </p:txBody>
+      </p:sp>
       <p:pic>
         <p:nvPicPr>
           <p:cNvPr id="3" name="图片 2">
             <a:extLst>
               <a:ext uri="{FF2B5EF4-FFF2-40B4-BE49-F238E27FC236}">
-                <a16:creationId xmlns:a16="http://schemas.microsoft.com/office/drawing/2014/main" id="{3EEC1CEA-DFCE-4C1F-8150-FB6D37361E29}"/>
+                <a16:creationId xmlns:a16="http://schemas.microsoft.com/office/drawing/2014/main" id="{E3C1A5F8-C451-4A69-8FAD-70AE7774E552}"/>
               </a:ext>
             </a:extLst>
           </p:cNvPr>
@@ -8484,8 +9160,8 @@
         </p:blipFill>
         <p:spPr>
           <a:xfrm>
-            <a:off x="1702941" y="751561"/>
-            <a:ext cx="3064503" cy="5651795"/>
+            <a:off x="175587" y="1161887"/>
+            <a:ext cx="3622114" cy="4819795"/>
           </a:xfrm>
           <a:prstGeom prst="rect">
             <a:avLst/>
@@ -8494,10 +9170,10 @@
       </p:pic>
       <p:sp>
         <p:nvSpPr>
-          <p:cNvPr id="6" name="文本框 5">
+          <p:cNvPr id="7" name="文本框 6">
             <a:extLst>
               <a:ext uri="{FF2B5EF4-FFF2-40B4-BE49-F238E27FC236}">
-                <a16:creationId xmlns:a16="http://schemas.microsoft.com/office/drawing/2014/main" id="{5BC78478-E26C-4890-A8E8-8C747E4B799E}"/>
+                <a16:creationId xmlns:a16="http://schemas.microsoft.com/office/drawing/2014/main" id="{F93372CD-2561-4DDB-9948-2A1A186050B7}"/>
               </a:ext>
             </a:extLst>
           </p:cNvPr>
@@ -8506,8 +9182,8 @@
         </p:nvSpPr>
         <p:spPr>
           <a:xfrm>
-            <a:off x="5381698" y="977221"/>
-            <a:ext cx="2422113" cy="369332"/>
+            <a:off x="4010444" y="659889"/>
+            <a:ext cx="6097656" cy="3139321"/>
           </a:xfrm>
           <a:prstGeom prst="rect">
             <a:avLst/>
@@ -8515,22 +9191,766 @@
           <a:noFill/>
         </p:spPr>
         <p:txBody>
-          <a:bodyPr wrap="square" rtlCol="0">
+          <a:bodyPr wrap="square">
             <a:spAutoFit/>
           </a:bodyPr>
           <a:lstStyle/>
           <a:p>
-            <a:r>
-              <a:rPr lang="zh-CN" altLang="en-US" dirty="0"/>
-              <a:t>修改信息</a:t>
+            <a:pPr algn="just"/>
+            <a:r>
+              <a:rPr lang="zh-CN" altLang="zh-CN" sz="1800" kern="100" dirty="0">
+                <a:effectLst/>
+                <a:latin typeface="Calibri" panose="020F0502020204030204" pitchFamily="34" charset="0"/>
+                <a:ea typeface="宋体" panose="02010600030101010101" pitchFamily="2" charset="-122"/>
+                <a:cs typeface="Times New Roman" panose="02020603050405020304" pitchFamily="18" charset="0"/>
+              </a:rPr>
+              <a:t>路径：</a:t>
+            </a:r>
+          </a:p>
+          <a:p>
+            <a:pPr algn="just"/>
+            <a:r>
+              <a:rPr lang="en-US" altLang="zh-CN" sz="1800" kern="100" dirty="0">
+                <a:effectLst/>
+                <a:latin typeface="Calibri" panose="020F0502020204030204" pitchFamily="34" charset="0"/>
+                <a:ea typeface="宋体" panose="02010600030101010101" pitchFamily="2" charset="-122"/>
+                <a:cs typeface="Times New Roman" panose="02020603050405020304" pitchFamily="18" charset="0"/>
+              </a:rPr>
+              <a:t>1.</a:t>
+            </a:r>
+            <a:r>
+              <a:rPr lang="zh-CN" altLang="zh-CN" sz="1800" kern="100" dirty="0">
+                <a:effectLst/>
+                <a:latin typeface="Calibri" panose="020F0502020204030204" pitchFamily="34" charset="0"/>
+                <a:ea typeface="宋体" panose="02010600030101010101" pitchFamily="2" charset="-122"/>
+                <a:cs typeface="Times New Roman" panose="02020603050405020304" pitchFamily="18" charset="0"/>
+              </a:rPr>
+              <a:t>开始</a:t>
+            </a:r>
+            <a:r>
+              <a:rPr lang="en-US" altLang="zh-CN" sz="1800" kern="100" dirty="0">
+                <a:effectLst/>
+                <a:latin typeface="Calibri" panose="020F0502020204030204" pitchFamily="34" charset="0"/>
+                <a:ea typeface="宋体" panose="02010600030101010101" pitchFamily="2" charset="-122"/>
+                <a:cs typeface="Times New Roman" panose="02020603050405020304" pitchFamily="18" charset="0"/>
+              </a:rPr>
+              <a:t>----</a:t>
+            </a:r>
+            <a:r>
+              <a:rPr lang="zh-CN" altLang="zh-CN" sz="1800" kern="100" dirty="0">
+                <a:effectLst/>
+                <a:latin typeface="Calibri" panose="020F0502020204030204" pitchFamily="34" charset="0"/>
+                <a:ea typeface="宋体" panose="02010600030101010101" pitchFamily="2" charset="-122"/>
+                <a:cs typeface="Times New Roman" panose="02020603050405020304" pitchFamily="18" charset="0"/>
+              </a:rPr>
+              <a:t>输入用户名、密码</a:t>
+            </a:r>
+            <a:r>
+              <a:rPr lang="en-US" altLang="zh-CN" sz="1800" kern="100" dirty="0">
+                <a:effectLst/>
+                <a:latin typeface="Calibri" panose="020F0502020204030204" pitchFamily="34" charset="0"/>
+                <a:ea typeface="宋体" panose="02010600030101010101" pitchFamily="2" charset="-122"/>
+                <a:cs typeface="Times New Roman" panose="02020603050405020304" pitchFamily="18" charset="0"/>
+              </a:rPr>
+              <a:t>---</a:t>
+            </a:r>
+            <a:r>
+              <a:rPr lang="zh-CN" altLang="zh-CN" sz="1800" kern="100" dirty="0">
+                <a:effectLst/>
+                <a:latin typeface="Calibri" panose="020F0502020204030204" pitchFamily="34" charset="0"/>
+                <a:ea typeface="宋体" panose="02010600030101010101" pitchFamily="2" charset="-122"/>
+                <a:cs typeface="Times New Roman" panose="02020603050405020304" pitchFamily="18" charset="0"/>
+              </a:rPr>
+              <a:t>判断用户是否存在</a:t>
+            </a:r>
+            <a:r>
+              <a:rPr lang="en-US" altLang="zh-CN" sz="1800" kern="100" dirty="0">
+                <a:effectLst/>
+                <a:latin typeface="Calibri" panose="020F0502020204030204" pitchFamily="34" charset="0"/>
+                <a:ea typeface="宋体" panose="02010600030101010101" pitchFamily="2" charset="-122"/>
+                <a:cs typeface="Times New Roman" panose="02020603050405020304" pitchFamily="18" charset="0"/>
+              </a:rPr>
+              <a:t>---</a:t>
+            </a:r>
+            <a:r>
+              <a:rPr lang="zh-CN" altLang="zh-CN" sz="1800" kern="100" dirty="0">
+                <a:effectLst/>
+                <a:latin typeface="Calibri" panose="020F0502020204030204" pitchFamily="34" charset="0"/>
+                <a:ea typeface="宋体" panose="02010600030101010101" pitchFamily="2" charset="-122"/>
+                <a:cs typeface="Times New Roman" panose="02020603050405020304" pitchFamily="18" charset="0"/>
+              </a:rPr>
+              <a:t>选择功能</a:t>
+            </a:r>
+            <a:r>
+              <a:rPr lang="en-US" altLang="zh-CN" sz="1800" kern="100" dirty="0">
+                <a:effectLst/>
+                <a:latin typeface="Calibri" panose="020F0502020204030204" pitchFamily="34" charset="0"/>
+                <a:ea typeface="宋体" panose="02010600030101010101" pitchFamily="2" charset="-122"/>
+                <a:cs typeface="Times New Roman" panose="02020603050405020304" pitchFamily="18" charset="0"/>
+              </a:rPr>
+              <a:t>---</a:t>
+            </a:r>
+            <a:r>
+              <a:rPr lang="zh-CN" altLang="zh-CN" sz="1800" kern="100" dirty="0">
+                <a:effectLst/>
+                <a:latin typeface="Calibri" panose="020F0502020204030204" pitchFamily="34" charset="0"/>
+                <a:ea typeface="宋体" panose="02010600030101010101" pitchFamily="2" charset="-122"/>
+                <a:cs typeface="Times New Roman" panose="02020603050405020304" pitchFamily="18" charset="0"/>
+              </a:rPr>
+              <a:t>试卷</a:t>
+            </a:r>
+            <a:r>
+              <a:rPr lang="en-US" altLang="zh-CN" sz="1800" kern="100" dirty="0">
+                <a:effectLst/>
+                <a:latin typeface="Calibri" panose="020F0502020204030204" pitchFamily="34" charset="0"/>
+                <a:ea typeface="宋体" panose="02010600030101010101" pitchFamily="2" charset="-122"/>
+                <a:cs typeface="Times New Roman" panose="02020603050405020304" pitchFamily="18" charset="0"/>
+              </a:rPr>
+              <a:t>—</a:t>
+            </a:r>
+            <a:r>
+              <a:rPr lang="zh-CN" altLang="zh-CN" sz="1800" kern="100" dirty="0">
+                <a:effectLst/>
+                <a:latin typeface="Calibri" panose="020F0502020204030204" pitchFamily="34" charset="0"/>
+                <a:ea typeface="宋体" panose="02010600030101010101" pitchFamily="2" charset="-122"/>
+                <a:cs typeface="Times New Roman" panose="02020603050405020304" pitchFamily="18" charset="0"/>
+              </a:rPr>
+              <a:t>用户是否选择科目</a:t>
+            </a:r>
+            <a:r>
+              <a:rPr lang="en-US" altLang="zh-CN" sz="1800" kern="100" dirty="0">
+                <a:effectLst/>
+                <a:latin typeface="Calibri" panose="020F0502020204030204" pitchFamily="34" charset="0"/>
+                <a:ea typeface="宋体" panose="02010600030101010101" pitchFamily="2" charset="-122"/>
+                <a:cs typeface="Times New Roman" panose="02020603050405020304" pitchFamily="18" charset="0"/>
+              </a:rPr>
+              <a:t>---</a:t>
+            </a:r>
+            <a:r>
+              <a:rPr lang="zh-CN" altLang="zh-CN" sz="1800" kern="100" dirty="0">
+                <a:effectLst/>
+                <a:latin typeface="Calibri" panose="020F0502020204030204" pitchFamily="34" charset="0"/>
+                <a:ea typeface="宋体" panose="02010600030101010101" pitchFamily="2" charset="-122"/>
+                <a:cs typeface="Times New Roman" panose="02020603050405020304" pitchFamily="18" charset="0"/>
+              </a:rPr>
+              <a:t>显示试卷</a:t>
+            </a:r>
+            <a:r>
+              <a:rPr lang="en-US" altLang="zh-CN" sz="1800" kern="100" dirty="0">
+                <a:effectLst/>
+                <a:latin typeface="Calibri" panose="020F0502020204030204" pitchFamily="34" charset="0"/>
+                <a:ea typeface="宋体" panose="02010600030101010101" pitchFamily="2" charset="-122"/>
+                <a:cs typeface="Times New Roman" panose="02020603050405020304" pitchFamily="18" charset="0"/>
+              </a:rPr>
+              <a:t>----</a:t>
+            </a:r>
+            <a:r>
+              <a:rPr lang="zh-CN" altLang="zh-CN" sz="1800" kern="100" dirty="0">
+                <a:effectLst/>
+                <a:latin typeface="Calibri" panose="020F0502020204030204" pitchFamily="34" charset="0"/>
+                <a:ea typeface="宋体" panose="02010600030101010101" pitchFamily="2" charset="-122"/>
+                <a:cs typeface="Times New Roman" panose="02020603050405020304" pitchFamily="18" charset="0"/>
+              </a:rPr>
+              <a:t>选择试卷进行下载</a:t>
+            </a:r>
+            <a:r>
+              <a:rPr lang="en-US" altLang="zh-CN" sz="1800" kern="100" dirty="0">
+                <a:effectLst/>
+                <a:latin typeface="Calibri" panose="020F0502020204030204" pitchFamily="34" charset="0"/>
+                <a:ea typeface="宋体" panose="02010600030101010101" pitchFamily="2" charset="-122"/>
+                <a:cs typeface="Times New Roman" panose="02020603050405020304" pitchFamily="18" charset="0"/>
+              </a:rPr>
+              <a:t>-----</a:t>
+            </a:r>
+            <a:r>
+              <a:rPr lang="zh-CN" altLang="zh-CN" sz="1800" kern="100" dirty="0">
+                <a:effectLst/>
+                <a:latin typeface="Calibri" panose="020F0502020204030204" pitchFamily="34" charset="0"/>
+                <a:ea typeface="宋体" panose="02010600030101010101" pitchFamily="2" charset="-122"/>
+                <a:cs typeface="Times New Roman" panose="02020603050405020304" pitchFamily="18" charset="0"/>
+              </a:rPr>
+              <a:t>下载</a:t>
+            </a:r>
+            <a:r>
+              <a:rPr lang="en-US" altLang="zh-CN" sz="1800" kern="100" dirty="0">
+                <a:effectLst/>
+                <a:latin typeface="Calibri" panose="020F0502020204030204" pitchFamily="34" charset="0"/>
+                <a:ea typeface="宋体" panose="02010600030101010101" pitchFamily="2" charset="-122"/>
+                <a:cs typeface="Times New Roman" panose="02020603050405020304" pitchFamily="18" charset="0"/>
+              </a:rPr>
+              <a:t>---</a:t>
+            </a:r>
+            <a:r>
+              <a:rPr lang="zh-CN" altLang="zh-CN" sz="1800" kern="100" dirty="0">
+                <a:effectLst/>
+                <a:latin typeface="Calibri" panose="020F0502020204030204" pitchFamily="34" charset="0"/>
+                <a:ea typeface="宋体" panose="02010600030101010101" pitchFamily="2" charset="-122"/>
+                <a:cs typeface="Times New Roman" panose="02020603050405020304" pitchFamily="18" charset="0"/>
+              </a:rPr>
+              <a:t>下载成功</a:t>
+            </a:r>
+            <a:r>
+              <a:rPr lang="en-US" altLang="zh-CN" sz="1800" kern="100" dirty="0">
+                <a:effectLst/>
+                <a:latin typeface="Calibri" panose="020F0502020204030204" pitchFamily="34" charset="0"/>
+                <a:ea typeface="宋体" panose="02010600030101010101" pitchFamily="2" charset="-122"/>
+                <a:cs typeface="Times New Roman" panose="02020603050405020304" pitchFamily="18" charset="0"/>
+              </a:rPr>
+              <a:t>---</a:t>
+            </a:r>
+            <a:r>
+              <a:rPr lang="zh-CN" altLang="zh-CN" sz="1800" kern="100" dirty="0">
+                <a:effectLst/>
+                <a:latin typeface="Calibri" panose="020F0502020204030204" pitchFamily="34" charset="0"/>
+                <a:ea typeface="宋体" panose="02010600030101010101" pitchFamily="2" charset="-122"/>
+                <a:cs typeface="Times New Roman" panose="02020603050405020304" pitchFamily="18" charset="0"/>
+              </a:rPr>
+              <a:t>用户进行查看</a:t>
+            </a:r>
+            <a:r>
+              <a:rPr lang="en-US" altLang="zh-CN" sz="1800" kern="100" dirty="0">
+                <a:effectLst/>
+                <a:latin typeface="Calibri" panose="020F0502020204030204" pitchFamily="34" charset="0"/>
+                <a:ea typeface="宋体" panose="02010600030101010101" pitchFamily="2" charset="-122"/>
+                <a:cs typeface="Times New Roman" panose="02020603050405020304" pitchFamily="18" charset="0"/>
+              </a:rPr>
+              <a:t>---</a:t>
+            </a:r>
+            <a:r>
+              <a:rPr lang="zh-CN" altLang="zh-CN" sz="1800" kern="100" dirty="0">
+                <a:effectLst/>
+                <a:latin typeface="Calibri" panose="020F0502020204030204" pitchFamily="34" charset="0"/>
+                <a:ea typeface="宋体" panose="02010600030101010101" pitchFamily="2" charset="-122"/>
+                <a:cs typeface="Times New Roman" panose="02020603050405020304" pitchFamily="18" charset="0"/>
+              </a:rPr>
+              <a:t>结束</a:t>
+            </a:r>
+          </a:p>
+          <a:p>
+            <a:pPr algn="just"/>
+            <a:r>
+              <a:rPr lang="en-US" altLang="zh-CN" sz="1800" kern="100" dirty="0">
+                <a:effectLst/>
+                <a:latin typeface="Calibri" panose="020F0502020204030204" pitchFamily="34" charset="0"/>
+                <a:ea typeface="宋体" panose="02010600030101010101" pitchFamily="2" charset="-122"/>
+                <a:cs typeface="Times New Roman" panose="02020603050405020304" pitchFamily="18" charset="0"/>
+              </a:rPr>
+              <a:t>2. </a:t>
+            </a:r>
+            <a:r>
+              <a:rPr lang="zh-CN" altLang="zh-CN" sz="1800" kern="100" dirty="0">
+                <a:effectLst/>
+                <a:latin typeface="Calibri" panose="020F0502020204030204" pitchFamily="34" charset="0"/>
+                <a:ea typeface="宋体" panose="02010600030101010101" pitchFamily="2" charset="-122"/>
+                <a:cs typeface="Times New Roman" panose="02020603050405020304" pitchFamily="18" charset="0"/>
+              </a:rPr>
+              <a:t>开始</a:t>
+            </a:r>
+            <a:r>
+              <a:rPr lang="en-US" altLang="zh-CN" sz="1800" kern="100" dirty="0">
+                <a:effectLst/>
+                <a:latin typeface="Calibri" panose="020F0502020204030204" pitchFamily="34" charset="0"/>
+                <a:ea typeface="宋体" panose="02010600030101010101" pitchFamily="2" charset="-122"/>
+                <a:cs typeface="Times New Roman" panose="02020603050405020304" pitchFamily="18" charset="0"/>
+              </a:rPr>
+              <a:t>----</a:t>
+            </a:r>
+            <a:r>
+              <a:rPr lang="zh-CN" altLang="zh-CN" sz="1800" kern="100" dirty="0">
+                <a:effectLst/>
+                <a:latin typeface="Calibri" panose="020F0502020204030204" pitchFamily="34" charset="0"/>
+                <a:ea typeface="宋体" panose="02010600030101010101" pitchFamily="2" charset="-122"/>
+                <a:cs typeface="Times New Roman" panose="02020603050405020304" pitchFamily="18" charset="0"/>
+              </a:rPr>
+              <a:t>输入用户名、密码</a:t>
+            </a:r>
+            <a:r>
+              <a:rPr lang="en-US" altLang="zh-CN" sz="1800" kern="100" dirty="0">
+                <a:effectLst/>
+                <a:latin typeface="Calibri" panose="020F0502020204030204" pitchFamily="34" charset="0"/>
+                <a:ea typeface="宋体" panose="02010600030101010101" pitchFamily="2" charset="-122"/>
+                <a:cs typeface="Times New Roman" panose="02020603050405020304" pitchFamily="18" charset="0"/>
+              </a:rPr>
+              <a:t>---</a:t>
+            </a:r>
+            <a:r>
+              <a:rPr lang="zh-CN" altLang="zh-CN" sz="1800" kern="100" dirty="0">
+                <a:effectLst/>
+                <a:latin typeface="Calibri" panose="020F0502020204030204" pitchFamily="34" charset="0"/>
+                <a:ea typeface="宋体" panose="02010600030101010101" pitchFamily="2" charset="-122"/>
+                <a:cs typeface="Times New Roman" panose="02020603050405020304" pitchFamily="18" charset="0"/>
+              </a:rPr>
+              <a:t>判断用户是否存在</a:t>
+            </a:r>
+            <a:r>
+              <a:rPr lang="en-US" altLang="zh-CN" sz="1800" kern="100" dirty="0">
+                <a:effectLst/>
+                <a:latin typeface="Calibri" panose="020F0502020204030204" pitchFamily="34" charset="0"/>
+                <a:ea typeface="宋体" panose="02010600030101010101" pitchFamily="2" charset="-122"/>
+                <a:cs typeface="Times New Roman" panose="02020603050405020304" pitchFamily="18" charset="0"/>
+              </a:rPr>
+              <a:t>---</a:t>
+            </a:r>
+            <a:r>
+              <a:rPr lang="zh-CN" altLang="zh-CN" sz="1800" kern="100" dirty="0">
+                <a:effectLst/>
+                <a:latin typeface="Calibri" panose="020F0502020204030204" pitchFamily="34" charset="0"/>
+                <a:ea typeface="宋体" panose="02010600030101010101" pitchFamily="2" charset="-122"/>
+                <a:cs typeface="Times New Roman" panose="02020603050405020304" pitchFamily="18" charset="0"/>
+              </a:rPr>
+              <a:t>选择功能</a:t>
+            </a:r>
+            <a:r>
+              <a:rPr lang="en-US" altLang="zh-CN" sz="1800" kern="100" dirty="0">
+                <a:effectLst/>
+                <a:latin typeface="Calibri" panose="020F0502020204030204" pitchFamily="34" charset="0"/>
+                <a:ea typeface="宋体" panose="02010600030101010101" pitchFamily="2" charset="-122"/>
+                <a:cs typeface="Times New Roman" panose="02020603050405020304" pitchFamily="18" charset="0"/>
+              </a:rPr>
+              <a:t>---</a:t>
+            </a:r>
+            <a:r>
+              <a:rPr lang="zh-CN" altLang="zh-CN" sz="1800" kern="100" dirty="0">
+                <a:effectLst/>
+                <a:latin typeface="Calibri" panose="020F0502020204030204" pitchFamily="34" charset="0"/>
+                <a:ea typeface="宋体" panose="02010600030101010101" pitchFamily="2" charset="-122"/>
+                <a:cs typeface="Times New Roman" panose="02020603050405020304" pitchFamily="18" charset="0"/>
+              </a:rPr>
+              <a:t>试卷</a:t>
+            </a:r>
+            <a:r>
+              <a:rPr lang="en-US" altLang="zh-CN" sz="1800" kern="100" dirty="0">
+                <a:effectLst/>
+                <a:latin typeface="Calibri" panose="020F0502020204030204" pitchFamily="34" charset="0"/>
+                <a:ea typeface="宋体" panose="02010600030101010101" pitchFamily="2" charset="-122"/>
+                <a:cs typeface="Times New Roman" panose="02020603050405020304" pitchFamily="18" charset="0"/>
+              </a:rPr>
+              <a:t>—</a:t>
+            </a:r>
+            <a:r>
+              <a:rPr lang="zh-CN" altLang="zh-CN" sz="1800" kern="100" dirty="0">
+                <a:effectLst/>
+                <a:latin typeface="Calibri" panose="020F0502020204030204" pitchFamily="34" charset="0"/>
+                <a:ea typeface="宋体" panose="02010600030101010101" pitchFamily="2" charset="-122"/>
+                <a:cs typeface="Times New Roman" panose="02020603050405020304" pitchFamily="18" charset="0"/>
+              </a:rPr>
+              <a:t>用户是否选择科目</a:t>
+            </a:r>
+            <a:r>
+              <a:rPr lang="en-US" altLang="zh-CN" sz="1800" kern="100" dirty="0">
+                <a:effectLst/>
+                <a:latin typeface="Calibri" panose="020F0502020204030204" pitchFamily="34" charset="0"/>
+                <a:ea typeface="宋体" panose="02010600030101010101" pitchFamily="2" charset="-122"/>
+                <a:cs typeface="Times New Roman" panose="02020603050405020304" pitchFamily="18" charset="0"/>
+              </a:rPr>
+              <a:t>---</a:t>
+            </a:r>
+            <a:r>
+              <a:rPr lang="zh-CN" altLang="zh-CN" sz="1800" kern="100" dirty="0">
+                <a:effectLst/>
+                <a:latin typeface="Calibri" panose="020F0502020204030204" pitchFamily="34" charset="0"/>
+                <a:ea typeface="宋体" panose="02010600030101010101" pitchFamily="2" charset="-122"/>
+                <a:cs typeface="Times New Roman" panose="02020603050405020304" pitchFamily="18" charset="0"/>
+              </a:rPr>
+              <a:t>显示试卷</a:t>
+            </a:r>
+            <a:r>
+              <a:rPr lang="en-US" altLang="zh-CN" sz="1800" kern="100" dirty="0">
+                <a:effectLst/>
+                <a:latin typeface="Calibri" panose="020F0502020204030204" pitchFamily="34" charset="0"/>
+                <a:ea typeface="宋体" panose="02010600030101010101" pitchFamily="2" charset="-122"/>
+                <a:cs typeface="Times New Roman" panose="02020603050405020304" pitchFamily="18" charset="0"/>
+              </a:rPr>
+              <a:t>----</a:t>
+            </a:r>
+            <a:r>
+              <a:rPr lang="zh-CN" altLang="zh-CN" sz="1800" kern="100" dirty="0">
+                <a:effectLst/>
+                <a:latin typeface="Calibri" panose="020F0502020204030204" pitchFamily="34" charset="0"/>
+                <a:ea typeface="宋体" panose="02010600030101010101" pitchFamily="2" charset="-122"/>
+                <a:cs typeface="Times New Roman" panose="02020603050405020304" pitchFamily="18" charset="0"/>
+              </a:rPr>
+              <a:t>选择试卷进行下载</a:t>
+            </a:r>
+            <a:r>
+              <a:rPr lang="en-US" altLang="zh-CN" sz="1800" kern="100" dirty="0">
+                <a:effectLst/>
+                <a:latin typeface="Calibri" panose="020F0502020204030204" pitchFamily="34" charset="0"/>
+                <a:ea typeface="宋体" panose="02010600030101010101" pitchFamily="2" charset="-122"/>
+                <a:cs typeface="Times New Roman" panose="02020603050405020304" pitchFamily="18" charset="0"/>
+              </a:rPr>
+              <a:t>-----</a:t>
+            </a:r>
+            <a:r>
+              <a:rPr lang="zh-CN" altLang="zh-CN" sz="1800" kern="100" dirty="0">
+                <a:effectLst/>
+                <a:latin typeface="Calibri" panose="020F0502020204030204" pitchFamily="34" charset="0"/>
+                <a:ea typeface="宋体" panose="02010600030101010101" pitchFamily="2" charset="-122"/>
+                <a:cs typeface="Times New Roman" panose="02020603050405020304" pitchFamily="18" charset="0"/>
+              </a:rPr>
+              <a:t>下载</a:t>
+            </a:r>
+            <a:r>
+              <a:rPr lang="en-US" altLang="zh-CN" sz="1800" kern="100" dirty="0">
+                <a:effectLst/>
+                <a:latin typeface="Calibri" panose="020F0502020204030204" pitchFamily="34" charset="0"/>
+                <a:ea typeface="宋体" panose="02010600030101010101" pitchFamily="2" charset="-122"/>
+                <a:cs typeface="Times New Roman" panose="02020603050405020304" pitchFamily="18" charset="0"/>
+              </a:rPr>
+              <a:t>---</a:t>
+            </a:r>
+            <a:r>
+              <a:rPr lang="zh-CN" altLang="zh-CN" sz="1800" kern="100" dirty="0">
+                <a:effectLst/>
+                <a:latin typeface="Calibri" panose="020F0502020204030204" pitchFamily="34" charset="0"/>
+                <a:ea typeface="宋体" panose="02010600030101010101" pitchFamily="2" charset="-122"/>
+                <a:cs typeface="Times New Roman" panose="02020603050405020304" pitchFamily="18" charset="0"/>
+              </a:rPr>
+              <a:t>下载失败</a:t>
+            </a:r>
+            <a:r>
+              <a:rPr lang="en-US" altLang="zh-CN" sz="1800" kern="100" dirty="0">
+                <a:effectLst/>
+                <a:latin typeface="Calibri" panose="020F0502020204030204" pitchFamily="34" charset="0"/>
+                <a:ea typeface="宋体" panose="02010600030101010101" pitchFamily="2" charset="-122"/>
+                <a:cs typeface="Times New Roman" panose="02020603050405020304" pitchFamily="18" charset="0"/>
+              </a:rPr>
+              <a:t>---</a:t>
+            </a:r>
+            <a:r>
+              <a:rPr lang="zh-CN" altLang="zh-CN" sz="1800" kern="100" dirty="0">
+                <a:effectLst/>
+                <a:latin typeface="Calibri" panose="020F0502020204030204" pitchFamily="34" charset="0"/>
+                <a:ea typeface="宋体" panose="02010600030101010101" pitchFamily="2" charset="-122"/>
+                <a:cs typeface="Times New Roman" panose="02020603050405020304" pitchFamily="18" charset="0"/>
+              </a:rPr>
+              <a:t>报错</a:t>
+            </a:r>
+            <a:r>
+              <a:rPr lang="en-US" altLang="zh-CN" sz="1800" kern="100" dirty="0">
+                <a:effectLst/>
+                <a:latin typeface="Calibri" panose="020F0502020204030204" pitchFamily="34" charset="0"/>
+                <a:ea typeface="宋体" panose="02010600030101010101" pitchFamily="2" charset="-122"/>
+                <a:cs typeface="Times New Roman" panose="02020603050405020304" pitchFamily="18" charset="0"/>
+              </a:rPr>
+              <a:t>---</a:t>
+            </a:r>
+            <a:r>
+              <a:rPr lang="zh-CN" altLang="zh-CN" sz="1800" kern="100" dirty="0">
+                <a:effectLst/>
+                <a:latin typeface="Calibri" panose="020F0502020204030204" pitchFamily="34" charset="0"/>
+                <a:ea typeface="宋体" panose="02010600030101010101" pitchFamily="2" charset="-122"/>
+                <a:cs typeface="Times New Roman" panose="02020603050405020304" pitchFamily="18" charset="0"/>
+              </a:rPr>
+              <a:t>结束</a:t>
+            </a:r>
+          </a:p>
+          <a:p>
+            <a:pPr algn="just"/>
+            <a:r>
+              <a:rPr lang="en-US" altLang="zh-CN" sz="1800" kern="100" dirty="0">
+                <a:effectLst/>
+                <a:latin typeface="Calibri" panose="020F0502020204030204" pitchFamily="34" charset="0"/>
+                <a:ea typeface="宋体" panose="02010600030101010101" pitchFamily="2" charset="-122"/>
+                <a:cs typeface="Times New Roman" panose="02020603050405020304" pitchFamily="18" charset="0"/>
+              </a:rPr>
+              <a:t>3</a:t>
+            </a:r>
+            <a:r>
+              <a:rPr lang="zh-CN" altLang="zh-CN" sz="1800" kern="100" dirty="0">
+                <a:effectLst/>
+                <a:latin typeface="Calibri" panose="020F0502020204030204" pitchFamily="34" charset="0"/>
+                <a:ea typeface="宋体" panose="02010600030101010101" pitchFamily="2" charset="-122"/>
+                <a:cs typeface="Times New Roman" panose="02020603050405020304" pitchFamily="18" charset="0"/>
+              </a:rPr>
+              <a:t>．开始</a:t>
+            </a:r>
+            <a:r>
+              <a:rPr lang="en-US" altLang="zh-CN" sz="1800" kern="100" dirty="0">
+                <a:effectLst/>
+                <a:latin typeface="Calibri" panose="020F0502020204030204" pitchFamily="34" charset="0"/>
+                <a:ea typeface="宋体" panose="02010600030101010101" pitchFamily="2" charset="-122"/>
+                <a:cs typeface="Times New Roman" panose="02020603050405020304" pitchFamily="18" charset="0"/>
+              </a:rPr>
+              <a:t>----</a:t>
+            </a:r>
+            <a:r>
+              <a:rPr lang="zh-CN" altLang="zh-CN" sz="1800" kern="100" dirty="0">
+                <a:effectLst/>
+                <a:latin typeface="Calibri" panose="020F0502020204030204" pitchFamily="34" charset="0"/>
+                <a:ea typeface="宋体" panose="02010600030101010101" pitchFamily="2" charset="-122"/>
+                <a:cs typeface="Times New Roman" panose="02020603050405020304" pitchFamily="18" charset="0"/>
+              </a:rPr>
+              <a:t>输入用户名、密码</a:t>
+            </a:r>
+            <a:r>
+              <a:rPr lang="en-US" altLang="zh-CN" sz="1800" kern="100" dirty="0">
+                <a:effectLst/>
+                <a:latin typeface="Calibri" panose="020F0502020204030204" pitchFamily="34" charset="0"/>
+                <a:ea typeface="宋体" panose="02010600030101010101" pitchFamily="2" charset="-122"/>
+                <a:cs typeface="Times New Roman" panose="02020603050405020304" pitchFamily="18" charset="0"/>
+              </a:rPr>
+              <a:t>---</a:t>
+            </a:r>
+            <a:r>
+              <a:rPr lang="zh-CN" altLang="zh-CN" sz="1800" kern="100" dirty="0">
+                <a:effectLst/>
+                <a:latin typeface="Calibri" panose="020F0502020204030204" pitchFamily="34" charset="0"/>
+                <a:ea typeface="宋体" panose="02010600030101010101" pitchFamily="2" charset="-122"/>
+                <a:cs typeface="Times New Roman" panose="02020603050405020304" pitchFamily="18" charset="0"/>
+              </a:rPr>
+              <a:t>判断用户是否存在</a:t>
+            </a:r>
+            <a:r>
+              <a:rPr lang="en-US" altLang="zh-CN" sz="1800" kern="100" dirty="0">
+                <a:effectLst/>
+                <a:latin typeface="Calibri" panose="020F0502020204030204" pitchFamily="34" charset="0"/>
+                <a:ea typeface="宋体" panose="02010600030101010101" pitchFamily="2" charset="-122"/>
+                <a:cs typeface="Times New Roman" panose="02020603050405020304" pitchFamily="18" charset="0"/>
+              </a:rPr>
+              <a:t>---</a:t>
+            </a:r>
+            <a:r>
+              <a:rPr lang="zh-CN" altLang="zh-CN" sz="1800" kern="100" dirty="0">
+                <a:effectLst/>
+                <a:latin typeface="Calibri" panose="020F0502020204030204" pitchFamily="34" charset="0"/>
+                <a:ea typeface="宋体" panose="02010600030101010101" pitchFamily="2" charset="-122"/>
+                <a:cs typeface="Times New Roman" panose="02020603050405020304" pitchFamily="18" charset="0"/>
+              </a:rPr>
+              <a:t>选择功能</a:t>
+            </a:r>
+            <a:r>
+              <a:rPr lang="en-US" altLang="zh-CN" sz="1800" kern="100" dirty="0">
+                <a:effectLst/>
+                <a:latin typeface="Calibri" panose="020F0502020204030204" pitchFamily="34" charset="0"/>
+                <a:ea typeface="宋体" panose="02010600030101010101" pitchFamily="2" charset="-122"/>
+                <a:cs typeface="Times New Roman" panose="02020603050405020304" pitchFamily="18" charset="0"/>
+              </a:rPr>
+              <a:t>---</a:t>
+            </a:r>
+            <a:r>
+              <a:rPr lang="zh-CN" altLang="zh-CN" sz="1800" kern="100" dirty="0">
+                <a:effectLst/>
+                <a:latin typeface="Calibri" panose="020F0502020204030204" pitchFamily="34" charset="0"/>
+                <a:ea typeface="宋体" panose="02010600030101010101" pitchFamily="2" charset="-122"/>
+                <a:cs typeface="Times New Roman" panose="02020603050405020304" pitchFamily="18" charset="0"/>
+              </a:rPr>
+              <a:t>试卷</a:t>
+            </a:r>
+            <a:r>
+              <a:rPr lang="en-US" altLang="zh-CN" sz="1800" kern="100" dirty="0">
+                <a:effectLst/>
+                <a:latin typeface="Calibri" panose="020F0502020204030204" pitchFamily="34" charset="0"/>
+                <a:ea typeface="宋体" panose="02010600030101010101" pitchFamily="2" charset="-122"/>
+                <a:cs typeface="Times New Roman" panose="02020603050405020304" pitchFamily="18" charset="0"/>
+              </a:rPr>
+              <a:t>—</a:t>
+            </a:r>
+            <a:r>
+              <a:rPr lang="zh-CN" altLang="zh-CN" sz="1800" kern="100" dirty="0">
+                <a:effectLst/>
+                <a:latin typeface="Calibri" panose="020F0502020204030204" pitchFamily="34" charset="0"/>
+                <a:ea typeface="宋体" panose="02010600030101010101" pitchFamily="2" charset="-122"/>
+                <a:cs typeface="Times New Roman" panose="02020603050405020304" pitchFamily="18" charset="0"/>
+              </a:rPr>
+              <a:t>用户是否选择科目</a:t>
+            </a:r>
+            <a:r>
+              <a:rPr lang="en-US" altLang="zh-CN" sz="1800" kern="100" dirty="0">
+                <a:effectLst/>
+                <a:latin typeface="Calibri" panose="020F0502020204030204" pitchFamily="34" charset="0"/>
+                <a:ea typeface="宋体" panose="02010600030101010101" pitchFamily="2" charset="-122"/>
+                <a:cs typeface="Times New Roman" panose="02020603050405020304" pitchFamily="18" charset="0"/>
+              </a:rPr>
+              <a:t>---</a:t>
+            </a:r>
+            <a:r>
+              <a:rPr lang="zh-CN" altLang="zh-CN" sz="1800" kern="100" dirty="0">
+                <a:effectLst/>
+                <a:latin typeface="Calibri" panose="020F0502020204030204" pitchFamily="34" charset="0"/>
+                <a:ea typeface="宋体" panose="02010600030101010101" pitchFamily="2" charset="-122"/>
+                <a:cs typeface="Times New Roman" panose="02020603050405020304" pitchFamily="18" charset="0"/>
+              </a:rPr>
+              <a:t>没有选择科目</a:t>
+            </a:r>
+            <a:r>
+              <a:rPr lang="en-US" altLang="zh-CN" sz="1800" kern="100" dirty="0">
+                <a:effectLst/>
+                <a:latin typeface="Calibri" panose="020F0502020204030204" pitchFamily="34" charset="0"/>
+                <a:ea typeface="宋体" panose="02010600030101010101" pitchFamily="2" charset="-122"/>
+                <a:cs typeface="Times New Roman" panose="02020603050405020304" pitchFamily="18" charset="0"/>
+              </a:rPr>
+              <a:t>---</a:t>
+            </a:r>
+            <a:r>
+              <a:rPr lang="zh-CN" altLang="zh-CN" sz="1800" kern="100" dirty="0">
+                <a:effectLst/>
+                <a:latin typeface="Calibri" panose="020F0502020204030204" pitchFamily="34" charset="0"/>
+                <a:ea typeface="宋体" panose="02010600030101010101" pitchFamily="2" charset="-122"/>
+                <a:cs typeface="Times New Roman" panose="02020603050405020304" pitchFamily="18" charset="0"/>
+              </a:rPr>
+              <a:t>选择科目</a:t>
+            </a:r>
+          </a:p>
+          <a:p>
+            <a:pPr algn="just"/>
+            <a:r>
+              <a:rPr lang="en-US" altLang="zh-CN" sz="1800" kern="100" dirty="0">
+                <a:effectLst/>
+                <a:latin typeface="Calibri" panose="020F0502020204030204" pitchFamily="34" charset="0"/>
+                <a:ea typeface="宋体" panose="02010600030101010101" pitchFamily="2" charset="-122"/>
+                <a:cs typeface="Times New Roman" panose="02020603050405020304" pitchFamily="18" charset="0"/>
+              </a:rPr>
+              <a:t>4. </a:t>
+            </a:r>
+            <a:r>
+              <a:rPr lang="zh-CN" altLang="zh-CN" sz="1800" kern="100" dirty="0">
+                <a:effectLst/>
+                <a:latin typeface="Calibri" panose="020F0502020204030204" pitchFamily="34" charset="0"/>
+                <a:ea typeface="宋体" panose="02010600030101010101" pitchFamily="2" charset="-122"/>
+                <a:cs typeface="Times New Roman" panose="02020603050405020304" pitchFamily="18" charset="0"/>
+              </a:rPr>
+              <a:t>开始</a:t>
+            </a:r>
+            <a:r>
+              <a:rPr lang="en-US" altLang="zh-CN" sz="1800" kern="100" dirty="0">
+                <a:effectLst/>
+                <a:latin typeface="Calibri" panose="020F0502020204030204" pitchFamily="34" charset="0"/>
+                <a:ea typeface="宋体" panose="02010600030101010101" pitchFamily="2" charset="-122"/>
+                <a:cs typeface="Times New Roman" panose="02020603050405020304" pitchFamily="18" charset="0"/>
+              </a:rPr>
+              <a:t>----</a:t>
+            </a:r>
+            <a:r>
+              <a:rPr lang="zh-CN" altLang="zh-CN" sz="1800" kern="100" dirty="0">
+                <a:effectLst/>
+                <a:latin typeface="Calibri" panose="020F0502020204030204" pitchFamily="34" charset="0"/>
+                <a:ea typeface="宋体" panose="02010600030101010101" pitchFamily="2" charset="-122"/>
+                <a:cs typeface="Times New Roman" panose="02020603050405020304" pitchFamily="18" charset="0"/>
+              </a:rPr>
+              <a:t>输入用户名、密码</a:t>
+            </a:r>
+            <a:r>
+              <a:rPr lang="en-US" altLang="zh-CN" sz="1800" kern="100" dirty="0">
+                <a:effectLst/>
+                <a:latin typeface="Calibri" panose="020F0502020204030204" pitchFamily="34" charset="0"/>
+                <a:ea typeface="宋体" panose="02010600030101010101" pitchFamily="2" charset="-122"/>
+                <a:cs typeface="Times New Roman" panose="02020603050405020304" pitchFamily="18" charset="0"/>
+              </a:rPr>
+              <a:t>---</a:t>
+            </a:r>
+            <a:r>
+              <a:rPr lang="zh-CN" altLang="zh-CN" sz="1800" kern="100" dirty="0">
+                <a:effectLst/>
+                <a:latin typeface="Calibri" panose="020F0502020204030204" pitchFamily="34" charset="0"/>
+                <a:ea typeface="宋体" panose="02010600030101010101" pitchFamily="2" charset="-122"/>
+                <a:cs typeface="Times New Roman" panose="02020603050405020304" pitchFamily="18" charset="0"/>
+              </a:rPr>
+              <a:t>判断用户是否存在</a:t>
+            </a:r>
+            <a:r>
+              <a:rPr lang="en-US" altLang="zh-CN" sz="1800" kern="100" dirty="0">
+                <a:effectLst/>
+                <a:latin typeface="Calibri" panose="020F0502020204030204" pitchFamily="34" charset="0"/>
+                <a:ea typeface="宋体" panose="02010600030101010101" pitchFamily="2" charset="-122"/>
+                <a:cs typeface="Times New Roman" panose="02020603050405020304" pitchFamily="18" charset="0"/>
+              </a:rPr>
+              <a:t>---</a:t>
+            </a:r>
+            <a:r>
+              <a:rPr lang="zh-CN" altLang="zh-CN" sz="1800" kern="100" dirty="0">
+                <a:effectLst/>
+                <a:latin typeface="Calibri" panose="020F0502020204030204" pitchFamily="34" charset="0"/>
+                <a:ea typeface="宋体" panose="02010600030101010101" pitchFamily="2" charset="-122"/>
+                <a:cs typeface="Times New Roman" panose="02020603050405020304" pitchFamily="18" charset="0"/>
+              </a:rPr>
+              <a:t>不存在</a:t>
+            </a:r>
+            <a:r>
+              <a:rPr lang="en-US" altLang="zh-CN" sz="1800" kern="100" dirty="0">
+                <a:effectLst/>
+                <a:latin typeface="Calibri" panose="020F0502020204030204" pitchFamily="34" charset="0"/>
+                <a:ea typeface="宋体" panose="02010600030101010101" pitchFamily="2" charset="-122"/>
+                <a:cs typeface="Times New Roman" panose="02020603050405020304" pitchFamily="18" charset="0"/>
+              </a:rPr>
+              <a:t>---</a:t>
+            </a:r>
+            <a:r>
+              <a:rPr lang="zh-CN" altLang="zh-CN" sz="1800" kern="100" dirty="0">
+                <a:effectLst/>
+                <a:latin typeface="Calibri" panose="020F0502020204030204" pitchFamily="34" charset="0"/>
+                <a:ea typeface="宋体" panose="02010600030101010101" pitchFamily="2" charset="-122"/>
+                <a:cs typeface="Times New Roman" panose="02020603050405020304" pitchFamily="18" charset="0"/>
+              </a:rPr>
+              <a:t>重新输入账号密码 </a:t>
             </a:r>
           </a:p>
         </p:txBody>
       </p:sp>
+      <p:pic>
+        <p:nvPicPr>
+          <p:cNvPr id="3074" name="图片 1">
+            <a:extLst>
+              <a:ext uri="{FF2B5EF4-FFF2-40B4-BE49-F238E27FC236}">
+                <a16:creationId xmlns:a16="http://schemas.microsoft.com/office/drawing/2014/main" id="{79F22B40-578C-4904-A67F-88BAD072BFFE}"/>
+              </a:ext>
+            </a:extLst>
+          </p:cNvPr>
+          <p:cNvPicPr>
+            <a:picLocks noChangeAspect="1" noChangeArrowheads="1"/>
+          </p:cNvPicPr>
+          <p:nvPr/>
+        </p:nvPicPr>
+        <p:blipFill>
+          <a:blip r:embed="rId4" cstate="print">
+            <a:extLst>
+              <a:ext uri="{28A0092B-C50C-407E-A947-70E740481C1C}">
+                <a14:useLocalDpi xmlns:a14="http://schemas.microsoft.com/office/drawing/2010/main" val="0"/>
+              </a:ext>
+            </a:extLst>
+          </a:blip>
+          <a:srcRect/>
+          <a:stretch>
+            <a:fillRect/>
+          </a:stretch>
+        </p:blipFill>
+        <p:spPr bwMode="auto">
+          <a:xfrm>
+            <a:off x="3382097" y="4058787"/>
+            <a:ext cx="8017291" cy="1922895"/>
+          </a:xfrm>
+          <a:prstGeom prst="rect">
+            <a:avLst/>
+          </a:prstGeom>
+          <a:noFill/>
+          <a:ln>
+            <a:noFill/>
+          </a:ln>
+          <a:extLst>
+            <a:ext uri="{909E8E84-426E-40DD-AFC4-6F175D3DCCD1}">
+              <a14:hiddenFill xmlns:a14="http://schemas.microsoft.com/office/drawing/2010/main">
+                <a:solidFill>
+                  <a:srgbClr val="FFFFFF"/>
+                </a:solidFill>
+              </a14:hiddenFill>
+            </a:ext>
+            <a:ext uri="{91240B29-F687-4F45-9708-019B960494DF}">
+              <a14:hiddenLine xmlns:a14="http://schemas.microsoft.com/office/drawing/2010/main" w="9525">
+                <a:solidFill>
+                  <a:srgbClr val="000000"/>
+                </a:solidFill>
+                <a:miter lim="800000"/>
+                <a:headEnd/>
+                <a:tailEnd/>
+              </a14:hiddenLine>
+            </a:ext>
+          </a:extLst>
+        </p:spPr>
+      </p:pic>
     </p:spTree>
     <p:extLst>
       <p:ext uri="{BB962C8B-B14F-4D97-AF65-F5344CB8AC3E}">
-        <p14:creationId xmlns:p14="http://schemas.microsoft.com/office/powerpoint/2010/main" val="707316924"/>
+        <p14:creationId xmlns:p14="http://schemas.microsoft.com/office/powerpoint/2010/main" val="1396275"/>
       </p:ext>
     </p:extLst>
   </p:cSld>
@@ -8629,47 +10049,12 @@
           </a:extLst>
         </p:spPr>
       </p:pic>
-      <p:sp>
-        <p:nvSpPr>
-          <p:cNvPr id="6" name="文本框 5">
+      <p:pic>
+        <p:nvPicPr>
+          <p:cNvPr id="3" name="图片 2">
             <a:extLst>
               <a:ext uri="{FF2B5EF4-FFF2-40B4-BE49-F238E27FC236}">
-                <a16:creationId xmlns:a16="http://schemas.microsoft.com/office/drawing/2014/main" id="{5BC78478-E26C-4890-A8E8-8C747E4B799E}"/>
-              </a:ext>
-            </a:extLst>
-          </p:cNvPr>
-          <p:cNvSpPr txBox="1"/>
-          <p:nvPr/>
-        </p:nvSpPr>
-        <p:spPr>
-          <a:xfrm>
-            <a:off x="5381698" y="977221"/>
-            <a:ext cx="2422113" cy="369332"/>
-          </a:xfrm>
-          <a:prstGeom prst="rect">
-            <a:avLst/>
-          </a:prstGeom>
-          <a:noFill/>
-        </p:spPr>
-        <p:txBody>
-          <a:bodyPr wrap="square" rtlCol="0">
-            <a:spAutoFit/>
-          </a:bodyPr>
-          <a:lstStyle/>
-          <a:p>
-            <a:r>
-              <a:rPr lang="zh-CN" altLang="en-US" dirty="0"/>
-              <a:t>修改密码</a:t>
-            </a:r>
-          </a:p>
-        </p:txBody>
-      </p:sp>
-      <p:pic>
-        <p:nvPicPr>
-          <p:cNvPr id="4" name="图片 3">
-            <a:extLst>
-              <a:ext uri="{FF2B5EF4-FFF2-40B4-BE49-F238E27FC236}">
-                <a16:creationId xmlns:a16="http://schemas.microsoft.com/office/drawing/2014/main" id="{03010BF6-1653-4FE4-9512-A47F24E2D3B8}"/>
+                <a16:creationId xmlns:a16="http://schemas.microsoft.com/office/drawing/2014/main" id="{EFF73AE9-078A-4AB4-B0CE-221E9296C1AF}"/>
               </a:ext>
             </a:extLst>
           </p:cNvPr>
@@ -8686,18 +10071,696 @@
         </p:blipFill>
         <p:spPr>
           <a:xfrm>
-            <a:off x="1330463" y="635194"/>
-            <a:ext cx="3318182" cy="5587612"/>
+            <a:off x="2283539" y="363101"/>
+            <a:ext cx="3299843" cy="6131797"/>
           </a:xfrm>
           <a:prstGeom prst="rect">
             <a:avLst/>
           </a:prstGeom>
         </p:spPr>
       </p:pic>
+      <p:sp>
+        <p:nvSpPr>
+          <p:cNvPr id="8" name="文本框 7">
+            <a:extLst>
+              <a:ext uri="{FF2B5EF4-FFF2-40B4-BE49-F238E27FC236}">
+                <a16:creationId xmlns:a16="http://schemas.microsoft.com/office/drawing/2014/main" id="{068F5F7D-5835-4258-8C26-02DA8ACE9B96}"/>
+              </a:ext>
+            </a:extLst>
+          </p:cNvPr>
+          <p:cNvSpPr txBox="1"/>
+          <p:nvPr/>
+        </p:nvSpPr>
+        <p:spPr>
+          <a:xfrm>
+            <a:off x="5583382" y="774797"/>
+            <a:ext cx="6096000" cy="2585323"/>
+          </a:xfrm>
+          <a:prstGeom prst="rect">
+            <a:avLst/>
+          </a:prstGeom>
+          <a:noFill/>
+        </p:spPr>
+        <p:txBody>
+          <a:bodyPr wrap="square">
+            <a:spAutoFit/>
+          </a:bodyPr>
+          <a:lstStyle/>
+          <a:p>
+            <a:pPr algn="just"/>
+            <a:r>
+              <a:rPr lang="zh-CN" altLang="zh-CN" sz="1800" kern="100" dirty="0">
+                <a:effectLst/>
+                <a:latin typeface="Calibri" panose="020F0502020204030204" pitchFamily="34" charset="0"/>
+                <a:ea typeface="宋体" panose="02010600030101010101" pitchFamily="2" charset="-122"/>
+                <a:cs typeface="Times New Roman" panose="02020603050405020304" pitchFamily="18" charset="0"/>
+              </a:rPr>
+              <a:t>路径</a:t>
+            </a:r>
+            <a:r>
+              <a:rPr lang="en-US" altLang="zh-CN" sz="1800" kern="100" dirty="0">
+                <a:effectLst/>
+                <a:latin typeface="Calibri" panose="020F0502020204030204" pitchFamily="34" charset="0"/>
+                <a:ea typeface="宋体" panose="02010600030101010101" pitchFamily="2" charset="-122"/>
+                <a:cs typeface="Times New Roman" panose="02020603050405020304" pitchFamily="18" charset="0"/>
+              </a:rPr>
+              <a:t>1</a:t>
+            </a:r>
+            <a:r>
+              <a:rPr lang="zh-CN" altLang="zh-CN" sz="1800" kern="100" dirty="0">
+                <a:effectLst/>
+                <a:latin typeface="Calibri" panose="020F0502020204030204" pitchFamily="34" charset="0"/>
+                <a:ea typeface="宋体" panose="02010600030101010101" pitchFamily="2" charset="-122"/>
+                <a:cs typeface="Times New Roman" panose="02020603050405020304" pitchFamily="18" charset="0"/>
+              </a:rPr>
+              <a:t>：进入学生管理页面</a:t>
+            </a:r>
+            <a:r>
+              <a:rPr lang="en-US" altLang="zh-CN" sz="1800" kern="100" dirty="0">
+                <a:effectLst/>
+                <a:latin typeface="Calibri" panose="020F0502020204030204" pitchFamily="34" charset="0"/>
+                <a:ea typeface="宋体" panose="02010600030101010101" pitchFamily="2" charset="-122"/>
+                <a:cs typeface="Times New Roman" panose="02020603050405020304" pitchFamily="18" charset="0"/>
+              </a:rPr>
+              <a:t>---</a:t>
+            </a:r>
+            <a:r>
+              <a:rPr lang="zh-CN" altLang="zh-CN" sz="1800" kern="100" dirty="0">
+                <a:effectLst/>
+                <a:latin typeface="Calibri" panose="020F0502020204030204" pitchFamily="34" charset="0"/>
+                <a:ea typeface="宋体" panose="02010600030101010101" pitchFamily="2" charset="-122"/>
+                <a:cs typeface="Times New Roman" panose="02020603050405020304" pitchFamily="18" charset="0"/>
+              </a:rPr>
+              <a:t>无法分页显示</a:t>
+            </a:r>
+            <a:r>
+              <a:rPr lang="en-US" altLang="zh-CN" sz="1800" kern="100" dirty="0">
+                <a:effectLst/>
+                <a:latin typeface="Calibri" panose="020F0502020204030204" pitchFamily="34" charset="0"/>
+                <a:ea typeface="宋体" panose="02010600030101010101" pitchFamily="2" charset="-122"/>
+                <a:cs typeface="Times New Roman" panose="02020603050405020304" pitchFamily="18" charset="0"/>
+              </a:rPr>
+              <a:t>---</a:t>
+            </a:r>
+            <a:r>
+              <a:rPr lang="zh-CN" altLang="zh-CN" sz="1800" kern="100" dirty="0">
+                <a:effectLst/>
+                <a:latin typeface="Calibri" panose="020F0502020204030204" pitchFamily="34" charset="0"/>
+                <a:ea typeface="宋体" panose="02010600030101010101" pitchFamily="2" charset="-122"/>
+                <a:cs typeface="Times New Roman" panose="02020603050405020304" pitchFamily="18" charset="0"/>
+              </a:rPr>
+              <a:t>显示功能检查</a:t>
+            </a:r>
+            <a:r>
+              <a:rPr lang="en-US" altLang="zh-CN" sz="1800" kern="100" dirty="0">
+                <a:effectLst/>
+                <a:latin typeface="Calibri" panose="020F0502020204030204" pitchFamily="34" charset="0"/>
+                <a:ea typeface="宋体" panose="02010600030101010101" pitchFamily="2" charset="-122"/>
+                <a:cs typeface="Times New Roman" panose="02020603050405020304" pitchFamily="18" charset="0"/>
+              </a:rPr>
+              <a:t>---</a:t>
+            </a:r>
+            <a:r>
+              <a:rPr lang="zh-CN" altLang="zh-CN" sz="1800" kern="100" dirty="0">
+                <a:effectLst/>
+                <a:latin typeface="Calibri" panose="020F0502020204030204" pitchFamily="34" charset="0"/>
+                <a:ea typeface="宋体" panose="02010600030101010101" pitchFamily="2" charset="-122"/>
+                <a:cs typeface="Times New Roman" panose="02020603050405020304" pitchFamily="18" charset="0"/>
+              </a:rPr>
+              <a:t>报错</a:t>
+            </a:r>
+            <a:r>
+              <a:rPr lang="en-US" altLang="zh-CN" sz="1800" kern="100" dirty="0">
+                <a:effectLst/>
+                <a:latin typeface="Calibri" panose="020F0502020204030204" pitchFamily="34" charset="0"/>
+                <a:ea typeface="宋体" panose="02010600030101010101" pitchFamily="2" charset="-122"/>
+                <a:cs typeface="Times New Roman" panose="02020603050405020304" pitchFamily="18" charset="0"/>
+              </a:rPr>
+              <a:t>—</a:t>
+            </a:r>
+            <a:r>
+              <a:rPr lang="zh-CN" altLang="zh-CN" sz="1800" kern="100" dirty="0">
+                <a:effectLst/>
+                <a:latin typeface="Calibri" panose="020F0502020204030204" pitchFamily="34" charset="0"/>
+                <a:ea typeface="宋体" panose="02010600030101010101" pitchFamily="2" charset="-122"/>
+                <a:cs typeface="Times New Roman" panose="02020603050405020304" pitchFamily="18" charset="0"/>
+              </a:rPr>
+              <a:t>结束</a:t>
+            </a:r>
+          </a:p>
+          <a:p>
+            <a:pPr algn="just"/>
+            <a:r>
+              <a:rPr lang="zh-CN" altLang="zh-CN" sz="1800" kern="100" dirty="0">
+                <a:effectLst/>
+                <a:latin typeface="Calibri" panose="020F0502020204030204" pitchFamily="34" charset="0"/>
+                <a:ea typeface="宋体" panose="02010600030101010101" pitchFamily="2" charset="-122"/>
+                <a:cs typeface="Times New Roman" panose="02020603050405020304" pitchFamily="18" charset="0"/>
+              </a:rPr>
+              <a:t>路径</a:t>
+            </a:r>
+            <a:r>
+              <a:rPr lang="en-US" altLang="zh-CN" sz="1800" kern="100" dirty="0">
+                <a:effectLst/>
+                <a:latin typeface="Calibri" panose="020F0502020204030204" pitchFamily="34" charset="0"/>
+                <a:ea typeface="宋体" panose="02010600030101010101" pitchFamily="2" charset="-122"/>
+                <a:cs typeface="Times New Roman" panose="02020603050405020304" pitchFamily="18" charset="0"/>
+              </a:rPr>
+              <a:t>2</a:t>
+            </a:r>
+            <a:r>
+              <a:rPr lang="zh-CN" altLang="zh-CN" sz="1800" kern="100" dirty="0">
+                <a:effectLst/>
+                <a:latin typeface="Calibri" panose="020F0502020204030204" pitchFamily="34" charset="0"/>
+                <a:ea typeface="宋体" panose="02010600030101010101" pitchFamily="2" charset="-122"/>
+                <a:cs typeface="Times New Roman" panose="02020603050405020304" pitchFamily="18" charset="0"/>
+              </a:rPr>
+              <a:t>：进入学生管理页面</a:t>
+            </a:r>
+            <a:r>
+              <a:rPr lang="en-US" altLang="zh-CN" sz="1800" kern="100" dirty="0">
+                <a:effectLst/>
+                <a:latin typeface="Calibri" panose="020F0502020204030204" pitchFamily="34" charset="0"/>
+                <a:ea typeface="宋体" panose="02010600030101010101" pitchFamily="2" charset="-122"/>
+                <a:cs typeface="Times New Roman" panose="02020603050405020304" pitchFamily="18" charset="0"/>
+              </a:rPr>
+              <a:t>---</a:t>
+            </a:r>
+            <a:r>
+              <a:rPr lang="zh-CN" altLang="zh-CN" sz="1800" kern="100" dirty="0">
+                <a:effectLst/>
+                <a:latin typeface="Calibri" panose="020F0502020204030204" pitchFamily="34" charset="0"/>
+                <a:ea typeface="宋体" panose="02010600030101010101" pitchFamily="2" charset="-122"/>
+                <a:cs typeface="Times New Roman" panose="02020603050405020304" pitchFamily="18" charset="0"/>
+              </a:rPr>
+              <a:t>分页显示</a:t>
+            </a:r>
+            <a:r>
+              <a:rPr lang="en-US" altLang="zh-CN" sz="1800" kern="100" dirty="0">
+                <a:effectLst/>
+                <a:latin typeface="Calibri" panose="020F0502020204030204" pitchFamily="34" charset="0"/>
+                <a:ea typeface="宋体" panose="02010600030101010101" pitchFamily="2" charset="-122"/>
+                <a:cs typeface="Times New Roman" panose="02020603050405020304" pitchFamily="18" charset="0"/>
+              </a:rPr>
+              <a:t>---</a:t>
+            </a:r>
+            <a:r>
+              <a:rPr lang="zh-CN" altLang="zh-CN" sz="1800" kern="100" dirty="0">
+                <a:effectLst/>
+                <a:latin typeface="Calibri" panose="020F0502020204030204" pitchFamily="34" charset="0"/>
+                <a:ea typeface="宋体" panose="02010600030101010101" pitchFamily="2" charset="-122"/>
+                <a:cs typeface="Times New Roman" panose="02020603050405020304" pitchFamily="18" charset="0"/>
+              </a:rPr>
+              <a:t>点击新增</a:t>
+            </a:r>
+            <a:r>
+              <a:rPr lang="en-US" altLang="zh-CN" sz="1800" kern="100" dirty="0">
+                <a:effectLst/>
+                <a:latin typeface="Calibri" panose="020F0502020204030204" pitchFamily="34" charset="0"/>
+                <a:ea typeface="宋体" panose="02010600030101010101" pitchFamily="2" charset="-122"/>
+                <a:cs typeface="Times New Roman" panose="02020603050405020304" pitchFamily="18" charset="0"/>
+              </a:rPr>
+              <a:t>---</a:t>
+            </a:r>
+            <a:r>
+              <a:rPr lang="zh-CN" altLang="zh-CN" sz="1800" kern="100" dirty="0">
+                <a:effectLst/>
+                <a:latin typeface="Calibri" panose="020F0502020204030204" pitchFamily="34" charset="0"/>
+                <a:ea typeface="宋体" panose="02010600030101010101" pitchFamily="2" charset="-122"/>
+                <a:cs typeface="Times New Roman" panose="02020603050405020304" pitchFamily="18" charset="0"/>
+              </a:rPr>
+              <a:t>无法弹出表单</a:t>
+            </a:r>
+            <a:r>
+              <a:rPr lang="en-US" altLang="zh-CN" sz="1800" kern="100" dirty="0">
+                <a:effectLst/>
+                <a:latin typeface="Calibri" panose="020F0502020204030204" pitchFamily="34" charset="0"/>
+                <a:ea typeface="宋体" panose="02010600030101010101" pitchFamily="2" charset="-122"/>
+                <a:cs typeface="Times New Roman" panose="02020603050405020304" pitchFamily="18" charset="0"/>
+              </a:rPr>
+              <a:t>—</a:t>
+            </a:r>
+            <a:r>
+              <a:rPr lang="zh-CN" altLang="zh-CN" sz="1800" kern="100" dirty="0">
+                <a:effectLst/>
+                <a:latin typeface="Calibri" panose="020F0502020204030204" pitchFamily="34" charset="0"/>
+                <a:ea typeface="宋体" panose="02010600030101010101" pitchFamily="2" charset="-122"/>
+                <a:cs typeface="Times New Roman" panose="02020603050405020304" pitchFamily="18" charset="0"/>
+              </a:rPr>
+              <a:t>表单功能检查</a:t>
+            </a:r>
+            <a:r>
+              <a:rPr lang="en-US" altLang="zh-CN" sz="1800" kern="100" dirty="0">
+                <a:effectLst/>
+                <a:latin typeface="Calibri" panose="020F0502020204030204" pitchFamily="34" charset="0"/>
+                <a:ea typeface="宋体" panose="02010600030101010101" pitchFamily="2" charset="-122"/>
+                <a:cs typeface="Times New Roman" panose="02020603050405020304" pitchFamily="18" charset="0"/>
+              </a:rPr>
+              <a:t>---</a:t>
+            </a:r>
+            <a:r>
+              <a:rPr lang="zh-CN" altLang="zh-CN" sz="1800" kern="100" dirty="0">
+                <a:effectLst/>
+                <a:latin typeface="Calibri" panose="020F0502020204030204" pitchFamily="34" charset="0"/>
+                <a:ea typeface="宋体" panose="02010600030101010101" pitchFamily="2" charset="-122"/>
+                <a:cs typeface="Times New Roman" panose="02020603050405020304" pitchFamily="18" charset="0"/>
+              </a:rPr>
+              <a:t>报错</a:t>
+            </a:r>
+            <a:r>
+              <a:rPr lang="en-US" altLang="zh-CN" sz="1800" kern="100" dirty="0">
+                <a:effectLst/>
+                <a:latin typeface="Calibri" panose="020F0502020204030204" pitchFamily="34" charset="0"/>
+                <a:ea typeface="宋体" panose="02010600030101010101" pitchFamily="2" charset="-122"/>
+                <a:cs typeface="Times New Roman" panose="02020603050405020304" pitchFamily="18" charset="0"/>
+              </a:rPr>
+              <a:t>—</a:t>
+            </a:r>
+            <a:r>
+              <a:rPr lang="zh-CN" altLang="zh-CN" sz="1800" kern="100" dirty="0">
+                <a:effectLst/>
+                <a:latin typeface="Calibri" panose="020F0502020204030204" pitchFamily="34" charset="0"/>
+                <a:ea typeface="宋体" panose="02010600030101010101" pitchFamily="2" charset="-122"/>
+                <a:cs typeface="Times New Roman" panose="02020603050405020304" pitchFamily="18" charset="0"/>
+              </a:rPr>
+              <a:t>结束</a:t>
+            </a:r>
+          </a:p>
+          <a:p>
+            <a:pPr algn="just"/>
+            <a:r>
+              <a:rPr lang="zh-CN" altLang="zh-CN" sz="1800" kern="100" dirty="0">
+                <a:effectLst/>
+                <a:latin typeface="Calibri" panose="020F0502020204030204" pitchFamily="34" charset="0"/>
+                <a:ea typeface="宋体" panose="02010600030101010101" pitchFamily="2" charset="-122"/>
+                <a:cs typeface="Times New Roman" panose="02020603050405020304" pitchFamily="18" charset="0"/>
+              </a:rPr>
+              <a:t>路径</a:t>
+            </a:r>
+            <a:r>
+              <a:rPr lang="en-US" altLang="zh-CN" sz="1800" kern="100" dirty="0">
+                <a:effectLst/>
+                <a:latin typeface="Calibri" panose="020F0502020204030204" pitchFamily="34" charset="0"/>
+                <a:ea typeface="宋体" panose="02010600030101010101" pitchFamily="2" charset="-122"/>
+                <a:cs typeface="Times New Roman" panose="02020603050405020304" pitchFamily="18" charset="0"/>
+              </a:rPr>
+              <a:t>3</a:t>
+            </a:r>
+            <a:r>
+              <a:rPr lang="zh-CN" altLang="zh-CN" sz="1800" kern="100" dirty="0">
+                <a:effectLst/>
+                <a:latin typeface="Calibri" panose="020F0502020204030204" pitchFamily="34" charset="0"/>
+                <a:ea typeface="宋体" panose="02010600030101010101" pitchFamily="2" charset="-122"/>
+                <a:cs typeface="Times New Roman" panose="02020603050405020304" pitchFamily="18" charset="0"/>
+              </a:rPr>
+              <a:t>：进入学生管理页面</a:t>
+            </a:r>
+            <a:r>
+              <a:rPr lang="en-US" altLang="zh-CN" sz="1800" kern="100" dirty="0">
+                <a:effectLst/>
+                <a:latin typeface="Calibri" panose="020F0502020204030204" pitchFamily="34" charset="0"/>
+                <a:ea typeface="宋体" panose="02010600030101010101" pitchFamily="2" charset="-122"/>
+                <a:cs typeface="Times New Roman" panose="02020603050405020304" pitchFamily="18" charset="0"/>
+              </a:rPr>
+              <a:t>---</a:t>
+            </a:r>
+            <a:r>
+              <a:rPr lang="zh-CN" altLang="zh-CN" sz="1800" kern="100" dirty="0">
+                <a:effectLst/>
+                <a:latin typeface="Calibri" panose="020F0502020204030204" pitchFamily="34" charset="0"/>
+                <a:ea typeface="宋体" panose="02010600030101010101" pitchFamily="2" charset="-122"/>
+                <a:cs typeface="Times New Roman" panose="02020603050405020304" pitchFamily="18" charset="0"/>
+              </a:rPr>
+              <a:t>分页显示</a:t>
+            </a:r>
+            <a:r>
+              <a:rPr lang="en-US" altLang="zh-CN" sz="1800" kern="100" dirty="0">
+                <a:effectLst/>
+                <a:latin typeface="Calibri" panose="020F0502020204030204" pitchFamily="34" charset="0"/>
+                <a:ea typeface="宋体" panose="02010600030101010101" pitchFamily="2" charset="-122"/>
+                <a:cs typeface="Times New Roman" panose="02020603050405020304" pitchFamily="18" charset="0"/>
+              </a:rPr>
+              <a:t>---</a:t>
+            </a:r>
+            <a:r>
+              <a:rPr lang="zh-CN" altLang="zh-CN" sz="1800" kern="100" dirty="0">
+                <a:effectLst/>
+                <a:latin typeface="Calibri" panose="020F0502020204030204" pitchFamily="34" charset="0"/>
+                <a:ea typeface="宋体" panose="02010600030101010101" pitchFamily="2" charset="-122"/>
+                <a:cs typeface="Times New Roman" panose="02020603050405020304" pitchFamily="18" charset="0"/>
+              </a:rPr>
+              <a:t>点击新增</a:t>
+            </a:r>
+            <a:r>
+              <a:rPr lang="en-US" altLang="zh-CN" sz="1800" kern="100" dirty="0">
+                <a:effectLst/>
+                <a:latin typeface="Calibri" panose="020F0502020204030204" pitchFamily="34" charset="0"/>
+                <a:ea typeface="宋体" panose="02010600030101010101" pitchFamily="2" charset="-122"/>
+                <a:cs typeface="Times New Roman" panose="02020603050405020304" pitchFamily="18" charset="0"/>
+              </a:rPr>
+              <a:t>---</a:t>
+            </a:r>
+            <a:r>
+              <a:rPr lang="zh-CN" altLang="zh-CN" sz="1800" kern="100" dirty="0">
+                <a:effectLst/>
+                <a:latin typeface="Calibri" panose="020F0502020204030204" pitchFamily="34" charset="0"/>
+                <a:ea typeface="宋体" panose="02010600030101010101" pitchFamily="2" charset="-122"/>
+                <a:cs typeface="Times New Roman" panose="02020603050405020304" pitchFamily="18" charset="0"/>
+              </a:rPr>
+              <a:t>弹出表单</a:t>
+            </a:r>
+            <a:r>
+              <a:rPr lang="en-US" altLang="zh-CN" sz="1800" kern="100" dirty="0">
+                <a:effectLst/>
+                <a:latin typeface="Calibri" panose="020F0502020204030204" pitchFamily="34" charset="0"/>
+                <a:ea typeface="宋体" panose="02010600030101010101" pitchFamily="2" charset="-122"/>
+                <a:cs typeface="Times New Roman" panose="02020603050405020304" pitchFamily="18" charset="0"/>
+              </a:rPr>
+              <a:t>—</a:t>
+            </a:r>
+            <a:r>
+              <a:rPr lang="zh-CN" altLang="zh-CN" sz="1800" kern="100" dirty="0">
+                <a:effectLst/>
+                <a:latin typeface="Calibri" panose="020F0502020204030204" pitchFamily="34" charset="0"/>
+                <a:ea typeface="宋体" panose="02010600030101010101" pitchFamily="2" charset="-122"/>
+                <a:cs typeface="Times New Roman" panose="02020603050405020304" pitchFamily="18" charset="0"/>
+              </a:rPr>
+              <a:t>输入信息</a:t>
+            </a:r>
+            <a:r>
+              <a:rPr lang="en-US" altLang="zh-CN" sz="1800" kern="100" dirty="0">
+                <a:effectLst/>
+                <a:latin typeface="Calibri" panose="020F0502020204030204" pitchFamily="34" charset="0"/>
+                <a:ea typeface="宋体" panose="02010600030101010101" pitchFamily="2" charset="-122"/>
+                <a:cs typeface="Times New Roman" panose="02020603050405020304" pitchFamily="18" charset="0"/>
+              </a:rPr>
+              <a:t>---</a:t>
+            </a:r>
+            <a:r>
+              <a:rPr lang="zh-CN" altLang="zh-CN" sz="1800" kern="100" dirty="0">
+                <a:effectLst/>
+                <a:latin typeface="Calibri" panose="020F0502020204030204" pitchFamily="34" charset="0"/>
+                <a:ea typeface="宋体" panose="02010600030101010101" pitchFamily="2" charset="-122"/>
+                <a:cs typeface="Times New Roman" panose="02020603050405020304" pitchFamily="18" charset="0"/>
+              </a:rPr>
+              <a:t>确定新增</a:t>
+            </a:r>
+            <a:r>
+              <a:rPr lang="en-US" altLang="zh-CN" sz="1800" kern="100" dirty="0">
+                <a:effectLst/>
+                <a:latin typeface="Calibri" panose="020F0502020204030204" pitchFamily="34" charset="0"/>
+                <a:ea typeface="宋体" panose="02010600030101010101" pitchFamily="2" charset="-122"/>
+                <a:cs typeface="Times New Roman" panose="02020603050405020304" pitchFamily="18" charset="0"/>
+              </a:rPr>
+              <a:t>—</a:t>
+            </a:r>
+            <a:r>
+              <a:rPr lang="zh-CN" altLang="zh-CN" sz="1800" kern="100" dirty="0">
+                <a:effectLst/>
+                <a:latin typeface="Calibri" panose="020F0502020204030204" pitchFamily="34" charset="0"/>
+                <a:ea typeface="宋体" panose="02010600030101010101" pitchFamily="2" charset="-122"/>
+                <a:cs typeface="Times New Roman" panose="02020603050405020304" pitchFamily="18" charset="0"/>
+              </a:rPr>
+              <a:t>新增记录不出现</a:t>
+            </a:r>
+            <a:r>
+              <a:rPr lang="en-US" altLang="zh-CN" sz="1800" kern="100" dirty="0">
+                <a:effectLst/>
+                <a:latin typeface="Calibri" panose="020F0502020204030204" pitchFamily="34" charset="0"/>
+                <a:ea typeface="宋体" panose="02010600030101010101" pitchFamily="2" charset="-122"/>
+                <a:cs typeface="Times New Roman" panose="02020603050405020304" pitchFamily="18" charset="0"/>
+              </a:rPr>
+              <a:t>—</a:t>
+            </a:r>
+            <a:r>
+              <a:rPr lang="zh-CN" altLang="zh-CN" sz="1800" kern="100" dirty="0">
+                <a:effectLst/>
+                <a:latin typeface="Calibri" panose="020F0502020204030204" pitchFamily="34" charset="0"/>
+                <a:ea typeface="宋体" panose="02010600030101010101" pitchFamily="2" charset="-122"/>
+                <a:cs typeface="Times New Roman" panose="02020603050405020304" pitchFamily="18" charset="0"/>
+              </a:rPr>
+              <a:t>新增功能检查</a:t>
+            </a:r>
+            <a:r>
+              <a:rPr lang="en-US" altLang="zh-CN" sz="1800" kern="100" dirty="0">
+                <a:effectLst/>
+                <a:latin typeface="Calibri" panose="020F0502020204030204" pitchFamily="34" charset="0"/>
+                <a:ea typeface="宋体" panose="02010600030101010101" pitchFamily="2" charset="-122"/>
+                <a:cs typeface="Times New Roman" panose="02020603050405020304" pitchFamily="18" charset="0"/>
+              </a:rPr>
+              <a:t>—</a:t>
+            </a:r>
+            <a:r>
+              <a:rPr lang="zh-CN" altLang="zh-CN" sz="1800" kern="100" dirty="0">
+                <a:effectLst/>
+                <a:latin typeface="Calibri" panose="020F0502020204030204" pitchFamily="34" charset="0"/>
+                <a:ea typeface="宋体" panose="02010600030101010101" pitchFamily="2" charset="-122"/>
+                <a:cs typeface="Times New Roman" panose="02020603050405020304" pitchFamily="18" charset="0"/>
+              </a:rPr>
+              <a:t>报错</a:t>
+            </a:r>
+            <a:r>
+              <a:rPr lang="en-US" altLang="zh-CN" sz="1800" kern="100" dirty="0">
+                <a:effectLst/>
+                <a:latin typeface="Calibri" panose="020F0502020204030204" pitchFamily="34" charset="0"/>
+                <a:ea typeface="宋体" panose="02010600030101010101" pitchFamily="2" charset="-122"/>
+                <a:cs typeface="Times New Roman" panose="02020603050405020304" pitchFamily="18" charset="0"/>
+              </a:rPr>
+              <a:t>---</a:t>
+            </a:r>
+            <a:r>
+              <a:rPr lang="zh-CN" altLang="zh-CN" sz="1800" kern="100" dirty="0">
+                <a:effectLst/>
+                <a:latin typeface="Calibri" panose="020F0502020204030204" pitchFamily="34" charset="0"/>
+                <a:ea typeface="宋体" panose="02010600030101010101" pitchFamily="2" charset="-122"/>
+                <a:cs typeface="Times New Roman" panose="02020603050405020304" pitchFamily="18" charset="0"/>
+              </a:rPr>
+              <a:t>结束</a:t>
+            </a:r>
+          </a:p>
+          <a:p>
+            <a:pPr algn="just"/>
+            <a:r>
+              <a:rPr lang="zh-CN" altLang="zh-CN" sz="1800" kern="100" dirty="0">
+                <a:effectLst/>
+                <a:latin typeface="Calibri" panose="020F0502020204030204" pitchFamily="34" charset="0"/>
+                <a:ea typeface="宋体" panose="02010600030101010101" pitchFamily="2" charset="-122"/>
+                <a:cs typeface="Times New Roman" panose="02020603050405020304" pitchFamily="18" charset="0"/>
+              </a:rPr>
+              <a:t>路径</a:t>
+            </a:r>
+            <a:r>
+              <a:rPr lang="en-US" altLang="zh-CN" sz="1800" kern="100" dirty="0">
+                <a:effectLst/>
+                <a:latin typeface="Calibri" panose="020F0502020204030204" pitchFamily="34" charset="0"/>
+                <a:ea typeface="宋体" panose="02010600030101010101" pitchFamily="2" charset="-122"/>
+                <a:cs typeface="Times New Roman" panose="02020603050405020304" pitchFamily="18" charset="0"/>
+              </a:rPr>
+              <a:t>4</a:t>
+            </a:r>
+            <a:r>
+              <a:rPr lang="zh-CN" altLang="zh-CN" sz="1800" kern="100" dirty="0">
+                <a:effectLst/>
+                <a:latin typeface="Calibri" panose="020F0502020204030204" pitchFamily="34" charset="0"/>
+                <a:ea typeface="宋体" panose="02010600030101010101" pitchFamily="2" charset="-122"/>
+                <a:cs typeface="Times New Roman" panose="02020603050405020304" pitchFamily="18" charset="0"/>
+              </a:rPr>
+              <a:t>：进入学生管理页面</a:t>
+            </a:r>
+            <a:r>
+              <a:rPr lang="en-US" altLang="zh-CN" sz="1800" kern="100" dirty="0">
+                <a:effectLst/>
+                <a:latin typeface="Calibri" panose="020F0502020204030204" pitchFamily="34" charset="0"/>
+                <a:ea typeface="宋体" panose="02010600030101010101" pitchFamily="2" charset="-122"/>
+                <a:cs typeface="Times New Roman" panose="02020603050405020304" pitchFamily="18" charset="0"/>
+              </a:rPr>
+              <a:t>---</a:t>
+            </a:r>
+            <a:r>
+              <a:rPr lang="zh-CN" altLang="zh-CN" sz="1800" kern="100" dirty="0">
+                <a:effectLst/>
+                <a:latin typeface="Calibri" panose="020F0502020204030204" pitchFamily="34" charset="0"/>
+                <a:ea typeface="宋体" panose="02010600030101010101" pitchFamily="2" charset="-122"/>
+                <a:cs typeface="Times New Roman" panose="02020603050405020304" pitchFamily="18" charset="0"/>
+              </a:rPr>
+              <a:t>分页显示</a:t>
+            </a:r>
+            <a:r>
+              <a:rPr lang="en-US" altLang="zh-CN" sz="1800" kern="100" dirty="0">
+                <a:effectLst/>
+                <a:latin typeface="Calibri" panose="020F0502020204030204" pitchFamily="34" charset="0"/>
+                <a:ea typeface="宋体" panose="02010600030101010101" pitchFamily="2" charset="-122"/>
+                <a:cs typeface="Times New Roman" panose="02020603050405020304" pitchFamily="18" charset="0"/>
+              </a:rPr>
+              <a:t>---</a:t>
+            </a:r>
+            <a:r>
+              <a:rPr lang="zh-CN" altLang="zh-CN" sz="1800" kern="100" dirty="0">
+                <a:effectLst/>
+                <a:latin typeface="Calibri" panose="020F0502020204030204" pitchFamily="34" charset="0"/>
+                <a:ea typeface="宋体" panose="02010600030101010101" pitchFamily="2" charset="-122"/>
+                <a:cs typeface="Times New Roman" panose="02020603050405020304" pitchFamily="18" charset="0"/>
+              </a:rPr>
+              <a:t>点击新增</a:t>
+            </a:r>
+            <a:r>
+              <a:rPr lang="en-US" altLang="zh-CN" sz="1800" kern="100" dirty="0">
+                <a:effectLst/>
+                <a:latin typeface="Calibri" panose="020F0502020204030204" pitchFamily="34" charset="0"/>
+                <a:ea typeface="宋体" panose="02010600030101010101" pitchFamily="2" charset="-122"/>
+                <a:cs typeface="Times New Roman" panose="02020603050405020304" pitchFamily="18" charset="0"/>
+              </a:rPr>
+              <a:t>---</a:t>
+            </a:r>
+            <a:r>
+              <a:rPr lang="zh-CN" altLang="zh-CN" sz="1800" kern="100" dirty="0">
+                <a:effectLst/>
+                <a:latin typeface="Calibri" panose="020F0502020204030204" pitchFamily="34" charset="0"/>
+                <a:ea typeface="宋体" panose="02010600030101010101" pitchFamily="2" charset="-122"/>
+                <a:cs typeface="Times New Roman" panose="02020603050405020304" pitchFamily="18" charset="0"/>
+              </a:rPr>
+              <a:t>弹出表单</a:t>
+            </a:r>
+            <a:r>
+              <a:rPr lang="en-US" altLang="zh-CN" sz="1800" kern="100" dirty="0">
+                <a:effectLst/>
+                <a:latin typeface="Calibri" panose="020F0502020204030204" pitchFamily="34" charset="0"/>
+                <a:ea typeface="宋体" panose="02010600030101010101" pitchFamily="2" charset="-122"/>
+                <a:cs typeface="Times New Roman" panose="02020603050405020304" pitchFamily="18" charset="0"/>
+              </a:rPr>
+              <a:t>—</a:t>
+            </a:r>
+            <a:r>
+              <a:rPr lang="zh-CN" altLang="zh-CN" sz="1800" kern="100" dirty="0">
+                <a:effectLst/>
+                <a:latin typeface="Calibri" panose="020F0502020204030204" pitchFamily="34" charset="0"/>
+                <a:ea typeface="宋体" panose="02010600030101010101" pitchFamily="2" charset="-122"/>
+                <a:cs typeface="Times New Roman" panose="02020603050405020304" pitchFamily="18" charset="0"/>
+              </a:rPr>
+              <a:t>输入信息</a:t>
+            </a:r>
+            <a:r>
+              <a:rPr lang="en-US" altLang="zh-CN" sz="1800" kern="100" dirty="0">
+                <a:effectLst/>
+                <a:latin typeface="Calibri" panose="020F0502020204030204" pitchFamily="34" charset="0"/>
+                <a:ea typeface="宋体" panose="02010600030101010101" pitchFamily="2" charset="-122"/>
+                <a:cs typeface="Times New Roman" panose="02020603050405020304" pitchFamily="18" charset="0"/>
+              </a:rPr>
+              <a:t>---</a:t>
+            </a:r>
+            <a:r>
+              <a:rPr lang="zh-CN" altLang="zh-CN" sz="1800" kern="100" dirty="0">
+                <a:effectLst/>
+                <a:latin typeface="Calibri" panose="020F0502020204030204" pitchFamily="34" charset="0"/>
+                <a:ea typeface="宋体" panose="02010600030101010101" pitchFamily="2" charset="-122"/>
+                <a:cs typeface="Times New Roman" panose="02020603050405020304" pitchFamily="18" charset="0"/>
+              </a:rPr>
+              <a:t>确定新增</a:t>
+            </a:r>
+            <a:r>
+              <a:rPr lang="en-US" altLang="zh-CN" sz="1800" kern="100" dirty="0">
+                <a:effectLst/>
+                <a:latin typeface="Calibri" panose="020F0502020204030204" pitchFamily="34" charset="0"/>
+                <a:ea typeface="宋体" panose="02010600030101010101" pitchFamily="2" charset="-122"/>
+                <a:cs typeface="Times New Roman" panose="02020603050405020304" pitchFamily="18" charset="0"/>
+              </a:rPr>
+              <a:t>—</a:t>
+            </a:r>
+            <a:r>
+              <a:rPr lang="zh-CN" altLang="zh-CN" sz="1800" kern="100" dirty="0">
+                <a:effectLst/>
+                <a:latin typeface="Calibri" panose="020F0502020204030204" pitchFamily="34" charset="0"/>
+                <a:ea typeface="宋体" panose="02010600030101010101" pitchFamily="2" charset="-122"/>
+                <a:cs typeface="Times New Roman" panose="02020603050405020304" pitchFamily="18" charset="0"/>
+              </a:rPr>
+              <a:t>新增记录出现</a:t>
+            </a:r>
+            <a:r>
+              <a:rPr lang="en-US" altLang="zh-CN" sz="1800" kern="100" dirty="0">
+                <a:effectLst/>
+                <a:latin typeface="Calibri" panose="020F0502020204030204" pitchFamily="34" charset="0"/>
+                <a:ea typeface="宋体" panose="02010600030101010101" pitchFamily="2" charset="-122"/>
+                <a:cs typeface="Times New Roman" panose="02020603050405020304" pitchFamily="18" charset="0"/>
+              </a:rPr>
+              <a:t>—</a:t>
+            </a:r>
+            <a:r>
+              <a:rPr lang="zh-CN" altLang="zh-CN" sz="1800" kern="100" dirty="0">
+                <a:effectLst/>
+                <a:latin typeface="Calibri" panose="020F0502020204030204" pitchFamily="34" charset="0"/>
+                <a:ea typeface="宋体" panose="02010600030101010101" pitchFamily="2" charset="-122"/>
+                <a:cs typeface="Times New Roman" panose="02020603050405020304" pitchFamily="18" charset="0"/>
+              </a:rPr>
+              <a:t>成功</a:t>
+            </a:r>
+            <a:r>
+              <a:rPr lang="en-US" altLang="zh-CN" sz="1800" kern="100" dirty="0">
+                <a:effectLst/>
+                <a:latin typeface="Calibri" panose="020F0502020204030204" pitchFamily="34" charset="0"/>
+                <a:ea typeface="宋体" panose="02010600030101010101" pitchFamily="2" charset="-122"/>
+                <a:cs typeface="Times New Roman" panose="02020603050405020304" pitchFamily="18" charset="0"/>
+              </a:rPr>
+              <a:t>--</a:t>
+            </a:r>
+            <a:r>
+              <a:rPr lang="zh-CN" altLang="zh-CN" sz="1800" kern="100" dirty="0">
+                <a:effectLst/>
+                <a:latin typeface="Calibri" panose="020F0502020204030204" pitchFamily="34" charset="0"/>
+                <a:ea typeface="宋体" panose="02010600030101010101" pitchFamily="2" charset="-122"/>
+                <a:cs typeface="Times New Roman" panose="02020603050405020304" pitchFamily="18" charset="0"/>
+              </a:rPr>
+              <a:t>结束</a:t>
+            </a:r>
+          </a:p>
+        </p:txBody>
+      </p:sp>
+      <p:sp>
+        <p:nvSpPr>
+          <p:cNvPr id="4" name="文本框 3">
+            <a:extLst>
+              <a:ext uri="{FF2B5EF4-FFF2-40B4-BE49-F238E27FC236}">
+                <a16:creationId xmlns:a16="http://schemas.microsoft.com/office/drawing/2014/main" id="{2ACA4DC2-FC27-4E40-AA67-846DF7293F87}"/>
+              </a:ext>
+            </a:extLst>
+          </p:cNvPr>
+          <p:cNvSpPr txBox="1"/>
+          <p:nvPr/>
+        </p:nvSpPr>
+        <p:spPr>
+          <a:xfrm>
+            <a:off x="1179645" y="774797"/>
+            <a:ext cx="2438197" cy="369332"/>
+          </a:xfrm>
+          <a:prstGeom prst="rect">
+            <a:avLst/>
+          </a:prstGeom>
+          <a:noFill/>
+        </p:spPr>
+        <p:txBody>
+          <a:bodyPr wrap="square" rtlCol="0">
+            <a:spAutoFit/>
+          </a:bodyPr>
+          <a:lstStyle/>
+          <a:p>
+            <a:r>
+              <a:rPr lang="zh-CN" altLang="en-US" dirty="0"/>
+              <a:t>管理员</a:t>
+            </a:r>
+            <a:r>
+              <a:rPr lang="en-US" altLang="zh-CN" dirty="0"/>
+              <a:t>---</a:t>
+            </a:r>
+            <a:r>
+              <a:rPr lang="zh-CN" altLang="en-US" dirty="0"/>
+              <a:t>学生列表</a:t>
+            </a:r>
+          </a:p>
+        </p:txBody>
+      </p:sp>
     </p:spTree>
     <p:extLst>
       <p:ext uri="{BB962C8B-B14F-4D97-AF65-F5344CB8AC3E}">
-        <p14:creationId xmlns:p14="http://schemas.microsoft.com/office/powerpoint/2010/main" val="3537401418"/>
+        <p14:creationId xmlns:p14="http://schemas.microsoft.com/office/powerpoint/2010/main" val="2522117897"/>
       </p:ext>
     </p:extLst>
   </p:cSld>
@@ -8796,88 +10859,83 @@
           </a:extLst>
         </p:spPr>
       </p:pic>
-      <p:sp>
-        <p:nvSpPr>
-          <p:cNvPr id="6" name="文本框 5">
+      <p:pic>
+        <p:nvPicPr>
+          <p:cNvPr id="1026" name="图片 1">
             <a:extLst>
               <a:ext uri="{FF2B5EF4-FFF2-40B4-BE49-F238E27FC236}">
-                <a16:creationId xmlns:a16="http://schemas.microsoft.com/office/drawing/2014/main" id="{5BC78478-E26C-4890-A8E8-8C747E4B799E}"/>
-              </a:ext>
-            </a:extLst>
-          </p:cNvPr>
-          <p:cNvSpPr txBox="1"/>
-          <p:nvPr/>
-        </p:nvSpPr>
-        <p:spPr>
-          <a:xfrm>
-            <a:off x="5381698" y="977221"/>
-            <a:ext cx="2422113" cy="369332"/>
-          </a:xfrm>
-          <a:prstGeom prst="rect">
-            <a:avLst/>
-          </a:prstGeom>
-          <a:noFill/>
-        </p:spPr>
-        <p:txBody>
-          <a:bodyPr wrap="square" rtlCol="0">
-            <a:spAutoFit/>
-          </a:bodyPr>
-          <a:lstStyle/>
-          <a:p>
-            <a:r>
-              <a:rPr lang="zh-CN" altLang="en-US" dirty="0"/>
-              <a:t>下载查看试卷</a:t>
-            </a:r>
-          </a:p>
-        </p:txBody>
-      </p:sp>
-      <p:pic>
-        <p:nvPicPr>
-          <p:cNvPr id="3" name="图片 2">
-            <a:extLst>
-              <a:ext uri="{FF2B5EF4-FFF2-40B4-BE49-F238E27FC236}">
-                <a16:creationId xmlns:a16="http://schemas.microsoft.com/office/drawing/2014/main" id="{E3C1A5F8-C451-4A69-8FAD-70AE7774E552}"/>
+                <a16:creationId xmlns:a16="http://schemas.microsoft.com/office/drawing/2014/main" id="{646C9244-A7A2-4A51-97A5-8EAF3890F669}"/>
               </a:ext>
             </a:extLst>
           </p:cNvPr>
           <p:cNvPicPr>
-            <a:picLocks noChangeAspect="1"/>
+            <a:picLocks noChangeAspect="1" noChangeArrowheads="1"/>
           </p:cNvPicPr>
           <p:nvPr/>
         </p:nvPicPr>
         <p:blipFill>
-          <a:blip r:embed="rId3"/>
+          <a:blip r:embed="rId3">
+            <a:extLst>
+              <a:ext uri="{28A0092B-C50C-407E-A947-70E740481C1C}">
+                <a14:useLocalDpi xmlns:a14="http://schemas.microsoft.com/office/drawing/2010/main" val="0"/>
+              </a:ext>
+            </a:extLst>
+          </a:blip>
+          <a:srcRect/>
           <a:stretch>
             <a:fillRect/>
           </a:stretch>
         </p:blipFill>
-        <p:spPr>
-          <a:xfrm>
-            <a:off x="1089987" y="1161887"/>
-            <a:ext cx="3622114" cy="4819795"/>
+        <p:spPr bwMode="auto">
+          <a:xfrm>
+            <a:off x="1503984" y="1781030"/>
+            <a:ext cx="8544477" cy="2759771"/>
           </a:xfrm>
           <a:prstGeom prst="rect">
             <a:avLst/>
           </a:prstGeom>
+          <a:noFill/>
+          <a:ln>
+            <a:noFill/>
+          </a:ln>
+          <a:extLst>
+            <a:ext uri="{909E8E84-426E-40DD-AFC4-6F175D3DCCD1}">
+              <a14:hiddenFill xmlns:a14="http://schemas.microsoft.com/office/drawing/2010/main">
+                <a:solidFill>
+                  <a:srgbClr val="FFFFFF"/>
+                </a:solidFill>
+              </a14:hiddenFill>
+            </a:ext>
+            <a:ext uri="{91240B29-F687-4F45-9708-019B960494DF}">
+              <a14:hiddenLine xmlns:a14="http://schemas.microsoft.com/office/drawing/2010/main" w="9525">
+                <a:solidFill>
+                  <a:srgbClr val="000000"/>
+                </a:solidFill>
+                <a:miter lim="800000"/>
+                <a:headEnd/>
+                <a:tailEnd/>
+              </a14:hiddenLine>
+            </a:ext>
+          </a:extLst>
         </p:spPr>
       </p:pic>
     </p:spTree>
     <p:extLst>
       <p:ext uri="{BB962C8B-B14F-4D97-AF65-F5344CB8AC3E}">
-        <p14:creationId xmlns:p14="http://schemas.microsoft.com/office/powerpoint/2010/main" val="1396275"/>
+        <p14:creationId xmlns:p14="http://schemas.microsoft.com/office/powerpoint/2010/main" val="1488469568"/>
       </p:ext>
     </p:extLst>
   </p:cSld>
   <p:clrMapOvr>
     <a:masterClrMapping/>
   </p:clrMapOvr>
-  <mc:AlternateContent xmlns:mc="http://schemas.openxmlformats.org/markup-compatibility/2006" xmlns:p14="http://schemas.microsoft.com/office/powerpoint/2010/main">
-    <mc:Choice Requires="p14">
+  <mc:AlternateContent xmlns:mc="http://schemas.openxmlformats.org/markup-compatibility/2006">
+    <mc:Choice xmlns:p14="http://schemas.microsoft.com/office/powerpoint/2010/main" Requires="p14">
       <p:transition spd="med" p14:dur="700">
         <p:fade/>
       </p:transition>
     </mc:Choice>
-    <mc:Fallback xmlns="">
+    <mc:Fallback>
       <p:transition spd="med">
         <p:fade/>
       </p:transition>
@@ -8903,12 +10961,448 @@
           <a:chExt cx="0" cy="0"/>
         </a:xfrm>
       </p:grpSpPr>
+      <p:sp>
+        <p:nvSpPr>
+          <p:cNvPr id="16" name="文本占位符 15"/>
+          <p:cNvSpPr>
+            <a:spLocks noGrp="1"/>
+          </p:cNvSpPr>
+          <p:nvPr>
+            <p:ph type="body" sz="quarter" idx="10"/>
+          </p:nvPr>
+        </p:nvSpPr>
+        <p:spPr>
+          <a:xfrm>
+            <a:off x="5749751" y="1718058"/>
+            <a:ext cx="692498" cy="747897"/>
+          </a:xfrm>
+          <a:custGeom>
+            <a:avLst/>
+            <a:gdLst>
+              <a:gd name="connsiteX0" fmla="*/ 0 w 65"/>
+              <a:gd name="connsiteY0" fmla="*/ 0 h 276999"/>
+              <a:gd name="connsiteX1" fmla="*/ 65 w 65"/>
+              <a:gd name="connsiteY1" fmla="*/ 0 h 276999"/>
+              <a:gd name="connsiteX2" fmla="*/ 65 w 65"/>
+              <a:gd name="connsiteY2" fmla="*/ 276999 h 276999"/>
+              <a:gd name="connsiteX3" fmla="*/ 0 w 65"/>
+              <a:gd name="connsiteY3" fmla="*/ 276999 h 276999"/>
+            </a:gdLst>
+            <a:ahLst/>
+            <a:cxnLst>
+              <a:cxn ang="0">
+                <a:pos x="connsiteX0" y="connsiteY0"/>
+              </a:cxn>
+              <a:cxn ang="0">
+                <a:pos x="connsiteX1" y="connsiteY1"/>
+              </a:cxn>
+              <a:cxn ang="0">
+                <a:pos x="connsiteX2" y="connsiteY2"/>
+              </a:cxn>
+              <a:cxn ang="0">
+                <a:pos x="connsiteX3" y="connsiteY3"/>
+              </a:cxn>
+            </a:cxnLst>
+            <a:rect l="l" t="t" r="r" b="b"/>
+            <a:pathLst>
+              <a:path w="65" h="276999">
+                <a:moveTo>
+                  <a:pt x="0" y="0"/>
+                </a:moveTo>
+                <a:lnTo>
+                  <a:pt x="65" y="0"/>
+                </a:lnTo>
+                <a:lnTo>
+                  <a:pt x="65" y="276999"/>
+                </a:lnTo>
+                <a:lnTo>
+                  <a:pt x="0" y="276999"/>
+                </a:lnTo>
+                <a:close/>
+              </a:path>
+            </a:pathLst>
+          </a:custGeom>
+        </p:spPr>
+        <p:txBody>
+          <a:bodyPr/>
+          <a:lstStyle/>
+          <a:p>
+            <a:r>
+              <a:rPr lang="en-US" altLang="zh-CN"/>
+              <a:t>01</a:t>
+            </a:r>
+            <a:endParaRPr lang="zh-CN" altLang="en-US"/>
+          </a:p>
+        </p:txBody>
+      </p:sp>
+      <p:sp>
+        <p:nvSpPr>
+          <p:cNvPr id="17" name="文本占位符 16"/>
+          <p:cNvSpPr>
+            <a:spLocks noGrp="1"/>
+          </p:cNvSpPr>
+          <p:nvPr>
+            <p:ph type="body" sz="quarter" idx="11"/>
+          </p:nvPr>
+        </p:nvSpPr>
+        <p:spPr>
+          <a:custGeom>
+            <a:avLst/>
+            <a:gdLst>
+              <a:gd name="connsiteX0" fmla="*/ 0 w 2059940"/>
+              <a:gd name="connsiteY0" fmla="*/ 0 h 276999"/>
+              <a:gd name="connsiteX1" fmla="*/ 2059940 w 2059940"/>
+              <a:gd name="connsiteY1" fmla="*/ 0 h 276999"/>
+              <a:gd name="connsiteX2" fmla="*/ 2059940 w 2059940"/>
+              <a:gd name="connsiteY2" fmla="*/ 276999 h 276999"/>
+              <a:gd name="connsiteX3" fmla="*/ 0 w 2059940"/>
+              <a:gd name="connsiteY3" fmla="*/ 276999 h 276999"/>
+            </a:gdLst>
+            <a:ahLst/>
+            <a:cxnLst>
+              <a:cxn ang="0">
+                <a:pos x="connsiteX0" y="connsiteY0"/>
+              </a:cxn>
+              <a:cxn ang="0">
+                <a:pos x="connsiteX1" y="connsiteY1"/>
+              </a:cxn>
+              <a:cxn ang="0">
+                <a:pos x="connsiteX2" y="connsiteY2"/>
+              </a:cxn>
+              <a:cxn ang="0">
+                <a:pos x="connsiteX3" y="connsiteY3"/>
+              </a:cxn>
+            </a:cxnLst>
+            <a:rect l="l" t="t" r="r" b="b"/>
+            <a:pathLst>
+              <a:path w="2059940" h="276999">
+                <a:moveTo>
+                  <a:pt x="0" y="0"/>
+                </a:moveTo>
+                <a:lnTo>
+                  <a:pt x="2059940" y="0"/>
+                </a:lnTo>
+                <a:lnTo>
+                  <a:pt x="2059940" y="276999"/>
+                </a:lnTo>
+                <a:lnTo>
+                  <a:pt x="0" y="276999"/>
+                </a:lnTo>
+                <a:close/>
+              </a:path>
+            </a:pathLst>
+          </a:custGeom>
+        </p:spPr>
+        <p:txBody>
+          <a:bodyPr/>
+          <a:lstStyle/>
+          <a:p>
+            <a:r>
+              <a:rPr lang="en-US" altLang="zh-CN" dirty="0"/>
+              <a:t>Part five</a:t>
+            </a:r>
+            <a:endParaRPr lang="zh-CN" altLang="en-US" dirty="0"/>
+          </a:p>
+        </p:txBody>
+      </p:sp>
+      <p:sp>
+        <p:nvSpPr>
+          <p:cNvPr id="19" name="文本占位符 18"/>
+          <p:cNvSpPr>
+            <a:spLocks noGrp="1"/>
+          </p:cNvSpPr>
+          <p:nvPr>
+            <p:ph type="body" sz="quarter" idx="12"/>
+          </p:nvPr>
+        </p:nvSpPr>
+        <p:spPr>
+          <a:prstGeom prst="rect">
+            <a:avLst/>
+          </a:prstGeom>
+        </p:spPr>
+        <p:txBody>
+          <a:bodyPr/>
+          <a:lstStyle/>
+          <a:p>
+            <a:r>
+              <a:rPr lang="zh-CN" altLang="en-US" dirty="0"/>
+              <a:t>其他文件</a:t>
+            </a:r>
+          </a:p>
+        </p:txBody>
+      </p:sp>
+      <p:sp>
+        <p:nvSpPr>
+          <p:cNvPr id="14" name="椭圆 13"/>
+          <p:cNvSpPr/>
+          <p:nvPr/>
+        </p:nvSpPr>
+        <p:spPr>
+          <a:xfrm>
+            <a:off x="6611938" y="5459540"/>
+            <a:ext cx="100012" cy="100012"/>
+          </a:xfrm>
+          <a:prstGeom prst="ellipse">
+            <a:avLst/>
+          </a:prstGeom>
+          <a:solidFill>
+            <a:schemeClr val="accent1"/>
+          </a:solidFill>
+          <a:ln w="12700" cap="flat" cmpd="sng" algn="ctr">
+            <a:noFill/>
+            <a:prstDash val="solid"/>
+            <a:miter lim="800000"/>
+          </a:ln>
+          <a:effectLst/>
+          <a:extLst>
+            <a:ext uri="{91240B29-F687-4F45-9708-019B960494DF}">
+              <a14:hiddenLine xmlns:a14="http://schemas.microsoft.com/office/drawing/2010/main" w="0">
+                <a:solidFill>
+                  <a:schemeClr val="accent1">
+                    <a:shade val="50000"/>
+                  </a:schemeClr>
+                </a:solidFill>
+                <a:prstDash val="solid"/>
+                <a:miter lim="800000"/>
+                <a:headEnd/>
+                <a:tailEnd/>
+              </a14:hiddenLine>
+            </a:ext>
+          </a:extLst>
+        </p:spPr>
+        <p:style>
+          <a:lnRef idx="2">
+            <a:schemeClr val="accent1">
+              <a:shade val="50000"/>
+            </a:schemeClr>
+          </a:lnRef>
+          <a:fillRef idx="1">
+            <a:schemeClr val="accent1"/>
+          </a:fillRef>
+          <a:effectRef idx="0">
+            <a:schemeClr val="accent1"/>
+          </a:effectRef>
+          <a:fontRef idx="minor">
+            <a:schemeClr val="lt1"/>
+          </a:fontRef>
+        </p:style>
+        <p:txBody>
+          <a:bodyPr rtlCol="0" anchor="ctr"/>
+          <a:lstStyle/>
+          <a:p>
+            <a:pPr algn="ctr"/>
+            <a:endParaRPr lang="zh-CN" altLang="en-US"/>
+          </a:p>
+        </p:txBody>
+      </p:sp>
+      <p:sp>
+        <p:nvSpPr>
+          <p:cNvPr id="15" name="椭圆 14"/>
+          <p:cNvSpPr/>
+          <p:nvPr/>
+        </p:nvSpPr>
+        <p:spPr>
+          <a:xfrm>
+            <a:off x="5932885" y="5459540"/>
+            <a:ext cx="100012" cy="100012"/>
+          </a:xfrm>
+          <a:prstGeom prst="ellipse">
+            <a:avLst/>
+          </a:prstGeom>
+          <a:noFill/>
+          <a:ln w="12700" cap="flat" cmpd="sng" algn="ctr">
+            <a:solidFill>
+              <a:schemeClr val="accent1"/>
+            </a:solidFill>
+            <a:prstDash val="solid"/>
+            <a:miter lim="800000"/>
+          </a:ln>
+          <a:effectLst/>
+        </p:spPr>
+        <p:style>
+          <a:lnRef idx="2">
+            <a:schemeClr val="accent1">
+              <a:shade val="50000"/>
+            </a:schemeClr>
+          </a:lnRef>
+          <a:fillRef idx="1">
+            <a:schemeClr val="accent1"/>
+          </a:fillRef>
+          <a:effectRef idx="0">
+            <a:schemeClr val="accent1"/>
+          </a:effectRef>
+          <a:fontRef idx="minor">
+            <a:schemeClr val="lt1"/>
+          </a:fontRef>
+        </p:style>
+        <p:txBody>
+          <a:bodyPr rtlCol="0" anchor="ctr"/>
+          <a:lstStyle/>
+          <a:p>
+            <a:pPr algn="ctr"/>
+            <a:endParaRPr lang="zh-CN" altLang="en-US"/>
+          </a:p>
+        </p:txBody>
+      </p:sp>
+      <p:sp>
+        <p:nvSpPr>
+          <p:cNvPr id="18" name="椭圆 17"/>
+          <p:cNvSpPr/>
+          <p:nvPr/>
+        </p:nvSpPr>
+        <p:spPr>
+          <a:xfrm>
+            <a:off x="6159103" y="5459540"/>
+            <a:ext cx="100012" cy="100012"/>
+          </a:xfrm>
+          <a:prstGeom prst="ellipse">
+            <a:avLst/>
+          </a:prstGeom>
+          <a:noFill/>
+          <a:ln w="12700" cap="flat" cmpd="sng" algn="ctr">
+            <a:solidFill>
+              <a:schemeClr val="accent1"/>
+            </a:solidFill>
+            <a:prstDash val="solid"/>
+            <a:miter lim="800000"/>
+          </a:ln>
+          <a:effectLst/>
+        </p:spPr>
+        <p:style>
+          <a:lnRef idx="2">
+            <a:schemeClr val="accent1">
+              <a:shade val="50000"/>
+            </a:schemeClr>
+          </a:lnRef>
+          <a:fillRef idx="1">
+            <a:schemeClr val="accent1"/>
+          </a:fillRef>
+          <a:effectRef idx="0">
+            <a:schemeClr val="accent1"/>
+          </a:effectRef>
+          <a:fontRef idx="minor">
+            <a:schemeClr val="lt1"/>
+          </a:fontRef>
+        </p:style>
+        <p:txBody>
+          <a:bodyPr rtlCol="0" anchor="ctr"/>
+          <a:lstStyle/>
+          <a:p>
+            <a:pPr algn="ctr"/>
+            <a:endParaRPr lang="zh-CN" altLang="en-US"/>
+          </a:p>
+        </p:txBody>
+      </p:sp>
+      <p:sp>
+        <p:nvSpPr>
+          <p:cNvPr id="21" name="椭圆 20"/>
+          <p:cNvSpPr/>
+          <p:nvPr/>
+        </p:nvSpPr>
+        <p:spPr>
+          <a:xfrm>
+            <a:off x="6385321" y="5459540"/>
+            <a:ext cx="100012" cy="100012"/>
+          </a:xfrm>
+          <a:prstGeom prst="ellipse">
+            <a:avLst/>
+          </a:prstGeom>
+          <a:noFill/>
+          <a:ln w="12700" cap="flat" cmpd="sng" algn="ctr">
+            <a:solidFill>
+              <a:schemeClr val="accent1"/>
+            </a:solidFill>
+            <a:prstDash val="solid"/>
+            <a:miter lim="800000"/>
+          </a:ln>
+          <a:effectLst/>
+        </p:spPr>
+        <p:style>
+          <a:lnRef idx="2">
+            <a:schemeClr val="accent1">
+              <a:shade val="50000"/>
+            </a:schemeClr>
+          </a:lnRef>
+          <a:fillRef idx="1">
+            <a:schemeClr val="accent1"/>
+          </a:fillRef>
+          <a:effectRef idx="0">
+            <a:schemeClr val="accent1"/>
+          </a:effectRef>
+          <a:fontRef idx="minor">
+            <a:schemeClr val="lt1"/>
+          </a:fontRef>
+        </p:style>
+        <p:txBody>
+          <a:bodyPr rtlCol="0" anchor="ctr"/>
+          <a:lstStyle/>
+          <a:p>
+            <a:pPr algn="ctr"/>
+            <a:endParaRPr lang="zh-CN" altLang="en-US"/>
+          </a:p>
+        </p:txBody>
+      </p:sp>
+      <p:sp>
+        <p:nvSpPr>
+          <p:cNvPr id="9" name="椭圆 8">
+            <a:extLst>
+              <a:ext uri="{FF2B5EF4-FFF2-40B4-BE49-F238E27FC236}">
+                <a16:creationId xmlns:a16="http://schemas.microsoft.com/office/drawing/2014/main" id="{3A93BF8B-DF1D-4789-A8D7-4A0BC22B9D05}"/>
+              </a:ext>
+            </a:extLst>
+          </p:cNvPr>
+          <p:cNvSpPr/>
+          <p:nvPr/>
+        </p:nvSpPr>
+        <p:spPr>
+          <a:xfrm>
+            <a:off x="5699745" y="5459540"/>
+            <a:ext cx="100012" cy="100012"/>
+          </a:xfrm>
+          <a:prstGeom prst="ellipse">
+            <a:avLst/>
+          </a:prstGeom>
+          <a:noFill/>
+          <a:ln w="12700" cap="flat" cmpd="sng" algn="ctr">
+            <a:solidFill>
+              <a:schemeClr val="accent1"/>
+            </a:solidFill>
+            <a:prstDash val="solid"/>
+            <a:miter lim="800000"/>
+          </a:ln>
+          <a:effectLst/>
+        </p:spPr>
+        <p:style>
+          <a:lnRef idx="2">
+            <a:schemeClr val="accent1">
+              <a:shade val="50000"/>
+            </a:schemeClr>
+          </a:lnRef>
+          <a:fillRef idx="1">
+            <a:schemeClr val="accent1"/>
+          </a:fillRef>
+          <a:effectRef idx="0">
+            <a:schemeClr val="accent1"/>
+          </a:effectRef>
+          <a:fontRef idx="minor">
+            <a:schemeClr val="lt1"/>
+          </a:fontRef>
+        </p:style>
+        <p:txBody>
+          <a:bodyPr rtlCol="0" anchor="ctr"/>
+          <a:lstStyle/>
+          <a:p>
+            <a:pPr algn="ctr"/>
+            <a:endParaRPr lang="zh-CN" altLang="en-US"/>
+          </a:p>
+        </p:txBody>
+      </p:sp>
       <p:pic>
         <p:nvPicPr>
-          <p:cNvPr id="39" name="Picture 4">
+          <p:cNvPr id="10" name="Picture 4">
             <a:extLst>
               <a:ext uri="{FF2B5EF4-FFF2-40B4-BE49-F238E27FC236}">
-                <a16:creationId xmlns:a16="http://schemas.microsoft.com/office/drawing/2014/main" id="{DE3B5CC2-AC5C-4E66-A2A9-A043DA896552}"/>
+                <a16:creationId xmlns:a16="http://schemas.microsoft.com/office/drawing/2014/main" id="{3A642458-1DE9-487E-A4F4-C8B7FADED3E2}"/>
               </a:ext>
             </a:extLst>
           </p:cNvPr>
@@ -8932,7 +11426,7 @@
         </p:blipFill>
         <p:spPr bwMode="auto">
           <a:xfrm>
-            <a:off x="11019722" y="5734618"/>
+            <a:off x="10979381" y="5768236"/>
             <a:ext cx="759333" cy="726869"/>
           </a:xfrm>
           <a:prstGeom prst="rect">
@@ -8963,75 +11457,10 @@
           </a:extLst>
         </p:spPr>
       </p:pic>
-      <p:sp>
-        <p:nvSpPr>
-          <p:cNvPr id="5" name="文本框 4">
-            <a:extLst>
-              <a:ext uri="{FF2B5EF4-FFF2-40B4-BE49-F238E27FC236}">
-                <a16:creationId xmlns:a16="http://schemas.microsoft.com/office/drawing/2014/main" id="{0FE654AB-D26C-4414-9499-F129FEC8E204}"/>
-              </a:ext>
-            </a:extLst>
-          </p:cNvPr>
-          <p:cNvSpPr txBox="1"/>
-          <p:nvPr/>
-        </p:nvSpPr>
-        <p:spPr>
-          <a:xfrm>
-            <a:off x="4439377" y="956281"/>
-            <a:ext cx="2380232" cy="369332"/>
-          </a:xfrm>
-          <a:prstGeom prst="rect">
-            <a:avLst/>
-          </a:prstGeom>
-          <a:noFill/>
-        </p:spPr>
-        <p:txBody>
-          <a:bodyPr wrap="square" rtlCol="0">
-            <a:spAutoFit/>
-          </a:bodyPr>
-          <a:lstStyle/>
-          <a:p>
-            <a:r>
-              <a:rPr lang="zh-CN" altLang="en-US" dirty="0"/>
-              <a:t>查看信息</a:t>
-            </a:r>
-          </a:p>
-        </p:txBody>
-      </p:sp>
-      <p:pic>
-        <p:nvPicPr>
-          <p:cNvPr id="8" name="图片 7">
-            <a:extLst>
-              <a:ext uri="{FF2B5EF4-FFF2-40B4-BE49-F238E27FC236}">
-                <a16:creationId xmlns:a16="http://schemas.microsoft.com/office/drawing/2014/main" id="{9291EEA5-4DFF-430B-B359-B703E91EC55A}"/>
-              </a:ext>
-            </a:extLst>
-          </p:cNvPr>
-          <p:cNvPicPr>
-            <a:picLocks noChangeAspect="1"/>
-          </p:cNvPicPr>
-          <p:nvPr/>
-        </p:nvPicPr>
-        <p:blipFill>
-          <a:blip r:embed="rId3"/>
-          <a:stretch>
-            <a:fillRect/>
-          </a:stretch>
-        </p:blipFill>
-        <p:spPr>
-          <a:xfrm>
-            <a:off x="1606837" y="830637"/>
-            <a:ext cx="1294018" cy="5427069"/>
-          </a:xfrm>
-          <a:prstGeom prst="rect">
-            <a:avLst/>
-          </a:prstGeom>
-        </p:spPr>
-      </p:pic>
     </p:spTree>
     <p:extLst>
       <p:ext uri="{BB962C8B-B14F-4D97-AF65-F5344CB8AC3E}">
-        <p14:creationId xmlns:p14="http://schemas.microsoft.com/office/powerpoint/2010/main" val="1006704649"/>
+        <p14:creationId xmlns:p14="http://schemas.microsoft.com/office/powerpoint/2010/main" val="3819688291"/>
       </p:ext>
     </p:extLst>
   </p:cSld>
@@ -9130,47 +11559,12 @@
           </a:extLst>
         </p:spPr>
       </p:pic>
-      <p:sp>
-        <p:nvSpPr>
-          <p:cNvPr id="4" name="文本框 3">
-            <a:extLst>
-              <a:ext uri="{FF2B5EF4-FFF2-40B4-BE49-F238E27FC236}">
-                <a16:creationId xmlns:a16="http://schemas.microsoft.com/office/drawing/2014/main" id="{2ACA4DC2-FC27-4E40-AA67-846DF7293F87}"/>
-              </a:ext>
-            </a:extLst>
-          </p:cNvPr>
-          <p:cNvSpPr txBox="1"/>
-          <p:nvPr/>
-        </p:nvSpPr>
-        <p:spPr>
-          <a:xfrm>
-            <a:off x="1179646" y="774797"/>
-            <a:ext cx="1647316" cy="369332"/>
-          </a:xfrm>
-          <a:prstGeom prst="rect">
-            <a:avLst/>
-          </a:prstGeom>
-          <a:noFill/>
-        </p:spPr>
-        <p:txBody>
-          <a:bodyPr wrap="square" rtlCol="0">
-            <a:spAutoFit/>
-          </a:bodyPr>
-          <a:lstStyle/>
-          <a:p>
-            <a:r>
-              <a:rPr lang="zh-CN" altLang="en-US" dirty="0"/>
-              <a:t>管理员</a:t>
-            </a:r>
-          </a:p>
-        </p:txBody>
-      </p:sp>
       <p:pic>
         <p:nvPicPr>
           <p:cNvPr id="5" name="图片 4">
             <a:extLst>
               <a:ext uri="{FF2B5EF4-FFF2-40B4-BE49-F238E27FC236}">
-                <a16:creationId xmlns:a16="http://schemas.microsoft.com/office/drawing/2014/main" id="{B0B1868D-99D6-4CB1-A5E1-F91232659BEE}"/>
+                <a16:creationId xmlns:a16="http://schemas.microsoft.com/office/drawing/2014/main" id="{ABFEC7F3-B117-443A-985D-3DD9DB717057}"/>
               </a:ext>
             </a:extLst>
           </p:cNvPr>
@@ -9187,8 +11581,8 @@
         </p:blipFill>
         <p:spPr>
           <a:xfrm>
-            <a:off x="2923944" y="464689"/>
-            <a:ext cx="2520892" cy="5642559"/>
+            <a:off x="766410" y="1172284"/>
+            <a:ext cx="11283579" cy="4513431"/>
           </a:xfrm>
           <a:prstGeom prst="rect">
             <a:avLst/>
@@ -9198,7 +11592,7 @@
     </p:spTree>
     <p:extLst>
       <p:ext uri="{BB962C8B-B14F-4D97-AF65-F5344CB8AC3E}">
-        <p14:creationId xmlns:p14="http://schemas.microsoft.com/office/powerpoint/2010/main" val="2522117897"/>
+        <p14:creationId xmlns:p14="http://schemas.microsoft.com/office/powerpoint/2010/main" val="2262846562"/>
       </p:ext>
     </p:extLst>
   </p:cSld>
@@ -9221,6 +11615,138 @@
 </file>
 
 <file path=ppt/slides/slide27.xml><?xml version="1.0" encoding="utf-8"?>
+<p:sld xmlns:a="http://schemas.openxmlformats.org/drawingml/2006/main" xmlns:r="http://schemas.openxmlformats.org/officeDocument/2006/relationships" xmlns:p="http://schemas.openxmlformats.org/presentationml/2006/main">
+  <p:cSld>
+    <p:spTree>
+      <p:nvGrpSpPr>
+        <p:cNvPr id="1" name=""/>
+        <p:cNvGrpSpPr/>
+        <p:nvPr/>
+      </p:nvGrpSpPr>
+      <p:grpSpPr>
+        <a:xfrm>
+          <a:off x="0" y="0"/>
+          <a:ext cx="0" cy="0"/>
+          <a:chOff x="0" y="0"/>
+          <a:chExt cx="0" cy="0"/>
+        </a:xfrm>
+      </p:grpSpPr>
+      <p:pic>
+        <p:nvPicPr>
+          <p:cNvPr id="39" name="Picture 4">
+            <a:extLst>
+              <a:ext uri="{FF2B5EF4-FFF2-40B4-BE49-F238E27FC236}">
+                <a16:creationId xmlns:a16="http://schemas.microsoft.com/office/drawing/2014/main" id="{DE3B5CC2-AC5C-4E66-A2A9-A043DA896552}"/>
+              </a:ext>
+            </a:extLst>
+          </p:cNvPr>
+          <p:cNvPicPr>
+            <a:picLocks noChangeAspect="1" noChangeArrowheads="1"/>
+          </p:cNvPicPr>
+          <p:nvPr/>
+        </p:nvPicPr>
+        <p:blipFill>
+          <a:blip r:embed="rId3" cstate="print">
+            <a:extLst>
+              <a:ext uri="{28A0092B-C50C-407E-A947-70E740481C1C}">
+                <a14:useLocalDpi xmlns:a14="http://schemas.microsoft.com/office/drawing/2010/main" val="0"/>
+              </a:ext>
+            </a:extLst>
+          </a:blip>
+          <a:srcRect/>
+          <a:stretch>
+            <a:fillRect/>
+          </a:stretch>
+        </p:blipFill>
+        <p:spPr bwMode="auto">
+          <a:xfrm>
+            <a:off x="11019722" y="5734618"/>
+            <a:ext cx="759333" cy="726869"/>
+          </a:xfrm>
+          <a:prstGeom prst="rect">
+            <a:avLst/>
+          </a:prstGeom>
+          <a:noFill/>
+          <a:ln>
+            <a:noFill/>
+          </a:ln>
+          <a:extLst>
+            <a:ext uri="{909E8E84-426E-40DD-AFC4-6F175D3DCCD1}">
+              <a14:hiddenFill xmlns:a14="http://schemas.microsoft.com/office/drawing/2010/main">
+                <a:solidFill>
+                  <a:srgbClr val="FFFFFF"/>
+                </a:solidFill>
+              </a14:hiddenFill>
+            </a:ext>
+            <a:ext uri="{91240B29-F687-4F45-9708-019B960494DF}">
+              <a14:hiddenLine xmlns:a14="http://schemas.microsoft.com/office/drawing/2010/main" w="9525">
+                <a:solidFill>
+                  <a:srgbClr val="000000"/>
+                </a:solidFill>
+                <a:miter lim="800000"/>
+                <a:headEnd/>
+                <a:tailEnd/>
+              </a14:hiddenLine>
+            </a:ext>
+          </a:extLst>
+        </p:spPr>
+      </p:pic>
+      <p:pic>
+        <p:nvPicPr>
+          <p:cNvPr id="3" name="图片 2">
+            <a:extLst>
+              <a:ext uri="{FF2B5EF4-FFF2-40B4-BE49-F238E27FC236}">
+                <a16:creationId xmlns:a16="http://schemas.microsoft.com/office/drawing/2014/main" id="{67F25FE8-44BF-4732-99B9-4E5F5F54AA52}"/>
+              </a:ext>
+            </a:extLst>
+          </p:cNvPr>
+          <p:cNvPicPr>
+            <a:picLocks noChangeAspect="1"/>
+          </p:cNvPicPr>
+          <p:nvPr/>
+        </p:nvPicPr>
+        <p:blipFill>
+          <a:blip r:embed="rId4"/>
+          <a:stretch>
+            <a:fillRect/>
+          </a:stretch>
+        </p:blipFill>
+        <p:spPr>
+          <a:xfrm>
+            <a:off x="900546" y="777808"/>
+            <a:ext cx="10993643" cy="5302383"/>
+          </a:xfrm>
+          <a:prstGeom prst="rect">
+            <a:avLst/>
+          </a:prstGeom>
+        </p:spPr>
+      </p:pic>
+    </p:spTree>
+    <p:extLst>
+      <p:ext uri="{BB962C8B-B14F-4D97-AF65-F5344CB8AC3E}">
+        <p14:creationId xmlns:p14="http://schemas.microsoft.com/office/powerpoint/2010/main" val="1195832131"/>
+      </p:ext>
+    </p:extLst>
+  </p:cSld>
+  <p:clrMapOvr>
+    <a:masterClrMapping/>
+  </p:clrMapOvr>
+  <mc:AlternateContent xmlns:mc="http://schemas.openxmlformats.org/markup-compatibility/2006" xmlns:p14="http://schemas.microsoft.com/office/powerpoint/2010/main">
+    <mc:Choice Requires="p14">
+      <p:transition spd="med" p14:dur="700">
+        <p:fade/>
+      </p:transition>
+    </mc:Choice>
+    <mc:Fallback xmlns="">
+      <p:transition spd="med">
+        <p:fade/>
+      </p:transition>
+    </mc:Fallback>
+  </mc:AlternateContent>
+</p:sld>
+</file>
+
+<file path=ppt/slides/slide28.xml><?xml version="1.0" encoding="utf-8"?>
 <p:sld xmlns:a="http://schemas.openxmlformats.org/drawingml/2006/main" xmlns:r="http://schemas.openxmlformats.org/officeDocument/2006/relationships" xmlns:p="http://schemas.openxmlformats.org/presentationml/2006/main">
   <p:cSld>
     <p:spTree>
@@ -9392,6 +11918,10 @@
           </p:nvPr>
         </p:nvSpPr>
         <p:spPr>
+          <a:xfrm>
+            <a:off x="2385272" y="2765274"/>
+            <a:ext cx="7295249" cy="1770954"/>
+          </a:xfrm>
           <a:prstGeom prst="rect">
             <a:avLst/>
           </a:prstGeom>
@@ -9402,7 +11932,7 @@
           <a:p>
             <a:r>
               <a:rPr lang="zh-CN" altLang="en-US" dirty="0"/>
-              <a:t>其他文件</a:t>
+              <a:t>会议记录、成员分工</a:t>
             </a:r>
           </a:p>
         </p:txBody>
@@ -9736,139 +12266,7 @@
     </p:spTree>
     <p:extLst>
       <p:ext uri="{BB962C8B-B14F-4D97-AF65-F5344CB8AC3E}">
-        <p14:creationId xmlns:p14="http://schemas.microsoft.com/office/powerpoint/2010/main" val="3819688291"/>
-      </p:ext>
-    </p:extLst>
-  </p:cSld>
-  <p:clrMapOvr>
-    <a:masterClrMapping/>
-  </p:clrMapOvr>
-  <mc:AlternateContent xmlns:mc="http://schemas.openxmlformats.org/markup-compatibility/2006" xmlns:p14="http://schemas.microsoft.com/office/powerpoint/2010/main">
-    <mc:Choice Requires="p14">
-      <p:transition spd="med" p14:dur="700">
-        <p:fade/>
-      </p:transition>
-    </mc:Choice>
-    <mc:Fallback xmlns="">
-      <p:transition spd="med">
-        <p:fade/>
-      </p:transition>
-    </mc:Fallback>
-  </mc:AlternateContent>
-</p:sld>
-</file>
-
-<file path=ppt/slides/slide28.xml><?xml version="1.0" encoding="utf-8"?>
-<p:sld xmlns:a="http://schemas.openxmlformats.org/drawingml/2006/main" xmlns:r="http://schemas.openxmlformats.org/officeDocument/2006/relationships" xmlns:p="http://schemas.openxmlformats.org/presentationml/2006/main">
-  <p:cSld>
-    <p:spTree>
-      <p:nvGrpSpPr>
-        <p:cNvPr id="1" name=""/>
-        <p:cNvGrpSpPr/>
-        <p:nvPr/>
-      </p:nvGrpSpPr>
-      <p:grpSpPr>
-        <a:xfrm>
-          <a:off x="0" y="0"/>
-          <a:ext cx="0" cy="0"/>
-          <a:chOff x="0" y="0"/>
-          <a:chExt cx="0" cy="0"/>
-        </a:xfrm>
-      </p:grpSpPr>
-      <p:pic>
-        <p:nvPicPr>
-          <p:cNvPr id="39" name="Picture 4">
-            <a:extLst>
-              <a:ext uri="{FF2B5EF4-FFF2-40B4-BE49-F238E27FC236}">
-                <a16:creationId xmlns:a16="http://schemas.microsoft.com/office/drawing/2014/main" id="{DE3B5CC2-AC5C-4E66-A2A9-A043DA896552}"/>
-              </a:ext>
-            </a:extLst>
-          </p:cNvPr>
-          <p:cNvPicPr>
-            <a:picLocks noChangeAspect="1" noChangeArrowheads="1"/>
-          </p:cNvPicPr>
-          <p:nvPr/>
-        </p:nvPicPr>
-        <p:blipFill>
-          <a:blip r:embed="rId2" cstate="print">
-            <a:extLst>
-              <a:ext uri="{28A0092B-C50C-407E-A947-70E740481C1C}">
-                <a14:useLocalDpi xmlns:a14="http://schemas.microsoft.com/office/drawing/2010/main" val="0"/>
-              </a:ext>
-            </a:extLst>
-          </a:blip>
-          <a:srcRect/>
-          <a:stretch>
-            <a:fillRect/>
-          </a:stretch>
-        </p:blipFill>
-        <p:spPr bwMode="auto">
-          <a:xfrm>
-            <a:off x="11019722" y="5734618"/>
-            <a:ext cx="759333" cy="726869"/>
-          </a:xfrm>
-          <a:prstGeom prst="rect">
-            <a:avLst/>
-          </a:prstGeom>
-          <a:noFill/>
-          <a:ln>
-            <a:noFill/>
-          </a:ln>
-          <a:extLst>
-            <a:ext uri="{909E8E84-426E-40DD-AFC4-6F175D3DCCD1}">
-              <a14:hiddenFill xmlns:a14="http://schemas.microsoft.com/office/drawing/2010/main">
-                <a:solidFill>
-                  <a:srgbClr val="FFFFFF"/>
-                </a:solidFill>
-              </a14:hiddenFill>
-            </a:ext>
-            <a:ext uri="{91240B29-F687-4F45-9708-019B960494DF}">
-              <a14:hiddenLine xmlns:a14="http://schemas.microsoft.com/office/drawing/2010/main" w="9525">
-                <a:solidFill>
-                  <a:srgbClr val="000000"/>
-                </a:solidFill>
-                <a:miter lim="800000"/>
-                <a:headEnd/>
-                <a:tailEnd/>
-              </a14:hiddenLine>
-            </a:ext>
-          </a:extLst>
-        </p:spPr>
-      </p:pic>
-      <p:pic>
-        <p:nvPicPr>
-          <p:cNvPr id="5" name="图片 4">
-            <a:extLst>
-              <a:ext uri="{FF2B5EF4-FFF2-40B4-BE49-F238E27FC236}">
-                <a16:creationId xmlns:a16="http://schemas.microsoft.com/office/drawing/2014/main" id="{ABFEC7F3-B117-443A-985D-3DD9DB717057}"/>
-              </a:ext>
-            </a:extLst>
-          </p:cNvPr>
-          <p:cNvPicPr>
-            <a:picLocks noChangeAspect="1"/>
-          </p:cNvPicPr>
-          <p:nvPr/>
-        </p:nvPicPr>
-        <p:blipFill>
-          <a:blip r:embed="rId3"/>
-          <a:stretch>
-            <a:fillRect/>
-          </a:stretch>
-        </p:blipFill>
-        <p:spPr>
-          <a:xfrm>
-            <a:off x="766410" y="1172284"/>
-            <a:ext cx="11283579" cy="4513431"/>
-          </a:xfrm>
-          <a:prstGeom prst="rect">
-            <a:avLst/>
-          </a:prstGeom>
-        </p:spPr>
-      </p:pic>
-    </p:spTree>
-    <p:extLst>
-      <p:ext uri="{BB962C8B-B14F-4D97-AF65-F5344CB8AC3E}">
-        <p14:creationId xmlns:p14="http://schemas.microsoft.com/office/powerpoint/2010/main" val="2262846562"/>
+        <p14:creationId xmlns:p14="http://schemas.microsoft.com/office/powerpoint/2010/main" val="2321514928"/>
       </p:ext>
     </p:extLst>
   </p:cSld>
@@ -9969,10 +12367,10 @@
       </p:pic>
       <p:pic>
         <p:nvPicPr>
-          <p:cNvPr id="3" name="图片 2">
+          <p:cNvPr id="6" name="图片 5">
             <a:extLst>
               <a:ext uri="{FF2B5EF4-FFF2-40B4-BE49-F238E27FC236}">
-                <a16:creationId xmlns:a16="http://schemas.microsoft.com/office/drawing/2014/main" id="{67F25FE8-44BF-4732-99B9-4E5F5F54AA52}"/>
+                <a16:creationId xmlns:a16="http://schemas.microsoft.com/office/drawing/2014/main" id="{83949BCE-735D-4D8F-8908-E16A00BC9D4D}"/>
               </a:ext>
             </a:extLst>
           </p:cNvPr>
@@ -9989,8 +12387,8 @@
         </p:blipFill>
         <p:spPr>
           <a:xfrm>
-            <a:off x="900546" y="777808"/>
-            <a:ext cx="10993643" cy="5302383"/>
+            <a:off x="925321" y="1076776"/>
+            <a:ext cx="10094401" cy="4704448"/>
           </a:xfrm>
           <a:prstGeom prst="rect">
             <a:avLst/>
@@ -10000,7 +12398,7 @@
     </p:spTree>
     <p:extLst>
       <p:ext uri="{BB962C8B-B14F-4D97-AF65-F5344CB8AC3E}">
-        <p14:creationId xmlns:p14="http://schemas.microsoft.com/office/powerpoint/2010/main" val="1195832131"/>
+        <p14:creationId xmlns:p14="http://schemas.microsoft.com/office/powerpoint/2010/main" val="4139169675"/>
       </p:ext>
     </p:extLst>
   </p:cSld>
@@ -10523,452 +12921,12 @@
           <a:chExt cx="0" cy="0"/>
         </a:xfrm>
       </p:grpSpPr>
-      <p:sp>
-        <p:nvSpPr>
-          <p:cNvPr id="16" name="文本占位符 15"/>
-          <p:cNvSpPr>
-            <a:spLocks noGrp="1"/>
-          </p:cNvSpPr>
-          <p:nvPr>
-            <p:ph type="body" sz="quarter" idx="10"/>
-          </p:nvPr>
-        </p:nvSpPr>
-        <p:spPr>
-          <a:xfrm>
-            <a:off x="5749751" y="1718058"/>
-            <a:ext cx="692498" cy="747897"/>
-          </a:xfrm>
-          <a:custGeom>
-            <a:avLst/>
-            <a:gdLst>
-              <a:gd name="connsiteX0" fmla="*/ 0 w 65"/>
-              <a:gd name="connsiteY0" fmla="*/ 0 h 276999"/>
-              <a:gd name="connsiteX1" fmla="*/ 65 w 65"/>
-              <a:gd name="connsiteY1" fmla="*/ 0 h 276999"/>
-              <a:gd name="connsiteX2" fmla="*/ 65 w 65"/>
-              <a:gd name="connsiteY2" fmla="*/ 276999 h 276999"/>
-              <a:gd name="connsiteX3" fmla="*/ 0 w 65"/>
-              <a:gd name="connsiteY3" fmla="*/ 276999 h 276999"/>
-            </a:gdLst>
-            <a:ahLst/>
-            <a:cxnLst>
-              <a:cxn ang="0">
-                <a:pos x="connsiteX0" y="connsiteY0"/>
-              </a:cxn>
-              <a:cxn ang="0">
-                <a:pos x="connsiteX1" y="connsiteY1"/>
-              </a:cxn>
-              <a:cxn ang="0">
-                <a:pos x="connsiteX2" y="connsiteY2"/>
-              </a:cxn>
-              <a:cxn ang="0">
-                <a:pos x="connsiteX3" y="connsiteY3"/>
-              </a:cxn>
-            </a:cxnLst>
-            <a:rect l="l" t="t" r="r" b="b"/>
-            <a:pathLst>
-              <a:path w="65" h="276999">
-                <a:moveTo>
-                  <a:pt x="0" y="0"/>
-                </a:moveTo>
-                <a:lnTo>
-                  <a:pt x="65" y="0"/>
-                </a:lnTo>
-                <a:lnTo>
-                  <a:pt x="65" y="276999"/>
-                </a:lnTo>
-                <a:lnTo>
-                  <a:pt x="0" y="276999"/>
-                </a:lnTo>
-                <a:close/>
-              </a:path>
-            </a:pathLst>
-          </a:custGeom>
-        </p:spPr>
-        <p:txBody>
-          <a:bodyPr/>
-          <a:lstStyle/>
-          <a:p>
-            <a:r>
-              <a:rPr lang="en-US" altLang="zh-CN"/>
-              <a:t>01</a:t>
-            </a:r>
-            <a:endParaRPr lang="zh-CN" altLang="en-US"/>
-          </a:p>
-        </p:txBody>
-      </p:sp>
-      <p:sp>
-        <p:nvSpPr>
-          <p:cNvPr id="17" name="文本占位符 16"/>
-          <p:cNvSpPr>
-            <a:spLocks noGrp="1"/>
-          </p:cNvSpPr>
-          <p:nvPr>
-            <p:ph type="body" sz="quarter" idx="11"/>
-          </p:nvPr>
-        </p:nvSpPr>
-        <p:spPr>
-          <a:custGeom>
-            <a:avLst/>
-            <a:gdLst>
-              <a:gd name="connsiteX0" fmla="*/ 0 w 2059940"/>
-              <a:gd name="connsiteY0" fmla="*/ 0 h 276999"/>
-              <a:gd name="connsiteX1" fmla="*/ 2059940 w 2059940"/>
-              <a:gd name="connsiteY1" fmla="*/ 0 h 276999"/>
-              <a:gd name="connsiteX2" fmla="*/ 2059940 w 2059940"/>
-              <a:gd name="connsiteY2" fmla="*/ 276999 h 276999"/>
-              <a:gd name="connsiteX3" fmla="*/ 0 w 2059940"/>
-              <a:gd name="connsiteY3" fmla="*/ 276999 h 276999"/>
-            </a:gdLst>
-            <a:ahLst/>
-            <a:cxnLst>
-              <a:cxn ang="0">
-                <a:pos x="connsiteX0" y="connsiteY0"/>
-              </a:cxn>
-              <a:cxn ang="0">
-                <a:pos x="connsiteX1" y="connsiteY1"/>
-              </a:cxn>
-              <a:cxn ang="0">
-                <a:pos x="connsiteX2" y="connsiteY2"/>
-              </a:cxn>
-              <a:cxn ang="0">
-                <a:pos x="connsiteX3" y="connsiteY3"/>
-              </a:cxn>
-            </a:cxnLst>
-            <a:rect l="l" t="t" r="r" b="b"/>
-            <a:pathLst>
-              <a:path w="2059940" h="276999">
-                <a:moveTo>
-                  <a:pt x="0" y="0"/>
-                </a:moveTo>
-                <a:lnTo>
-                  <a:pt x="2059940" y="0"/>
-                </a:lnTo>
-                <a:lnTo>
-                  <a:pt x="2059940" y="276999"/>
-                </a:lnTo>
-                <a:lnTo>
-                  <a:pt x="0" y="276999"/>
-                </a:lnTo>
-                <a:close/>
-              </a:path>
-            </a:pathLst>
-          </a:custGeom>
-        </p:spPr>
-        <p:txBody>
-          <a:bodyPr/>
-          <a:lstStyle/>
-          <a:p>
-            <a:r>
-              <a:rPr lang="en-US" altLang="zh-CN" dirty="0"/>
-              <a:t>Part five</a:t>
-            </a:r>
-            <a:endParaRPr lang="zh-CN" altLang="en-US" dirty="0"/>
-          </a:p>
-        </p:txBody>
-      </p:sp>
-      <p:sp>
-        <p:nvSpPr>
-          <p:cNvPr id="19" name="文本占位符 18"/>
-          <p:cNvSpPr>
-            <a:spLocks noGrp="1"/>
-          </p:cNvSpPr>
-          <p:nvPr>
-            <p:ph type="body" sz="quarter" idx="12"/>
-          </p:nvPr>
-        </p:nvSpPr>
-        <p:spPr>
-          <a:xfrm>
-            <a:off x="2385272" y="2765274"/>
-            <a:ext cx="7295249" cy="1770954"/>
-          </a:xfrm>
-          <a:prstGeom prst="rect">
-            <a:avLst/>
-          </a:prstGeom>
-        </p:spPr>
-        <p:txBody>
-          <a:bodyPr/>
-          <a:lstStyle/>
-          <a:p>
-            <a:r>
-              <a:rPr lang="zh-CN" altLang="en-US" dirty="0"/>
-              <a:t>会议记录、成员分工</a:t>
-            </a:r>
-          </a:p>
-        </p:txBody>
-      </p:sp>
-      <p:sp>
-        <p:nvSpPr>
-          <p:cNvPr id="14" name="椭圆 13"/>
-          <p:cNvSpPr/>
-          <p:nvPr/>
-        </p:nvSpPr>
-        <p:spPr>
-          <a:xfrm>
-            <a:off x="6611938" y="5459540"/>
-            <a:ext cx="100012" cy="100012"/>
-          </a:xfrm>
-          <a:prstGeom prst="ellipse">
-            <a:avLst/>
-          </a:prstGeom>
-          <a:solidFill>
-            <a:schemeClr val="accent1"/>
-          </a:solidFill>
-          <a:ln w="12700" cap="flat" cmpd="sng" algn="ctr">
-            <a:noFill/>
-            <a:prstDash val="solid"/>
-            <a:miter lim="800000"/>
-          </a:ln>
-          <a:effectLst/>
-          <a:extLst>
-            <a:ext uri="{91240B29-F687-4F45-9708-019B960494DF}">
-              <a14:hiddenLine xmlns:a14="http://schemas.microsoft.com/office/drawing/2010/main" w="0">
-                <a:solidFill>
-                  <a:schemeClr val="accent1">
-                    <a:shade val="50000"/>
-                  </a:schemeClr>
-                </a:solidFill>
-                <a:prstDash val="solid"/>
-                <a:miter lim="800000"/>
-                <a:headEnd/>
-                <a:tailEnd/>
-              </a14:hiddenLine>
-            </a:ext>
-          </a:extLst>
-        </p:spPr>
-        <p:style>
-          <a:lnRef idx="2">
-            <a:schemeClr val="accent1">
-              <a:shade val="50000"/>
-            </a:schemeClr>
-          </a:lnRef>
-          <a:fillRef idx="1">
-            <a:schemeClr val="accent1"/>
-          </a:fillRef>
-          <a:effectRef idx="0">
-            <a:schemeClr val="accent1"/>
-          </a:effectRef>
-          <a:fontRef idx="minor">
-            <a:schemeClr val="lt1"/>
-          </a:fontRef>
-        </p:style>
-        <p:txBody>
-          <a:bodyPr rtlCol="0" anchor="ctr"/>
-          <a:lstStyle/>
-          <a:p>
-            <a:pPr algn="ctr"/>
-            <a:endParaRPr lang="zh-CN" altLang="en-US"/>
-          </a:p>
-        </p:txBody>
-      </p:sp>
-      <p:sp>
-        <p:nvSpPr>
-          <p:cNvPr id="15" name="椭圆 14"/>
-          <p:cNvSpPr/>
-          <p:nvPr/>
-        </p:nvSpPr>
-        <p:spPr>
-          <a:xfrm>
-            <a:off x="5932885" y="5459540"/>
-            <a:ext cx="100012" cy="100012"/>
-          </a:xfrm>
-          <a:prstGeom prst="ellipse">
-            <a:avLst/>
-          </a:prstGeom>
-          <a:noFill/>
-          <a:ln w="12700" cap="flat" cmpd="sng" algn="ctr">
-            <a:solidFill>
-              <a:schemeClr val="accent1"/>
-            </a:solidFill>
-            <a:prstDash val="solid"/>
-            <a:miter lim="800000"/>
-          </a:ln>
-          <a:effectLst/>
-        </p:spPr>
-        <p:style>
-          <a:lnRef idx="2">
-            <a:schemeClr val="accent1">
-              <a:shade val="50000"/>
-            </a:schemeClr>
-          </a:lnRef>
-          <a:fillRef idx="1">
-            <a:schemeClr val="accent1"/>
-          </a:fillRef>
-          <a:effectRef idx="0">
-            <a:schemeClr val="accent1"/>
-          </a:effectRef>
-          <a:fontRef idx="minor">
-            <a:schemeClr val="lt1"/>
-          </a:fontRef>
-        </p:style>
-        <p:txBody>
-          <a:bodyPr rtlCol="0" anchor="ctr"/>
-          <a:lstStyle/>
-          <a:p>
-            <a:pPr algn="ctr"/>
-            <a:endParaRPr lang="zh-CN" altLang="en-US"/>
-          </a:p>
-        </p:txBody>
-      </p:sp>
-      <p:sp>
-        <p:nvSpPr>
-          <p:cNvPr id="18" name="椭圆 17"/>
-          <p:cNvSpPr/>
-          <p:nvPr/>
-        </p:nvSpPr>
-        <p:spPr>
-          <a:xfrm>
-            <a:off x="6159103" y="5459540"/>
-            <a:ext cx="100012" cy="100012"/>
-          </a:xfrm>
-          <a:prstGeom prst="ellipse">
-            <a:avLst/>
-          </a:prstGeom>
-          <a:noFill/>
-          <a:ln w="12700" cap="flat" cmpd="sng" algn="ctr">
-            <a:solidFill>
-              <a:schemeClr val="accent1"/>
-            </a:solidFill>
-            <a:prstDash val="solid"/>
-            <a:miter lim="800000"/>
-          </a:ln>
-          <a:effectLst/>
-        </p:spPr>
-        <p:style>
-          <a:lnRef idx="2">
-            <a:schemeClr val="accent1">
-              <a:shade val="50000"/>
-            </a:schemeClr>
-          </a:lnRef>
-          <a:fillRef idx="1">
-            <a:schemeClr val="accent1"/>
-          </a:fillRef>
-          <a:effectRef idx="0">
-            <a:schemeClr val="accent1"/>
-          </a:effectRef>
-          <a:fontRef idx="minor">
-            <a:schemeClr val="lt1"/>
-          </a:fontRef>
-        </p:style>
-        <p:txBody>
-          <a:bodyPr rtlCol="0" anchor="ctr"/>
-          <a:lstStyle/>
-          <a:p>
-            <a:pPr algn="ctr"/>
-            <a:endParaRPr lang="zh-CN" altLang="en-US"/>
-          </a:p>
-        </p:txBody>
-      </p:sp>
-      <p:sp>
-        <p:nvSpPr>
-          <p:cNvPr id="21" name="椭圆 20"/>
-          <p:cNvSpPr/>
-          <p:nvPr/>
-        </p:nvSpPr>
-        <p:spPr>
-          <a:xfrm>
-            <a:off x="6385321" y="5459540"/>
-            <a:ext cx="100012" cy="100012"/>
-          </a:xfrm>
-          <a:prstGeom prst="ellipse">
-            <a:avLst/>
-          </a:prstGeom>
-          <a:noFill/>
-          <a:ln w="12700" cap="flat" cmpd="sng" algn="ctr">
-            <a:solidFill>
-              <a:schemeClr val="accent1"/>
-            </a:solidFill>
-            <a:prstDash val="solid"/>
-            <a:miter lim="800000"/>
-          </a:ln>
-          <a:effectLst/>
-        </p:spPr>
-        <p:style>
-          <a:lnRef idx="2">
-            <a:schemeClr val="accent1">
-              <a:shade val="50000"/>
-            </a:schemeClr>
-          </a:lnRef>
-          <a:fillRef idx="1">
-            <a:schemeClr val="accent1"/>
-          </a:fillRef>
-          <a:effectRef idx="0">
-            <a:schemeClr val="accent1"/>
-          </a:effectRef>
-          <a:fontRef idx="minor">
-            <a:schemeClr val="lt1"/>
-          </a:fontRef>
-        </p:style>
-        <p:txBody>
-          <a:bodyPr rtlCol="0" anchor="ctr"/>
-          <a:lstStyle/>
-          <a:p>
-            <a:pPr algn="ctr"/>
-            <a:endParaRPr lang="zh-CN" altLang="en-US"/>
-          </a:p>
-        </p:txBody>
-      </p:sp>
-      <p:sp>
-        <p:nvSpPr>
-          <p:cNvPr id="9" name="椭圆 8">
+      <p:pic>
+        <p:nvPicPr>
+          <p:cNvPr id="39" name="Picture 4">
             <a:extLst>
               <a:ext uri="{FF2B5EF4-FFF2-40B4-BE49-F238E27FC236}">
-                <a16:creationId xmlns:a16="http://schemas.microsoft.com/office/drawing/2014/main" id="{3A93BF8B-DF1D-4789-A8D7-4A0BC22B9D05}"/>
-              </a:ext>
-            </a:extLst>
-          </p:cNvPr>
-          <p:cNvSpPr/>
-          <p:nvPr/>
-        </p:nvSpPr>
-        <p:spPr>
-          <a:xfrm>
-            <a:off x="5699745" y="5459540"/>
-            <a:ext cx="100012" cy="100012"/>
-          </a:xfrm>
-          <a:prstGeom prst="ellipse">
-            <a:avLst/>
-          </a:prstGeom>
-          <a:noFill/>
-          <a:ln w="12700" cap="flat" cmpd="sng" algn="ctr">
-            <a:solidFill>
-              <a:schemeClr val="accent1"/>
-            </a:solidFill>
-            <a:prstDash val="solid"/>
-            <a:miter lim="800000"/>
-          </a:ln>
-          <a:effectLst/>
-        </p:spPr>
-        <p:style>
-          <a:lnRef idx="2">
-            <a:schemeClr val="accent1">
-              <a:shade val="50000"/>
-            </a:schemeClr>
-          </a:lnRef>
-          <a:fillRef idx="1">
-            <a:schemeClr val="accent1"/>
-          </a:fillRef>
-          <a:effectRef idx="0">
-            <a:schemeClr val="accent1"/>
-          </a:effectRef>
-          <a:fontRef idx="minor">
-            <a:schemeClr val="lt1"/>
-          </a:fontRef>
-        </p:style>
-        <p:txBody>
-          <a:bodyPr rtlCol="0" anchor="ctr"/>
-          <a:lstStyle/>
-          <a:p>
-            <a:pPr algn="ctr"/>
-            <a:endParaRPr lang="zh-CN" altLang="en-US"/>
-          </a:p>
-        </p:txBody>
-      </p:sp>
-      <p:pic>
-        <p:nvPicPr>
-          <p:cNvPr id="10" name="Picture 4">
-            <a:extLst>
-              <a:ext uri="{FF2B5EF4-FFF2-40B4-BE49-F238E27FC236}">
-                <a16:creationId xmlns:a16="http://schemas.microsoft.com/office/drawing/2014/main" id="{3A642458-1DE9-487E-A4F4-C8B7FADED3E2}"/>
+                <a16:creationId xmlns:a16="http://schemas.microsoft.com/office/drawing/2014/main" id="{DE3B5CC2-AC5C-4E66-A2A9-A043DA896552}"/>
               </a:ext>
             </a:extLst>
           </p:cNvPr>
@@ -10978,7 +12936,7 @@
           <p:nvPr/>
         </p:nvPicPr>
         <p:blipFill>
-          <a:blip r:embed="rId2" cstate="print">
+          <a:blip r:embed="rId3" cstate="print">
             <a:extLst>
               <a:ext uri="{28A0092B-C50C-407E-A947-70E740481C1C}">
                 <a14:useLocalDpi xmlns:a14="http://schemas.microsoft.com/office/drawing/2010/main" val="0"/>
@@ -10992,7 +12950,7 @@
         </p:blipFill>
         <p:spPr bwMode="auto">
           <a:xfrm>
-            <a:off x="10979381" y="5768236"/>
+            <a:off x="11019722" y="5734618"/>
             <a:ext cx="759333" cy="726869"/>
           </a:xfrm>
           <a:prstGeom prst="rect">
@@ -11023,10 +12981,40 @@
           </a:extLst>
         </p:spPr>
       </p:pic>
+      <p:pic>
+        <p:nvPicPr>
+          <p:cNvPr id="4" name="图片 3">
+            <a:extLst>
+              <a:ext uri="{FF2B5EF4-FFF2-40B4-BE49-F238E27FC236}">
+                <a16:creationId xmlns:a16="http://schemas.microsoft.com/office/drawing/2014/main" id="{2207DF40-5BBB-41DF-8224-21478A7104DF}"/>
+              </a:ext>
+            </a:extLst>
+          </p:cNvPr>
+          <p:cNvPicPr>
+            <a:picLocks noChangeAspect="1"/>
+          </p:cNvPicPr>
+          <p:nvPr/>
+        </p:nvPicPr>
+        <p:blipFill>
+          <a:blip r:embed="rId4"/>
+          <a:stretch>
+            <a:fillRect/>
+          </a:stretch>
+        </p:blipFill>
+        <p:spPr>
+          <a:xfrm>
+            <a:off x="900546" y="971439"/>
+            <a:ext cx="11125200" cy="5126613"/>
+          </a:xfrm>
+          <a:prstGeom prst="rect">
+            <a:avLst/>
+          </a:prstGeom>
+        </p:spPr>
+      </p:pic>
     </p:spTree>
     <p:extLst>
       <p:ext uri="{BB962C8B-B14F-4D97-AF65-F5344CB8AC3E}">
-        <p14:creationId xmlns:p14="http://schemas.microsoft.com/office/powerpoint/2010/main" val="2321514928"/>
+        <p14:creationId xmlns:p14="http://schemas.microsoft.com/office/powerpoint/2010/main" val="1412902258"/>
       </p:ext>
     </p:extLst>
   </p:cSld>
@@ -11127,270 +13115,6 @@
       </p:pic>
       <p:pic>
         <p:nvPicPr>
-          <p:cNvPr id="6" name="图片 5">
-            <a:extLst>
-              <a:ext uri="{FF2B5EF4-FFF2-40B4-BE49-F238E27FC236}">
-                <a16:creationId xmlns:a16="http://schemas.microsoft.com/office/drawing/2014/main" id="{83949BCE-735D-4D8F-8908-E16A00BC9D4D}"/>
-              </a:ext>
-            </a:extLst>
-          </p:cNvPr>
-          <p:cNvPicPr>
-            <a:picLocks noChangeAspect="1"/>
-          </p:cNvPicPr>
-          <p:nvPr/>
-        </p:nvPicPr>
-        <p:blipFill>
-          <a:blip r:embed="rId4"/>
-          <a:stretch>
-            <a:fillRect/>
-          </a:stretch>
-        </p:blipFill>
-        <p:spPr>
-          <a:xfrm>
-            <a:off x="925321" y="1076776"/>
-            <a:ext cx="10094401" cy="4704448"/>
-          </a:xfrm>
-          <a:prstGeom prst="rect">
-            <a:avLst/>
-          </a:prstGeom>
-        </p:spPr>
-      </p:pic>
-    </p:spTree>
-    <p:extLst>
-      <p:ext uri="{BB962C8B-B14F-4D97-AF65-F5344CB8AC3E}">
-        <p14:creationId xmlns:p14="http://schemas.microsoft.com/office/powerpoint/2010/main" val="4139169675"/>
-      </p:ext>
-    </p:extLst>
-  </p:cSld>
-  <p:clrMapOvr>
-    <a:masterClrMapping/>
-  </p:clrMapOvr>
-  <mc:AlternateContent xmlns:mc="http://schemas.openxmlformats.org/markup-compatibility/2006" xmlns:p14="http://schemas.microsoft.com/office/powerpoint/2010/main">
-    <mc:Choice Requires="p14">
-      <p:transition spd="med" p14:dur="700">
-        <p:fade/>
-      </p:transition>
-    </mc:Choice>
-    <mc:Fallback xmlns="">
-      <p:transition spd="med">
-        <p:fade/>
-      </p:transition>
-    </mc:Fallback>
-  </mc:AlternateContent>
-</p:sld>
-</file>
-
-<file path=ppt/slides/slide32.xml><?xml version="1.0" encoding="utf-8"?>
-<p:sld xmlns:a="http://schemas.openxmlformats.org/drawingml/2006/main" xmlns:r="http://schemas.openxmlformats.org/officeDocument/2006/relationships" xmlns:p="http://schemas.openxmlformats.org/presentationml/2006/main">
-  <p:cSld>
-    <p:spTree>
-      <p:nvGrpSpPr>
-        <p:cNvPr id="1" name=""/>
-        <p:cNvGrpSpPr/>
-        <p:nvPr/>
-      </p:nvGrpSpPr>
-      <p:grpSpPr>
-        <a:xfrm>
-          <a:off x="0" y="0"/>
-          <a:ext cx="0" cy="0"/>
-          <a:chOff x="0" y="0"/>
-          <a:chExt cx="0" cy="0"/>
-        </a:xfrm>
-      </p:grpSpPr>
-      <p:pic>
-        <p:nvPicPr>
-          <p:cNvPr id="39" name="Picture 4">
-            <a:extLst>
-              <a:ext uri="{FF2B5EF4-FFF2-40B4-BE49-F238E27FC236}">
-                <a16:creationId xmlns:a16="http://schemas.microsoft.com/office/drawing/2014/main" id="{DE3B5CC2-AC5C-4E66-A2A9-A043DA896552}"/>
-              </a:ext>
-            </a:extLst>
-          </p:cNvPr>
-          <p:cNvPicPr>
-            <a:picLocks noChangeAspect="1" noChangeArrowheads="1"/>
-          </p:cNvPicPr>
-          <p:nvPr/>
-        </p:nvPicPr>
-        <p:blipFill>
-          <a:blip r:embed="rId3" cstate="print">
-            <a:extLst>
-              <a:ext uri="{28A0092B-C50C-407E-A947-70E740481C1C}">
-                <a14:useLocalDpi xmlns:a14="http://schemas.microsoft.com/office/drawing/2010/main" val="0"/>
-              </a:ext>
-            </a:extLst>
-          </a:blip>
-          <a:srcRect/>
-          <a:stretch>
-            <a:fillRect/>
-          </a:stretch>
-        </p:blipFill>
-        <p:spPr bwMode="auto">
-          <a:xfrm>
-            <a:off x="11019722" y="5734618"/>
-            <a:ext cx="759333" cy="726869"/>
-          </a:xfrm>
-          <a:prstGeom prst="rect">
-            <a:avLst/>
-          </a:prstGeom>
-          <a:noFill/>
-          <a:ln>
-            <a:noFill/>
-          </a:ln>
-          <a:extLst>
-            <a:ext uri="{909E8E84-426E-40DD-AFC4-6F175D3DCCD1}">
-              <a14:hiddenFill xmlns:a14="http://schemas.microsoft.com/office/drawing/2010/main">
-                <a:solidFill>
-                  <a:srgbClr val="FFFFFF"/>
-                </a:solidFill>
-              </a14:hiddenFill>
-            </a:ext>
-            <a:ext uri="{91240B29-F687-4F45-9708-019B960494DF}">
-              <a14:hiddenLine xmlns:a14="http://schemas.microsoft.com/office/drawing/2010/main" w="9525">
-                <a:solidFill>
-                  <a:srgbClr val="000000"/>
-                </a:solidFill>
-                <a:miter lim="800000"/>
-                <a:headEnd/>
-                <a:tailEnd/>
-              </a14:hiddenLine>
-            </a:ext>
-          </a:extLst>
-        </p:spPr>
-      </p:pic>
-      <p:pic>
-        <p:nvPicPr>
-          <p:cNvPr id="4" name="图片 3">
-            <a:extLst>
-              <a:ext uri="{FF2B5EF4-FFF2-40B4-BE49-F238E27FC236}">
-                <a16:creationId xmlns:a16="http://schemas.microsoft.com/office/drawing/2014/main" id="{2207DF40-5BBB-41DF-8224-21478A7104DF}"/>
-              </a:ext>
-            </a:extLst>
-          </p:cNvPr>
-          <p:cNvPicPr>
-            <a:picLocks noChangeAspect="1"/>
-          </p:cNvPicPr>
-          <p:nvPr/>
-        </p:nvPicPr>
-        <p:blipFill>
-          <a:blip r:embed="rId4"/>
-          <a:stretch>
-            <a:fillRect/>
-          </a:stretch>
-        </p:blipFill>
-        <p:spPr>
-          <a:xfrm>
-            <a:off x="900546" y="971439"/>
-            <a:ext cx="11125200" cy="5126613"/>
-          </a:xfrm>
-          <a:prstGeom prst="rect">
-            <a:avLst/>
-          </a:prstGeom>
-        </p:spPr>
-      </p:pic>
-    </p:spTree>
-    <p:extLst>
-      <p:ext uri="{BB962C8B-B14F-4D97-AF65-F5344CB8AC3E}">
-        <p14:creationId xmlns:p14="http://schemas.microsoft.com/office/powerpoint/2010/main" val="1412902258"/>
-      </p:ext>
-    </p:extLst>
-  </p:cSld>
-  <p:clrMapOvr>
-    <a:masterClrMapping/>
-  </p:clrMapOvr>
-  <mc:AlternateContent xmlns:mc="http://schemas.openxmlformats.org/markup-compatibility/2006" xmlns:p14="http://schemas.microsoft.com/office/powerpoint/2010/main">
-    <mc:Choice Requires="p14">
-      <p:transition spd="med" p14:dur="700">
-        <p:fade/>
-      </p:transition>
-    </mc:Choice>
-    <mc:Fallback xmlns="">
-      <p:transition spd="med">
-        <p:fade/>
-      </p:transition>
-    </mc:Fallback>
-  </mc:AlternateContent>
-</p:sld>
-</file>
-
-<file path=ppt/slides/slide33.xml><?xml version="1.0" encoding="utf-8"?>
-<p:sld xmlns:a="http://schemas.openxmlformats.org/drawingml/2006/main" xmlns:r="http://schemas.openxmlformats.org/officeDocument/2006/relationships" xmlns:p="http://schemas.openxmlformats.org/presentationml/2006/main">
-  <p:cSld>
-    <p:spTree>
-      <p:nvGrpSpPr>
-        <p:cNvPr id="1" name=""/>
-        <p:cNvGrpSpPr/>
-        <p:nvPr/>
-      </p:nvGrpSpPr>
-      <p:grpSpPr>
-        <a:xfrm>
-          <a:off x="0" y="0"/>
-          <a:ext cx="0" cy="0"/>
-          <a:chOff x="0" y="0"/>
-          <a:chExt cx="0" cy="0"/>
-        </a:xfrm>
-      </p:grpSpPr>
-      <p:pic>
-        <p:nvPicPr>
-          <p:cNvPr id="39" name="Picture 4">
-            <a:extLst>
-              <a:ext uri="{FF2B5EF4-FFF2-40B4-BE49-F238E27FC236}">
-                <a16:creationId xmlns:a16="http://schemas.microsoft.com/office/drawing/2014/main" id="{DE3B5CC2-AC5C-4E66-A2A9-A043DA896552}"/>
-              </a:ext>
-            </a:extLst>
-          </p:cNvPr>
-          <p:cNvPicPr>
-            <a:picLocks noChangeAspect="1" noChangeArrowheads="1"/>
-          </p:cNvPicPr>
-          <p:nvPr/>
-        </p:nvPicPr>
-        <p:blipFill>
-          <a:blip r:embed="rId3" cstate="print">
-            <a:extLst>
-              <a:ext uri="{28A0092B-C50C-407E-A947-70E740481C1C}">
-                <a14:useLocalDpi xmlns:a14="http://schemas.microsoft.com/office/drawing/2010/main" val="0"/>
-              </a:ext>
-            </a:extLst>
-          </a:blip>
-          <a:srcRect/>
-          <a:stretch>
-            <a:fillRect/>
-          </a:stretch>
-        </p:blipFill>
-        <p:spPr bwMode="auto">
-          <a:xfrm>
-            <a:off x="11019722" y="5734618"/>
-            <a:ext cx="759333" cy="726869"/>
-          </a:xfrm>
-          <a:prstGeom prst="rect">
-            <a:avLst/>
-          </a:prstGeom>
-          <a:noFill/>
-          <a:ln>
-            <a:noFill/>
-          </a:ln>
-          <a:extLst>
-            <a:ext uri="{909E8E84-426E-40DD-AFC4-6F175D3DCCD1}">
-              <a14:hiddenFill xmlns:a14="http://schemas.microsoft.com/office/drawing/2010/main">
-                <a:solidFill>
-                  <a:srgbClr val="FFFFFF"/>
-                </a:solidFill>
-              </a14:hiddenFill>
-            </a:ext>
-            <a:ext uri="{91240B29-F687-4F45-9708-019B960494DF}">
-              <a14:hiddenLine xmlns:a14="http://schemas.microsoft.com/office/drawing/2010/main" w="9525">
-                <a:solidFill>
-                  <a:srgbClr val="000000"/>
-                </a:solidFill>
-                <a:miter lim="800000"/>
-                <a:headEnd/>
-                <a:tailEnd/>
-              </a14:hiddenLine>
-            </a:ext>
-          </a:extLst>
-        </p:spPr>
-      </p:pic>
-      <p:pic>
-        <p:nvPicPr>
           <p:cNvPr id="4" name="图片 3">
             <a:extLst>
               <a:ext uri="{FF2B5EF4-FFF2-40B4-BE49-F238E27FC236}">
@@ -11444,7 +13168,7 @@
 </p:sld>
 </file>
 
-<file path=ppt/slides/slide34.xml><?xml version="1.0" encoding="utf-8"?>
+<file path=ppt/slides/slide32.xml><?xml version="1.0" encoding="utf-8"?>
 <p:sld xmlns:a="http://schemas.openxmlformats.org/drawingml/2006/main" xmlns:r="http://schemas.openxmlformats.org/officeDocument/2006/relationships" xmlns:p="http://schemas.openxmlformats.org/presentationml/2006/main">
   <p:cSld>
     <p:spTree>
@@ -11982,7 +13706,7 @@
 </p:sld>
 </file>
 
-<file path=ppt/slides/slide35.xml><?xml version="1.0" encoding="utf-8"?>
+<file path=ppt/slides/slide33.xml><?xml version="1.0" encoding="utf-8"?>
 <p:sld xmlns:a="http://schemas.openxmlformats.org/drawingml/2006/main" xmlns:r="http://schemas.openxmlformats.org/officeDocument/2006/relationships" xmlns:p="http://schemas.openxmlformats.org/presentationml/2006/main">
   <p:cSld>
     <p:spTree>
@@ -12678,7 +14402,7 @@
 </p:sld>
 </file>
 
-<file path=ppt/slides/slide36.xml><?xml version="1.0" encoding="utf-8"?>
+<file path=ppt/slides/slide34.xml><?xml version="1.0" encoding="utf-8"?>
 <p:sld xmlns:a="http://schemas.openxmlformats.org/drawingml/2006/main" xmlns:r="http://schemas.openxmlformats.org/officeDocument/2006/relationships" xmlns:p="http://schemas.openxmlformats.org/presentationml/2006/main">
   <p:cSld>
     <p:spTree>

--- a/SE2021-G003-实现/测试展示.pptx
+++ b/SE2021-G003-实现/测试展示.pptx
@@ -767,38 +767,89 @@
               <a:rPr lang="zh-CN" altLang="en-US" dirty="0"/>
               <a:t>能够通过学科对题目进行</a:t>
             </a:r>
+            <a:endParaRPr lang="en-US" altLang="zh-CN"/>
+          </a:p>
+          <a:p>
             <a:endParaRPr lang="en-US" altLang="zh-CN" dirty="0"/>
           </a:p>
           <a:p>
-            <a:endParaRPr lang="zh-CN" altLang="en-US" dirty="0"/>
+            <a:r>
+              <a:rPr lang="zh-CN" altLang="en-US" dirty="0"/>
+              <a:t>单元测试：对源代码中的某一个程序进行测试，检查这个模块是否实现了规定的功能，所以单元测试这里我们采用</a:t>
+            </a:r>
+            <a:r>
+              <a:rPr lang="en-US" altLang="zh-CN" dirty="0"/>
+              <a:t>Java</a:t>
+            </a:r>
+            <a:r>
+              <a:rPr lang="zh-CN" altLang="en-US" dirty="0"/>
+              <a:t>自带的</a:t>
+            </a:r>
+            <a:r>
+              <a:rPr lang="en-US" altLang="zh-CN" dirty="0" err="1"/>
+              <a:t>junit</a:t>
+            </a:r>
+            <a:r>
+              <a:rPr lang="zh-CN" altLang="en-US" dirty="0"/>
+              <a:t>进行测试</a:t>
+            </a:r>
+            <a:endParaRPr lang="en-US" altLang="zh-CN" b="0" i="0" dirty="0">
+              <a:solidFill>
+                <a:schemeClr val="tx1"/>
+              </a:solidFill>
+              <a:effectLst/>
+              <a:latin typeface="+mn-lt"/>
+            </a:endParaRPr>
           </a:p>
           <a:p>
             <a:r>
-              <a:rPr lang="zh-CN" altLang="en-US" dirty="0"/>
-              <a:t>单元测试、子系统测试采用</a:t>
-            </a:r>
-            <a:r>
-              <a:rPr lang="en-US" altLang="zh-CN" dirty="0" err="1"/>
-              <a:t>junit</a:t>
-            </a:r>
-            <a:r>
-              <a:rPr lang="zh-CN" altLang="en-US" dirty="0"/>
-              <a:t>进行测试</a:t>
-            </a:r>
-            <a:endParaRPr lang="en-US" altLang="zh-CN" dirty="0"/>
+              <a:rPr lang="zh-CN" altLang="en-US" b="0" i="0" dirty="0">
+                <a:solidFill>
+                  <a:srgbClr val="4D4D4D"/>
+                </a:solidFill>
+                <a:effectLst/>
+                <a:latin typeface="-apple-system"/>
+              </a:rPr>
+              <a:t>集成测试是把已进行过单元测试的模块组装起来进行测试，目的在于检验与软件设计相关的程序结构问题，</a:t>
+            </a:r>
+            <a:endParaRPr lang="en-US" altLang="zh-CN" b="0" i="0" dirty="0">
+              <a:solidFill>
+                <a:srgbClr val="4D4D4D"/>
+              </a:solidFill>
+              <a:effectLst/>
+              <a:latin typeface="-apple-system"/>
+            </a:endParaRPr>
           </a:p>
           <a:p>
             <a:r>
-              <a:rPr lang="zh-CN" altLang="en-US" dirty="0"/>
-              <a:t>集成测试采用</a:t>
-            </a:r>
-            <a:r>
-              <a:rPr lang="en-US" altLang="zh-CN" dirty="0"/>
+              <a:rPr lang="zh-CN" altLang="en-US" b="0" i="0" dirty="0">
+                <a:solidFill>
+                  <a:srgbClr val="4D4D4D"/>
+                </a:solidFill>
+                <a:effectLst/>
+                <a:latin typeface="-apple-system"/>
+              </a:rPr>
+              <a:t>所以集成测试我们采用</a:t>
+            </a:r>
+            <a:r>
+              <a:rPr lang="en-US" altLang="zh-CN" b="0" i="0" dirty="0">
+                <a:solidFill>
+                  <a:srgbClr val="4D4D4D"/>
+                </a:solidFill>
+                <a:effectLst/>
+                <a:latin typeface="-apple-system"/>
+              </a:rPr>
               <a:t>postman</a:t>
             </a:r>
             <a:r>
-              <a:rPr lang="zh-CN" altLang="en-US" dirty="0"/>
-              <a:t>和前端页面一起测试</a:t>
+              <a:rPr lang="zh-CN" altLang="en-US" b="0" i="0" dirty="0">
+                <a:solidFill>
+                  <a:srgbClr val="4D4D4D"/>
+                </a:solidFill>
+                <a:effectLst/>
+                <a:latin typeface="-apple-system"/>
+              </a:rPr>
+              <a:t>测试接口是否正常，采用场景法就是流程图进行测试</a:t>
             </a:r>
           </a:p>
         </p:txBody>
@@ -10929,13 +10980,13 @@
   <p:clrMapOvr>
     <a:masterClrMapping/>
   </p:clrMapOvr>
-  <mc:AlternateContent xmlns:mc="http://schemas.openxmlformats.org/markup-compatibility/2006">
-    <mc:Choice xmlns:p14="http://schemas.microsoft.com/office/powerpoint/2010/main" Requires="p14">
+  <mc:AlternateContent xmlns:mc="http://schemas.openxmlformats.org/markup-compatibility/2006" xmlns:p14="http://schemas.microsoft.com/office/powerpoint/2010/main">
+    <mc:Choice Requires="p14">
       <p:transition spd="med" p14:dur="700">
         <p:fade/>
       </p:transition>
     </mc:Choice>
-    <mc:Fallback>
+    <mc:Fallback xmlns="">
       <p:transition spd="med">
         <p:fade/>
       </p:transition>
